--- a/materiais/03) Imagens/01) imagens_ppt.pptx
+++ b/materiais/03) Imagens/01) imagens_ppt.pptx
@@ -21,6 +21,9 @@
     <p:sldId id="267" r:id="rId15"/>
     <p:sldId id="269" r:id="rId16"/>
     <p:sldId id="270" r:id="rId17"/>
+    <p:sldId id="272" r:id="rId18"/>
+    <p:sldId id="273" r:id="rId19"/>
+    <p:sldId id="274" r:id="rId20"/>
   </p:sldIdLst>
   <p:sldSz cx="12192000" cy="6858000"/>
   <p:notesSz cx="6858000" cy="9144000"/>
@@ -274,7 +277,7 @@
           <a:p>
             <a:fld id="{58747F50-A787-42AD-BD4D-DDC713A9E983}" type="datetimeFigureOut">
               <a:rPr lang="pt-BR" smtClean="0"/>
-              <a:t>30/04/2021</a:t>
+              <a:t>01/05/2021</a:t>
             </a:fld>
             <a:endParaRPr lang="pt-BR"/>
           </a:p>
@@ -472,7 +475,7 @@
           <a:p>
             <a:fld id="{58747F50-A787-42AD-BD4D-DDC713A9E983}" type="datetimeFigureOut">
               <a:rPr lang="pt-BR" smtClean="0"/>
-              <a:t>30/04/2021</a:t>
+              <a:t>01/05/2021</a:t>
             </a:fld>
             <a:endParaRPr lang="pt-BR"/>
           </a:p>
@@ -680,7 +683,7 @@
           <a:p>
             <a:fld id="{58747F50-A787-42AD-BD4D-DDC713A9E983}" type="datetimeFigureOut">
               <a:rPr lang="pt-BR" smtClean="0"/>
-              <a:t>30/04/2021</a:t>
+              <a:t>01/05/2021</a:t>
             </a:fld>
             <a:endParaRPr lang="pt-BR"/>
           </a:p>
@@ -878,7 +881,7 @@
           <a:p>
             <a:fld id="{58747F50-A787-42AD-BD4D-DDC713A9E983}" type="datetimeFigureOut">
               <a:rPr lang="pt-BR" smtClean="0"/>
-              <a:t>30/04/2021</a:t>
+              <a:t>01/05/2021</a:t>
             </a:fld>
             <a:endParaRPr lang="pt-BR"/>
           </a:p>
@@ -1153,7 +1156,7 @@
           <a:p>
             <a:fld id="{58747F50-A787-42AD-BD4D-DDC713A9E983}" type="datetimeFigureOut">
               <a:rPr lang="pt-BR" smtClean="0"/>
-              <a:t>30/04/2021</a:t>
+              <a:t>01/05/2021</a:t>
             </a:fld>
             <a:endParaRPr lang="pt-BR"/>
           </a:p>
@@ -1418,7 +1421,7 @@
           <a:p>
             <a:fld id="{58747F50-A787-42AD-BD4D-DDC713A9E983}" type="datetimeFigureOut">
               <a:rPr lang="pt-BR" smtClean="0"/>
-              <a:t>30/04/2021</a:t>
+              <a:t>01/05/2021</a:t>
             </a:fld>
             <a:endParaRPr lang="pt-BR"/>
           </a:p>
@@ -1830,7 +1833,7 @@
           <a:p>
             <a:fld id="{58747F50-A787-42AD-BD4D-DDC713A9E983}" type="datetimeFigureOut">
               <a:rPr lang="pt-BR" smtClean="0"/>
-              <a:t>30/04/2021</a:t>
+              <a:t>01/05/2021</a:t>
             </a:fld>
             <a:endParaRPr lang="pt-BR"/>
           </a:p>
@@ -1971,7 +1974,7 @@
           <a:p>
             <a:fld id="{58747F50-A787-42AD-BD4D-DDC713A9E983}" type="datetimeFigureOut">
               <a:rPr lang="pt-BR" smtClean="0"/>
-              <a:t>30/04/2021</a:t>
+              <a:t>01/05/2021</a:t>
             </a:fld>
             <a:endParaRPr lang="pt-BR"/>
           </a:p>
@@ -2084,7 +2087,7 @@
           <a:p>
             <a:fld id="{58747F50-A787-42AD-BD4D-DDC713A9E983}" type="datetimeFigureOut">
               <a:rPr lang="pt-BR" smtClean="0"/>
-              <a:t>30/04/2021</a:t>
+              <a:t>01/05/2021</a:t>
             </a:fld>
             <a:endParaRPr lang="pt-BR"/>
           </a:p>
@@ -2395,7 +2398,7 @@
           <a:p>
             <a:fld id="{58747F50-A787-42AD-BD4D-DDC713A9E983}" type="datetimeFigureOut">
               <a:rPr lang="pt-BR" smtClean="0"/>
-              <a:t>30/04/2021</a:t>
+              <a:t>01/05/2021</a:t>
             </a:fld>
             <a:endParaRPr lang="pt-BR"/>
           </a:p>
@@ -2683,7 +2686,7 @@
           <a:p>
             <a:fld id="{58747F50-A787-42AD-BD4D-DDC713A9E983}" type="datetimeFigureOut">
               <a:rPr lang="pt-BR" smtClean="0"/>
-              <a:t>30/04/2021</a:t>
+              <a:t>01/05/2021</a:t>
             </a:fld>
             <a:endParaRPr lang="pt-BR"/>
           </a:p>
@@ -2924,7 +2927,7 @@
           <a:p>
             <a:fld id="{58747F50-A787-42AD-BD4D-DDC713A9E983}" type="datetimeFigureOut">
               <a:rPr lang="pt-BR" smtClean="0"/>
-              <a:t>30/04/2021</a:t>
+              <a:t>01/05/2021</a:t>
             </a:fld>
             <a:endParaRPr lang="pt-BR"/>
           </a:p>
@@ -11757,6 +11760,1660 @@
 </p:sld>
 </file>
 
+<file path=ppt/slides/slide17.xml><?xml version="1.0" encoding="utf-8"?>
+<p:sld xmlns:a="http://schemas.openxmlformats.org/drawingml/2006/main" xmlns:r="http://schemas.openxmlformats.org/officeDocument/2006/relationships" xmlns:p="http://schemas.openxmlformats.org/presentationml/2006/main">
+  <p:cSld>
+    <p:spTree>
+      <p:nvGrpSpPr>
+        <p:cNvPr id="1" name=""/>
+        <p:cNvGrpSpPr/>
+        <p:nvPr/>
+      </p:nvGrpSpPr>
+      <p:grpSpPr>
+        <a:xfrm>
+          <a:off x="0" y="0"/>
+          <a:ext cx="0" cy="0"/>
+          <a:chOff x="0" y="0"/>
+          <a:chExt cx="0" cy="0"/>
+        </a:xfrm>
+      </p:grpSpPr>
+      <p:grpSp>
+        <p:nvGrpSpPr>
+          <p:cNvPr id="36" name="Agrupar 35">
+            <a:extLst>
+              <a:ext uri="{FF2B5EF4-FFF2-40B4-BE49-F238E27FC236}">
+                <a16:creationId xmlns:a16="http://schemas.microsoft.com/office/drawing/2014/main" id="{23CA907A-BE00-4412-8ADA-3FC575C81442}"/>
+              </a:ext>
+            </a:extLst>
+          </p:cNvPr>
+          <p:cNvGrpSpPr/>
+          <p:nvPr/>
+        </p:nvGrpSpPr>
+        <p:grpSpPr>
+          <a:xfrm>
+            <a:off x="0" y="182010"/>
+            <a:ext cx="12236299" cy="6627293"/>
+            <a:chOff x="0" y="182010"/>
+            <a:chExt cx="12236299" cy="6627293"/>
+          </a:xfrm>
+        </p:grpSpPr>
+        <p:grpSp>
+          <p:nvGrpSpPr>
+            <p:cNvPr id="24" name="Agrupar 23">
+              <a:extLst>
+                <a:ext uri="{FF2B5EF4-FFF2-40B4-BE49-F238E27FC236}">
+                  <a16:creationId xmlns:a16="http://schemas.microsoft.com/office/drawing/2014/main" id="{2DFC3F7E-D1C5-4681-B430-DCA099D90CA5}"/>
+                </a:ext>
+              </a:extLst>
+            </p:cNvPr>
+            <p:cNvGrpSpPr/>
+            <p:nvPr/>
+          </p:nvGrpSpPr>
+          <p:grpSpPr>
+            <a:xfrm>
+              <a:off x="0" y="911299"/>
+              <a:ext cx="12236298" cy="5898004"/>
+              <a:chOff x="0" y="315875"/>
+              <a:chExt cx="12236298" cy="5898004"/>
+            </a:xfrm>
+          </p:grpSpPr>
+          <p:pic>
+            <p:nvPicPr>
+              <p:cNvPr id="5" name="Imagem 4">
+                <a:extLst>
+                  <a:ext uri="{FF2B5EF4-FFF2-40B4-BE49-F238E27FC236}">
+                    <a16:creationId xmlns:a16="http://schemas.microsoft.com/office/drawing/2014/main" id="{CED72BB9-F879-46C1-8D9A-829C6B30C624}"/>
+                  </a:ext>
+                </a:extLst>
+              </p:cNvPr>
+              <p:cNvPicPr>
+                <a:picLocks noChangeAspect="1"/>
+              </p:cNvPicPr>
+              <p:nvPr/>
+            </p:nvPicPr>
+            <p:blipFill rotWithShape="1">
+              <a:blip r:embed="rId2"/>
+              <a:srcRect t="770" b="2173"/>
+              <a:stretch/>
+            </p:blipFill>
+            <p:spPr>
+              <a:xfrm>
+                <a:off x="0" y="315875"/>
+                <a:ext cx="3076575" cy="5361911"/>
+              </a:xfrm>
+              <a:prstGeom prst="rect">
+                <a:avLst/>
+              </a:prstGeom>
+            </p:spPr>
+          </p:pic>
+          <p:pic>
+            <p:nvPicPr>
+              <p:cNvPr id="7" name="Imagem 6">
+                <a:extLst>
+                  <a:ext uri="{FF2B5EF4-FFF2-40B4-BE49-F238E27FC236}">
+                    <a16:creationId xmlns:a16="http://schemas.microsoft.com/office/drawing/2014/main" id="{63830825-3A17-432D-9897-F88D19692716}"/>
+                  </a:ext>
+                </a:extLst>
+              </p:cNvPr>
+              <p:cNvPicPr>
+                <a:picLocks noChangeAspect="1"/>
+              </p:cNvPicPr>
+              <p:nvPr/>
+            </p:nvPicPr>
+            <p:blipFill rotWithShape="1">
+              <a:blip r:embed="rId3"/>
+              <a:srcRect b="3110"/>
+              <a:stretch/>
+            </p:blipFill>
+            <p:spPr>
+              <a:xfrm>
+                <a:off x="3055309" y="315875"/>
+                <a:ext cx="3067050" cy="5361911"/>
+              </a:xfrm>
+              <a:prstGeom prst="rect">
+                <a:avLst/>
+              </a:prstGeom>
+            </p:spPr>
+          </p:pic>
+          <p:pic>
+            <p:nvPicPr>
+              <p:cNvPr id="11" name="Imagem 10">
+                <a:extLst>
+                  <a:ext uri="{FF2B5EF4-FFF2-40B4-BE49-F238E27FC236}">
+                    <a16:creationId xmlns:a16="http://schemas.microsoft.com/office/drawing/2014/main" id="{5243E9D2-BF84-46AA-A4E3-6E266D8B9CE0}"/>
+                  </a:ext>
+                </a:extLst>
+              </p:cNvPr>
+              <p:cNvPicPr>
+                <a:picLocks noChangeAspect="1"/>
+              </p:cNvPicPr>
+              <p:nvPr/>
+            </p:nvPicPr>
+            <p:blipFill rotWithShape="1">
+              <a:blip r:embed="rId4"/>
+              <a:srcRect t="2461" b="4183"/>
+              <a:stretch/>
+            </p:blipFill>
+            <p:spPr>
+              <a:xfrm>
+                <a:off x="6122359" y="315875"/>
+                <a:ext cx="3057525" cy="5361911"/>
+              </a:xfrm>
+              <a:prstGeom prst="rect">
+                <a:avLst/>
+              </a:prstGeom>
+            </p:spPr>
+          </p:pic>
+          <p:pic>
+            <p:nvPicPr>
+              <p:cNvPr id="13" name="Imagem 12">
+                <a:extLst>
+                  <a:ext uri="{FF2B5EF4-FFF2-40B4-BE49-F238E27FC236}">
+                    <a16:creationId xmlns:a16="http://schemas.microsoft.com/office/drawing/2014/main" id="{2353A759-1C64-42FA-93FD-E759A098C9FA}"/>
+                  </a:ext>
+                </a:extLst>
+              </p:cNvPr>
+              <p:cNvPicPr>
+                <a:picLocks noChangeAspect="1"/>
+              </p:cNvPicPr>
+              <p:nvPr/>
+            </p:nvPicPr>
+            <p:blipFill rotWithShape="1">
+              <a:blip r:embed="rId5"/>
+              <a:srcRect l="5310" t="1301" b="4088"/>
+              <a:stretch/>
+            </p:blipFill>
+            <p:spPr>
+              <a:xfrm>
+                <a:off x="9178773" y="315875"/>
+                <a:ext cx="3057525" cy="5361911"/>
+              </a:xfrm>
+              <a:prstGeom prst="rect">
+                <a:avLst/>
+              </a:prstGeom>
+            </p:spPr>
+          </p:pic>
+          <p:sp>
+            <p:nvSpPr>
+              <p:cNvPr id="20" name="CaixaDeTexto 19">
+                <a:extLst>
+                  <a:ext uri="{FF2B5EF4-FFF2-40B4-BE49-F238E27FC236}">
+                    <a16:creationId xmlns:a16="http://schemas.microsoft.com/office/drawing/2014/main" id="{2DF4F2E1-5BB4-47A9-87AB-FFA9B8174D28}"/>
+                  </a:ext>
+                </a:extLst>
+              </p:cNvPr>
+              <p:cNvSpPr txBox="1"/>
+              <p:nvPr/>
+            </p:nvSpPr>
+            <p:spPr>
+              <a:xfrm>
+                <a:off x="1298478" y="5752214"/>
+                <a:ext cx="575799" cy="461665"/>
+              </a:xfrm>
+              <a:prstGeom prst="rect">
+                <a:avLst/>
+              </a:prstGeom>
+              <a:noFill/>
+            </p:spPr>
+            <p:txBody>
+              <a:bodyPr wrap="none" rtlCol="0">
+                <a:spAutoFit/>
+              </a:bodyPr>
+              <a:lstStyle/>
+              <a:p>
+                <a:r>
+                  <a:rPr lang="pt-BR" sz="2400" dirty="0">
+                    <a:latin typeface="CMU Serif" panose="02000603000000000000" pitchFamily="50" charset="0"/>
+                    <a:ea typeface="CMU Serif" panose="02000603000000000000" pitchFamily="50" charset="0"/>
+                    <a:cs typeface="CMU Serif" panose="02000603000000000000" pitchFamily="50" charset="0"/>
+                  </a:rPr>
+                  <a:t>(a)</a:t>
+                </a:r>
+              </a:p>
+            </p:txBody>
+          </p:sp>
+          <p:sp>
+            <p:nvSpPr>
+              <p:cNvPr id="21" name="CaixaDeTexto 20">
+                <a:extLst>
+                  <a:ext uri="{FF2B5EF4-FFF2-40B4-BE49-F238E27FC236}">
+                    <a16:creationId xmlns:a16="http://schemas.microsoft.com/office/drawing/2014/main" id="{12D67812-FF1A-417E-A873-B5F237922371}"/>
+                  </a:ext>
+                </a:extLst>
+              </p:cNvPr>
+              <p:cNvSpPr txBox="1"/>
+              <p:nvPr/>
+            </p:nvSpPr>
+            <p:spPr>
+              <a:xfrm>
+                <a:off x="4349025" y="5752214"/>
+                <a:ext cx="593432" cy="461665"/>
+              </a:xfrm>
+              <a:prstGeom prst="rect">
+                <a:avLst/>
+              </a:prstGeom>
+              <a:noFill/>
+            </p:spPr>
+            <p:txBody>
+              <a:bodyPr wrap="none" rtlCol="0">
+                <a:spAutoFit/>
+              </a:bodyPr>
+              <a:lstStyle/>
+              <a:p>
+                <a:r>
+                  <a:rPr lang="pt-BR" sz="2400" dirty="0">
+                    <a:latin typeface="CMU Serif" panose="02000603000000000000" pitchFamily="50" charset="0"/>
+                    <a:ea typeface="CMU Serif" panose="02000603000000000000" pitchFamily="50" charset="0"/>
+                    <a:cs typeface="CMU Serif" panose="02000603000000000000" pitchFamily="50" charset="0"/>
+                  </a:rPr>
+                  <a:t>(b)</a:t>
+                </a:r>
+              </a:p>
+            </p:txBody>
+          </p:sp>
+          <p:sp>
+            <p:nvSpPr>
+              <p:cNvPr id="22" name="CaixaDeTexto 21">
+                <a:extLst>
+                  <a:ext uri="{FF2B5EF4-FFF2-40B4-BE49-F238E27FC236}">
+                    <a16:creationId xmlns:a16="http://schemas.microsoft.com/office/drawing/2014/main" id="{6E754C24-6871-4AE1-ABA8-1FA80C3E4F9F}"/>
+                  </a:ext>
+                </a:extLst>
+              </p:cNvPr>
+              <p:cNvSpPr txBox="1"/>
+              <p:nvPr/>
+            </p:nvSpPr>
+            <p:spPr>
+              <a:xfrm>
+                <a:off x="7411312" y="5752214"/>
+                <a:ext cx="558166" cy="461665"/>
+              </a:xfrm>
+              <a:prstGeom prst="rect">
+                <a:avLst/>
+              </a:prstGeom>
+              <a:noFill/>
+            </p:spPr>
+            <p:txBody>
+              <a:bodyPr wrap="none" rtlCol="0">
+                <a:spAutoFit/>
+              </a:bodyPr>
+              <a:lstStyle/>
+              <a:p>
+                <a:r>
+                  <a:rPr lang="pt-BR" sz="2400" dirty="0">
+                    <a:latin typeface="CMU Serif" panose="02000603000000000000" pitchFamily="50" charset="0"/>
+                    <a:ea typeface="CMU Serif" panose="02000603000000000000" pitchFamily="50" charset="0"/>
+                    <a:cs typeface="CMU Serif" panose="02000603000000000000" pitchFamily="50" charset="0"/>
+                  </a:rPr>
+                  <a:t>(c)</a:t>
+                </a:r>
+              </a:p>
+            </p:txBody>
+          </p:sp>
+          <p:sp>
+            <p:nvSpPr>
+              <p:cNvPr id="23" name="CaixaDeTexto 22">
+                <a:extLst>
+                  <a:ext uri="{FF2B5EF4-FFF2-40B4-BE49-F238E27FC236}">
+                    <a16:creationId xmlns:a16="http://schemas.microsoft.com/office/drawing/2014/main" id="{3F9E5D25-9BA1-49DD-A4EC-A246689B622D}"/>
+                  </a:ext>
+                </a:extLst>
+              </p:cNvPr>
+              <p:cNvSpPr txBox="1"/>
+              <p:nvPr/>
+            </p:nvSpPr>
+            <p:spPr>
+              <a:xfrm>
+                <a:off x="10473599" y="5752214"/>
+                <a:ext cx="593432" cy="461665"/>
+              </a:xfrm>
+              <a:prstGeom prst="rect">
+                <a:avLst/>
+              </a:prstGeom>
+              <a:noFill/>
+            </p:spPr>
+            <p:txBody>
+              <a:bodyPr wrap="none" rtlCol="0">
+                <a:spAutoFit/>
+              </a:bodyPr>
+              <a:lstStyle/>
+              <a:p>
+                <a:r>
+                  <a:rPr lang="pt-BR" sz="2400" dirty="0">
+                    <a:latin typeface="CMU Serif" panose="02000603000000000000" pitchFamily="50" charset="0"/>
+                    <a:ea typeface="CMU Serif" panose="02000603000000000000" pitchFamily="50" charset="0"/>
+                    <a:cs typeface="CMU Serif" panose="02000603000000000000" pitchFamily="50" charset="0"/>
+                  </a:rPr>
+                  <a:t>(d)</a:t>
+                </a:r>
+              </a:p>
+            </p:txBody>
+          </p:sp>
+        </p:grpSp>
+        <p:pic>
+          <p:nvPicPr>
+            <p:cNvPr id="35" name="Imagem 34">
+              <a:extLst>
+                <a:ext uri="{FF2B5EF4-FFF2-40B4-BE49-F238E27FC236}">
+                  <a16:creationId xmlns:a16="http://schemas.microsoft.com/office/drawing/2014/main" id="{A1D7F07B-D35E-4C2F-8035-3B2B8CB4DAC8}"/>
+                </a:ext>
+              </a:extLst>
+            </p:cNvPr>
+            <p:cNvPicPr>
+              <a:picLocks noChangeAspect="1"/>
+            </p:cNvPicPr>
+            <p:nvPr/>
+          </p:nvPicPr>
+          <p:blipFill>
+            <a:blip r:embed="rId6"/>
+            <a:stretch>
+              <a:fillRect/>
+            </a:stretch>
+          </p:blipFill>
+          <p:spPr>
+            <a:xfrm>
+              <a:off x="1" y="182010"/>
+              <a:ext cx="12236298" cy="733425"/>
+            </a:xfrm>
+            <a:prstGeom prst="rect">
+              <a:avLst/>
+            </a:prstGeom>
+          </p:spPr>
+        </p:pic>
+        <p:sp>
+          <p:nvSpPr>
+            <p:cNvPr id="33" name="CaixaDeTexto 32">
+              <a:extLst>
+                <a:ext uri="{FF2B5EF4-FFF2-40B4-BE49-F238E27FC236}">
+                  <a16:creationId xmlns:a16="http://schemas.microsoft.com/office/drawing/2014/main" id="{A8B4F387-49F5-4D8C-A5C1-A0BAB071BA72}"/>
+                </a:ext>
+              </a:extLst>
+            </p:cNvPr>
+            <p:cNvSpPr txBox="1"/>
+            <p:nvPr/>
+          </p:nvSpPr>
+          <p:spPr>
+            <a:xfrm>
+              <a:off x="11399801" y="836871"/>
+              <a:ext cx="825867" cy="646331"/>
+            </a:xfrm>
+            <a:prstGeom prst="rect">
+              <a:avLst/>
+            </a:prstGeom>
+            <a:noFill/>
+          </p:spPr>
+          <p:txBody>
+            <a:bodyPr wrap="none" rtlCol="0">
+              <a:spAutoFit/>
+            </a:bodyPr>
+            <a:lstStyle/>
+            <a:p>
+              <a:r>
+                <a:rPr lang="pt-BR" dirty="0" err="1">
+                  <a:solidFill>
+                    <a:schemeClr val="bg1"/>
+                  </a:solidFill>
+                  <a:latin typeface="CMU Serif" panose="02000603000000000000" pitchFamily="50" charset="0"/>
+                  <a:ea typeface="CMU Serif" panose="02000603000000000000" pitchFamily="50" charset="0"/>
+                  <a:cs typeface="CMU Serif" panose="02000603000000000000" pitchFamily="50" charset="0"/>
+                </a:rPr>
+                <a:t>Máx</a:t>
+              </a:r>
+              <a:r>
+                <a:rPr lang="pt-BR" dirty="0">
+                  <a:solidFill>
+                    <a:schemeClr val="bg1"/>
+                  </a:solidFill>
+                  <a:latin typeface="CMU Serif" panose="02000603000000000000" pitchFamily="50" charset="0"/>
+                  <a:ea typeface="CMU Serif" panose="02000603000000000000" pitchFamily="50" charset="0"/>
+                  <a:cs typeface="CMU Serif" panose="02000603000000000000" pitchFamily="50" charset="0"/>
+                </a:rPr>
+                <a:t>:</a:t>
+              </a:r>
+            </a:p>
+            <a:p>
+              <a:r>
+                <a:rPr lang="pt-BR" dirty="0">
+                  <a:solidFill>
+                    <a:schemeClr val="bg1"/>
+                  </a:solidFill>
+                  <a:latin typeface="CMU Serif" panose="02000603000000000000" pitchFamily="50" charset="0"/>
+                  <a:ea typeface="CMU Serif" panose="02000603000000000000" pitchFamily="50" charset="0"/>
+                  <a:cs typeface="CMU Serif" panose="02000603000000000000" pitchFamily="50" charset="0"/>
+                </a:rPr>
+                <a:t>144.82</a:t>
+              </a:r>
+            </a:p>
+          </p:txBody>
+        </p:sp>
+      </p:grpSp>
+    </p:spTree>
+    <p:extLst>
+      <p:ext uri="{BB962C8B-B14F-4D97-AF65-F5344CB8AC3E}">
+        <p14:creationId xmlns:p14="http://schemas.microsoft.com/office/powerpoint/2010/main" val="84505900"/>
+      </p:ext>
+    </p:extLst>
+  </p:cSld>
+  <p:clrMapOvr>
+    <a:masterClrMapping/>
+  </p:clrMapOvr>
+</p:sld>
+</file>
+
+<file path=ppt/slides/slide18.xml><?xml version="1.0" encoding="utf-8"?>
+<p:sld xmlns:a="http://schemas.openxmlformats.org/drawingml/2006/main" xmlns:r="http://schemas.openxmlformats.org/officeDocument/2006/relationships" xmlns:p="http://schemas.openxmlformats.org/presentationml/2006/main">
+  <p:cSld>
+    <p:spTree>
+      <p:nvGrpSpPr>
+        <p:cNvPr id="1" name=""/>
+        <p:cNvGrpSpPr/>
+        <p:nvPr/>
+      </p:nvGrpSpPr>
+      <p:grpSpPr>
+        <a:xfrm>
+          <a:off x="0" y="0"/>
+          <a:ext cx="0" cy="0"/>
+          <a:chOff x="0" y="0"/>
+          <a:chExt cx="0" cy="0"/>
+        </a:xfrm>
+      </p:grpSpPr>
+      <p:grpSp>
+        <p:nvGrpSpPr>
+          <p:cNvPr id="37" name="Agrupar 36">
+            <a:extLst>
+              <a:ext uri="{FF2B5EF4-FFF2-40B4-BE49-F238E27FC236}">
+                <a16:creationId xmlns:a16="http://schemas.microsoft.com/office/drawing/2014/main" id="{C190AFF0-CE02-40FC-937A-068198D730B0}"/>
+              </a:ext>
+            </a:extLst>
+          </p:cNvPr>
+          <p:cNvGrpSpPr/>
+          <p:nvPr/>
+        </p:nvGrpSpPr>
+        <p:grpSpPr>
+          <a:xfrm>
+            <a:off x="70872" y="592125"/>
+            <a:ext cx="10770957" cy="6021226"/>
+            <a:chOff x="70872" y="592125"/>
+            <a:chExt cx="10770957" cy="6021226"/>
+          </a:xfrm>
+        </p:grpSpPr>
+        <p:grpSp>
+          <p:nvGrpSpPr>
+            <p:cNvPr id="29" name="Agrupar 28">
+              <a:extLst>
+                <a:ext uri="{FF2B5EF4-FFF2-40B4-BE49-F238E27FC236}">
+                  <a16:creationId xmlns:a16="http://schemas.microsoft.com/office/drawing/2014/main" id="{87B21F75-1E70-49B0-8CDF-C7FD4DD69E77}"/>
+                </a:ext>
+              </a:extLst>
+            </p:cNvPr>
+            <p:cNvGrpSpPr/>
+            <p:nvPr/>
+          </p:nvGrpSpPr>
+          <p:grpSpPr>
+            <a:xfrm>
+              <a:off x="70872" y="2007890"/>
+              <a:ext cx="10770957" cy="4605461"/>
+              <a:chOff x="70872" y="2007890"/>
+              <a:chExt cx="10770957" cy="4605461"/>
+            </a:xfrm>
+          </p:grpSpPr>
+          <p:grpSp>
+            <p:nvGrpSpPr>
+              <p:cNvPr id="24" name="Agrupar 23">
+                <a:extLst>
+                  <a:ext uri="{FF2B5EF4-FFF2-40B4-BE49-F238E27FC236}">
+                    <a16:creationId xmlns:a16="http://schemas.microsoft.com/office/drawing/2014/main" id="{2DFC3F7E-D1C5-4681-B430-DCA099D90CA5}"/>
+                  </a:ext>
+                </a:extLst>
+              </p:cNvPr>
+              <p:cNvGrpSpPr/>
+              <p:nvPr/>
+            </p:nvGrpSpPr>
+            <p:grpSpPr>
+              <a:xfrm>
+                <a:off x="1211722" y="6139561"/>
+                <a:ext cx="8555076" cy="473790"/>
+                <a:chOff x="1524952" y="5688968"/>
+                <a:chExt cx="8555076" cy="473790"/>
+              </a:xfrm>
+            </p:grpSpPr>
+            <p:sp>
+              <p:nvSpPr>
+                <p:cNvPr id="20" name="CaixaDeTexto 19">
+                  <a:extLst>
+                    <a:ext uri="{FF2B5EF4-FFF2-40B4-BE49-F238E27FC236}">
+                      <a16:creationId xmlns:a16="http://schemas.microsoft.com/office/drawing/2014/main" id="{2DF4F2E1-5BB4-47A9-87AB-FFA9B8174D28}"/>
+                    </a:ext>
+                  </a:extLst>
+                </p:cNvPr>
+                <p:cNvSpPr txBox="1"/>
+                <p:nvPr/>
+              </p:nvSpPr>
+              <p:spPr>
+                <a:xfrm>
+                  <a:off x="1524952" y="5688969"/>
+                  <a:ext cx="575799" cy="461665"/>
+                </a:xfrm>
+                <a:prstGeom prst="rect">
+                  <a:avLst/>
+                </a:prstGeom>
+                <a:noFill/>
+              </p:spPr>
+              <p:txBody>
+                <a:bodyPr wrap="none" rtlCol="0">
+                  <a:spAutoFit/>
+                </a:bodyPr>
+                <a:lstStyle/>
+                <a:p>
+                  <a:r>
+                    <a:rPr lang="pt-BR" sz="2400" dirty="0">
+                      <a:latin typeface="CMU Serif" panose="02000603000000000000" pitchFamily="50" charset="0"/>
+                      <a:ea typeface="CMU Serif" panose="02000603000000000000" pitchFamily="50" charset="0"/>
+                      <a:cs typeface="CMU Serif" panose="02000603000000000000" pitchFamily="50" charset="0"/>
+                    </a:rPr>
+                    <a:t>(a)</a:t>
+                  </a:r>
+                </a:p>
+              </p:txBody>
+            </p:sp>
+            <p:sp>
+              <p:nvSpPr>
+                <p:cNvPr id="21" name="CaixaDeTexto 20">
+                  <a:extLst>
+                    <a:ext uri="{FF2B5EF4-FFF2-40B4-BE49-F238E27FC236}">
+                      <a16:creationId xmlns:a16="http://schemas.microsoft.com/office/drawing/2014/main" id="{12D67812-FF1A-417E-A873-B5F237922371}"/>
+                    </a:ext>
+                  </a:extLst>
+                </p:cNvPr>
+                <p:cNvSpPr txBox="1"/>
+                <p:nvPr/>
+              </p:nvSpPr>
+              <p:spPr>
+                <a:xfrm>
+                  <a:off x="4233932" y="5688969"/>
+                  <a:ext cx="593432" cy="461665"/>
+                </a:xfrm>
+                <a:prstGeom prst="rect">
+                  <a:avLst/>
+                </a:prstGeom>
+                <a:noFill/>
+              </p:spPr>
+              <p:txBody>
+                <a:bodyPr wrap="none" rtlCol="0">
+                  <a:spAutoFit/>
+                </a:bodyPr>
+                <a:lstStyle/>
+                <a:p>
+                  <a:r>
+                    <a:rPr lang="pt-BR" sz="2400" dirty="0">
+                      <a:latin typeface="CMU Serif" panose="02000603000000000000" pitchFamily="50" charset="0"/>
+                      <a:ea typeface="CMU Serif" panose="02000603000000000000" pitchFamily="50" charset="0"/>
+                      <a:cs typeface="CMU Serif" panose="02000603000000000000" pitchFamily="50" charset="0"/>
+                    </a:rPr>
+                    <a:t>(b)</a:t>
+                  </a:r>
+                </a:p>
+              </p:txBody>
+            </p:sp>
+            <p:sp>
+              <p:nvSpPr>
+                <p:cNvPr id="22" name="CaixaDeTexto 21">
+                  <a:extLst>
+                    <a:ext uri="{FF2B5EF4-FFF2-40B4-BE49-F238E27FC236}">
+                      <a16:creationId xmlns:a16="http://schemas.microsoft.com/office/drawing/2014/main" id="{6E754C24-6871-4AE1-ABA8-1FA80C3E4F9F}"/>
+                    </a:ext>
+                  </a:extLst>
+                </p:cNvPr>
+                <p:cNvSpPr txBox="1"/>
+                <p:nvPr/>
+              </p:nvSpPr>
+              <p:spPr>
+                <a:xfrm>
+                  <a:off x="6877897" y="5701093"/>
+                  <a:ext cx="558166" cy="461665"/>
+                </a:xfrm>
+                <a:prstGeom prst="rect">
+                  <a:avLst/>
+                </a:prstGeom>
+                <a:noFill/>
+              </p:spPr>
+              <p:txBody>
+                <a:bodyPr wrap="none" rtlCol="0">
+                  <a:spAutoFit/>
+                </a:bodyPr>
+                <a:lstStyle/>
+                <a:p>
+                  <a:r>
+                    <a:rPr lang="pt-BR" sz="2400" dirty="0">
+                      <a:latin typeface="CMU Serif" panose="02000603000000000000" pitchFamily="50" charset="0"/>
+                      <a:ea typeface="CMU Serif" panose="02000603000000000000" pitchFamily="50" charset="0"/>
+                      <a:cs typeface="CMU Serif" panose="02000603000000000000" pitchFamily="50" charset="0"/>
+                    </a:rPr>
+                    <a:t>(c)</a:t>
+                  </a:r>
+                </a:p>
+              </p:txBody>
+            </p:sp>
+            <p:sp>
+              <p:nvSpPr>
+                <p:cNvPr id="23" name="CaixaDeTexto 22">
+                  <a:extLst>
+                    <a:ext uri="{FF2B5EF4-FFF2-40B4-BE49-F238E27FC236}">
+                      <a16:creationId xmlns:a16="http://schemas.microsoft.com/office/drawing/2014/main" id="{3F9E5D25-9BA1-49DD-A4EC-A246689B622D}"/>
+                    </a:ext>
+                  </a:extLst>
+                </p:cNvPr>
+                <p:cNvSpPr txBox="1"/>
+                <p:nvPr/>
+              </p:nvSpPr>
+              <p:spPr>
+                <a:xfrm>
+                  <a:off x="9486596" y="5688968"/>
+                  <a:ext cx="593432" cy="461665"/>
+                </a:xfrm>
+                <a:prstGeom prst="rect">
+                  <a:avLst/>
+                </a:prstGeom>
+                <a:noFill/>
+              </p:spPr>
+              <p:txBody>
+                <a:bodyPr wrap="none" rtlCol="0">
+                  <a:spAutoFit/>
+                </a:bodyPr>
+                <a:lstStyle/>
+                <a:p>
+                  <a:r>
+                    <a:rPr lang="pt-BR" sz="2400" dirty="0">
+                      <a:latin typeface="CMU Serif" panose="02000603000000000000" pitchFamily="50" charset="0"/>
+                      <a:ea typeface="CMU Serif" panose="02000603000000000000" pitchFamily="50" charset="0"/>
+                      <a:cs typeface="CMU Serif" panose="02000603000000000000" pitchFamily="50" charset="0"/>
+                    </a:rPr>
+                    <a:t>(d)</a:t>
+                  </a:r>
+                </a:p>
+              </p:txBody>
+            </p:sp>
+          </p:grpSp>
+          <p:pic>
+            <p:nvPicPr>
+              <p:cNvPr id="3" name="Imagem 2">
+                <a:extLst>
+                  <a:ext uri="{FF2B5EF4-FFF2-40B4-BE49-F238E27FC236}">
+                    <a16:creationId xmlns:a16="http://schemas.microsoft.com/office/drawing/2014/main" id="{F4B0AF33-D569-40B5-8D85-6DDB2D358AC8}"/>
+                  </a:ext>
+                </a:extLst>
+              </p:cNvPr>
+              <p:cNvPicPr>
+                <a:picLocks noChangeAspect="1"/>
+              </p:cNvPicPr>
+              <p:nvPr/>
+            </p:nvPicPr>
+            <p:blipFill rotWithShape="1">
+              <a:blip r:embed="rId2"/>
+              <a:srcRect t="3501"/>
+              <a:stretch/>
+            </p:blipFill>
+            <p:spPr>
+              <a:xfrm>
+                <a:off x="2561580" y="2020185"/>
+                <a:ext cx="3124200" cy="4081017"/>
+              </a:xfrm>
+              <a:prstGeom prst="rect">
+                <a:avLst/>
+              </a:prstGeom>
+            </p:spPr>
+          </p:pic>
+          <p:pic>
+            <p:nvPicPr>
+              <p:cNvPr id="9" name="Imagem 8">
+                <a:extLst>
+                  <a:ext uri="{FF2B5EF4-FFF2-40B4-BE49-F238E27FC236}">
+                    <a16:creationId xmlns:a16="http://schemas.microsoft.com/office/drawing/2014/main" id="{DD68AC7A-E7C7-44DB-A07D-D70432AD08BF}"/>
+                  </a:ext>
+                </a:extLst>
+              </p:cNvPr>
+              <p:cNvPicPr>
+                <a:picLocks noChangeAspect="1"/>
+              </p:cNvPicPr>
+              <p:nvPr/>
+            </p:nvPicPr>
+            <p:blipFill rotWithShape="1">
+              <a:blip r:embed="rId3"/>
+              <a:srcRect t="3126" b="2631"/>
+              <a:stretch/>
+            </p:blipFill>
+            <p:spPr>
+              <a:xfrm>
+                <a:off x="5419080" y="2007891"/>
+                <a:ext cx="2857500" cy="4093312"/>
+              </a:xfrm>
+              <a:prstGeom prst="rect">
+                <a:avLst/>
+              </a:prstGeom>
+            </p:spPr>
+          </p:pic>
+          <p:pic>
+            <p:nvPicPr>
+              <p:cNvPr id="15" name="Imagem 14">
+                <a:extLst>
+                  <a:ext uri="{FF2B5EF4-FFF2-40B4-BE49-F238E27FC236}">
+                    <a16:creationId xmlns:a16="http://schemas.microsoft.com/office/drawing/2014/main" id="{0B695262-686F-4C0D-98CA-9D882203E1C4}"/>
+                  </a:ext>
+                </a:extLst>
+              </p:cNvPr>
+              <p:cNvPicPr>
+                <a:picLocks noChangeAspect="1"/>
+              </p:cNvPicPr>
+              <p:nvPr/>
+            </p:nvPicPr>
+            <p:blipFill rotWithShape="1">
+              <a:blip r:embed="rId4"/>
+              <a:srcRect t="3092" b="3687"/>
+              <a:stretch/>
+            </p:blipFill>
+            <p:spPr>
+              <a:xfrm>
+                <a:off x="8089104" y="2007890"/>
+                <a:ext cx="2752725" cy="4093313"/>
+              </a:xfrm>
+              <a:prstGeom prst="rect">
+                <a:avLst/>
+              </a:prstGeom>
+            </p:spPr>
+          </p:pic>
+          <p:pic>
+            <p:nvPicPr>
+              <p:cNvPr id="17" name="Imagem 16">
+                <a:extLst>
+                  <a:ext uri="{FF2B5EF4-FFF2-40B4-BE49-F238E27FC236}">
+                    <a16:creationId xmlns:a16="http://schemas.microsoft.com/office/drawing/2014/main" id="{DEE124EA-6B5D-4CF4-80D7-DBF4BD329CB5}"/>
+                  </a:ext>
+                </a:extLst>
+              </p:cNvPr>
+              <p:cNvPicPr>
+                <a:picLocks noChangeAspect="1"/>
+              </p:cNvPicPr>
+              <p:nvPr/>
+            </p:nvPicPr>
+            <p:blipFill rotWithShape="1">
+              <a:blip r:embed="rId5"/>
+              <a:srcRect t="3212" r="5660" b="7997"/>
+              <a:stretch/>
+            </p:blipFill>
+            <p:spPr>
+              <a:xfrm>
+                <a:off x="70872" y="2020186"/>
+                <a:ext cx="2857500" cy="4093312"/>
+              </a:xfrm>
+              <a:prstGeom prst="rect">
+                <a:avLst/>
+              </a:prstGeom>
+            </p:spPr>
+          </p:pic>
+        </p:grpSp>
+        <p:pic>
+          <p:nvPicPr>
+            <p:cNvPr id="34" name="Imagem 33">
+              <a:extLst>
+                <a:ext uri="{FF2B5EF4-FFF2-40B4-BE49-F238E27FC236}">
+                  <a16:creationId xmlns:a16="http://schemas.microsoft.com/office/drawing/2014/main" id="{55D787E8-6AFE-405C-BF0B-D1AA641D316F}"/>
+                </a:ext>
+              </a:extLst>
+            </p:cNvPr>
+            <p:cNvPicPr>
+              <a:picLocks noChangeAspect="1"/>
+            </p:cNvPicPr>
+            <p:nvPr/>
+          </p:nvPicPr>
+          <p:blipFill>
+            <a:blip r:embed="rId6"/>
+            <a:stretch>
+              <a:fillRect/>
+            </a:stretch>
+          </p:blipFill>
+          <p:spPr>
+            <a:xfrm>
+              <a:off x="70872" y="592125"/>
+              <a:ext cx="10770957" cy="1428059"/>
+            </a:xfrm>
+            <a:prstGeom prst="rect">
+              <a:avLst/>
+            </a:prstGeom>
+          </p:spPr>
+        </p:pic>
+      </p:grpSp>
+    </p:spTree>
+    <p:extLst>
+      <p:ext uri="{BB962C8B-B14F-4D97-AF65-F5344CB8AC3E}">
+        <p14:creationId xmlns:p14="http://schemas.microsoft.com/office/powerpoint/2010/main" val="679996222"/>
+      </p:ext>
+    </p:extLst>
+  </p:cSld>
+  <p:clrMapOvr>
+    <a:masterClrMapping/>
+  </p:clrMapOvr>
+</p:sld>
+</file>
+
+<file path=ppt/slides/slide19.xml><?xml version="1.0" encoding="utf-8"?>
+<p:sld xmlns:a="http://schemas.openxmlformats.org/drawingml/2006/main" xmlns:r="http://schemas.openxmlformats.org/officeDocument/2006/relationships" xmlns:p="http://schemas.openxmlformats.org/presentationml/2006/main">
+  <p:cSld>
+    <p:spTree>
+      <p:nvGrpSpPr>
+        <p:cNvPr id="1" name=""/>
+        <p:cNvGrpSpPr/>
+        <p:nvPr/>
+      </p:nvGrpSpPr>
+      <p:grpSpPr>
+        <a:xfrm>
+          <a:off x="0" y="0"/>
+          <a:ext cx="0" cy="0"/>
+          <a:chOff x="0" y="0"/>
+          <a:chExt cx="0" cy="0"/>
+        </a:xfrm>
+      </p:grpSpPr>
+      <p:grpSp>
+        <p:nvGrpSpPr>
+          <p:cNvPr id="63" name="Agrupar 62">
+            <a:extLst>
+              <a:ext uri="{FF2B5EF4-FFF2-40B4-BE49-F238E27FC236}">
+                <a16:creationId xmlns:a16="http://schemas.microsoft.com/office/drawing/2014/main" id="{BB122EF1-6B8A-4D47-8715-3BEA5740B8C3}"/>
+              </a:ext>
+            </a:extLst>
+          </p:cNvPr>
+          <p:cNvGrpSpPr/>
+          <p:nvPr/>
+        </p:nvGrpSpPr>
+        <p:grpSpPr>
+          <a:xfrm>
+            <a:off x="-288076" y="-10543"/>
+            <a:ext cx="12480076" cy="7138308"/>
+            <a:chOff x="-288076" y="-10543"/>
+            <a:chExt cx="12480076" cy="7138308"/>
+          </a:xfrm>
+        </p:grpSpPr>
+        <p:pic>
+          <p:nvPicPr>
+            <p:cNvPr id="39" name="Imagem 38">
+              <a:extLst>
+                <a:ext uri="{FF2B5EF4-FFF2-40B4-BE49-F238E27FC236}">
+                  <a16:creationId xmlns:a16="http://schemas.microsoft.com/office/drawing/2014/main" id="{9E8A328C-C47B-42EB-83E0-0CD110C6ADEC}"/>
+                </a:ext>
+              </a:extLst>
+            </p:cNvPr>
+            <p:cNvPicPr>
+              <a:picLocks noChangeAspect="1"/>
+            </p:cNvPicPr>
+            <p:nvPr/>
+          </p:nvPicPr>
+          <p:blipFill rotWithShape="1">
+            <a:blip r:embed="rId2"/>
+            <a:srcRect r="8029"/>
+            <a:stretch/>
+          </p:blipFill>
+          <p:spPr>
+            <a:xfrm rot="16200000">
+              <a:off x="-3439210" y="3151129"/>
+              <a:ext cx="7127772" cy="825500"/>
+            </a:xfrm>
+            <a:prstGeom prst="rect">
+              <a:avLst/>
+            </a:prstGeom>
+          </p:spPr>
+        </p:pic>
+        <p:pic>
+          <p:nvPicPr>
+            <p:cNvPr id="38" name="Imagem 37">
+              <a:extLst>
+                <a:ext uri="{FF2B5EF4-FFF2-40B4-BE49-F238E27FC236}">
+                  <a16:creationId xmlns:a16="http://schemas.microsoft.com/office/drawing/2014/main" id="{17E3757C-FE67-4045-B76F-0BDFEF95F699}"/>
+                </a:ext>
+              </a:extLst>
+            </p:cNvPr>
+            <p:cNvPicPr>
+              <a:picLocks noChangeAspect="1"/>
+            </p:cNvPicPr>
+            <p:nvPr/>
+          </p:nvPicPr>
+          <p:blipFill rotWithShape="1">
+            <a:blip r:embed="rId2"/>
+            <a:srcRect r="8029"/>
+            <a:stretch/>
+          </p:blipFill>
+          <p:spPr>
+            <a:xfrm rot="16200000">
+              <a:off x="7555603" y="2491366"/>
+              <a:ext cx="7127770" cy="2145024"/>
+            </a:xfrm>
+            <a:prstGeom prst="rect">
+              <a:avLst/>
+            </a:prstGeom>
+          </p:spPr>
+        </p:pic>
+        <p:pic>
+          <p:nvPicPr>
+            <p:cNvPr id="52" name="Imagem 51">
+              <a:extLst>
+                <a:ext uri="{FF2B5EF4-FFF2-40B4-BE49-F238E27FC236}">
+                  <a16:creationId xmlns:a16="http://schemas.microsoft.com/office/drawing/2014/main" id="{A062514A-DD09-434A-BE22-709E49E1B78A}"/>
+                </a:ext>
+              </a:extLst>
+            </p:cNvPr>
+            <p:cNvPicPr>
+              <a:picLocks noChangeAspect="1"/>
+            </p:cNvPicPr>
+            <p:nvPr/>
+          </p:nvPicPr>
+          <p:blipFill rotWithShape="1">
+            <a:blip r:embed="rId3"/>
+            <a:srcRect l="17720" r="18305"/>
+            <a:stretch/>
+          </p:blipFill>
+          <p:spPr>
+            <a:xfrm>
+              <a:off x="10081477" y="3216402"/>
+              <a:ext cx="1968500" cy="3750528"/>
+            </a:xfrm>
+            <a:prstGeom prst="rect">
+              <a:avLst/>
+            </a:prstGeom>
+          </p:spPr>
+        </p:pic>
+        <p:pic>
+          <p:nvPicPr>
+            <p:cNvPr id="56" name="Imagem 55">
+              <a:extLst>
+                <a:ext uri="{FF2B5EF4-FFF2-40B4-BE49-F238E27FC236}">
+                  <a16:creationId xmlns:a16="http://schemas.microsoft.com/office/drawing/2014/main" id="{7CB0BF15-88CA-4BBB-B504-E4932769D3E3}"/>
+                </a:ext>
+              </a:extLst>
+            </p:cNvPr>
+            <p:cNvPicPr>
+              <a:picLocks noChangeAspect="1"/>
+            </p:cNvPicPr>
+            <p:nvPr/>
+          </p:nvPicPr>
+          <p:blipFill>
+            <a:blip r:embed="rId4"/>
+            <a:stretch>
+              <a:fillRect/>
+            </a:stretch>
+          </p:blipFill>
+          <p:spPr>
+            <a:xfrm>
+              <a:off x="4492979" y="-2"/>
+              <a:ext cx="4343400" cy="466947"/>
+            </a:xfrm>
+            <a:prstGeom prst="rect">
+              <a:avLst/>
+            </a:prstGeom>
+          </p:spPr>
+        </p:pic>
+        <p:grpSp>
+          <p:nvGrpSpPr>
+            <p:cNvPr id="62" name="Agrupar 61">
+              <a:extLst>
+                <a:ext uri="{FF2B5EF4-FFF2-40B4-BE49-F238E27FC236}">
+                  <a16:creationId xmlns:a16="http://schemas.microsoft.com/office/drawing/2014/main" id="{1C87D234-0100-492C-A8DC-998386DD2074}"/>
+                </a:ext>
+              </a:extLst>
+            </p:cNvPr>
+            <p:cNvGrpSpPr/>
+            <p:nvPr/>
+          </p:nvGrpSpPr>
+          <p:grpSpPr>
+            <a:xfrm>
+              <a:off x="-288076" y="-10543"/>
+              <a:ext cx="12480076" cy="7138308"/>
+              <a:chOff x="-288076" y="-10543"/>
+              <a:chExt cx="12480076" cy="7138308"/>
+            </a:xfrm>
+          </p:grpSpPr>
+          <p:grpSp>
+            <p:nvGrpSpPr>
+              <p:cNvPr id="60" name="Agrupar 59">
+                <a:extLst>
+                  <a:ext uri="{FF2B5EF4-FFF2-40B4-BE49-F238E27FC236}">
+                    <a16:creationId xmlns:a16="http://schemas.microsoft.com/office/drawing/2014/main" id="{3F1D60BD-6DBE-46AD-9BC6-14BC848BEBBA}"/>
+                  </a:ext>
+                </a:extLst>
+              </p:cNvPr>
+              <p:cNvGrpSpPr/>
+              <p:nvPr/>
+            </p:nvGrpSpPr>
+            <p:grpSpPr>
+              <a:xfrm>
+                <a:off x="-288076" y="-10543"/>
+                <a:ext cx="12480076" cy="7138308"/>
+                <a:chOff x="-288076" y="-10543"/>
+                <a:chExt cx="12480076" cy="7138308"/>
+              </a:xfrm>
+            </p:grpSpPr>
+            <p:grpSp>
+              <p:nvGrpSpPr>
+                <p:cNvPr id="40" name="Agrupar 39">
+                  <a:extLst>
+                    <a:ext uri="{FF2B5EF4-FFF2-40B4-BE49-F238E27FC236}">
+                      <a16:creationId xmlns:a16="http://schemas.microsoft.com/office/drawing/2014/main" id="{5A8E0114-0FAD-4B05-905C-4E224F0278F2}"/>
+                    </a:ext>
+                  </a:extLst>
+                </p:cNvPr>
+                <p:cNvGrpSpPr/>
+                <p:nvPr/>
+              </p:nvGrpSpPr>
+              <p:grpSpPr>
+                <a:xfrm>
+                  <a:off x="-215047" y="0"/>
+                  <a:ext cx="12407047" cy="7127765"/>
+                  <a:chOff x="-117897" y="622300"/>
+                  <a:chExt cx="12407047" cy="7127765"/>
+                </a:xfrm>
+              </p:grpSpPr>
+              <p:grpSp>
+                <p:nvGrpSpPr>
+                  <p:cNvPr id="13" name="Agrupar 12">
+                    <a:extLst>
+                      <a:ext uri="{FF2B5EF4-FFF2-40B4-BE49-F238E27FC236}">
+                        <a16:creationId xmlns:a16="http://schemas.microsoft.com/office/drawing/2014/main" id="{82D16F10-DFE1-4808-8D12-E9BC30C8D9D2}"/>
+                      </a:ext>
+                    </a:extLst>
+                  </p:cNvPr>
+                  <p:cNvGrpSpPr/>
+                  <p:nvPr/>
+                </p:nvGrpSpPr>
+                <p:grpSpPr>
+                  <a:xfrm>
+                    <a:off x="-117897" y="622300"/>
+                    <a:ext cx="10262022" cy="7127765"/>
+                    <a:chOff x="606002" y="831960"/>
+                    <a:chExt cx="10262022" cy="7127765"/>
+                  </a:xfrm>
+                </p:grpSpPr>
+                <p:grpSp>
+                  <p:nvGrpSpPr>
+                    <p:cNvPr id="12" name="Agrupar 11">
+                      <a:extLst>
+                        <a:ext uri="{FF2B5EF4-FFF2-40B4-BE49-F238E27FC236}">
+                          <a16:creationId xmlns:a16="http://schemas.microsoft.com/office/drawing/2014/main" id="{4E0B1F87-1F2F-4FD6-9CA5-513E4CBDC865}"/>
+                        </a:ext>
+                      </a:extLst>
+                    </p:cNvPr>
+                    <p:cNvGrpSpPr/>
+                    <p:nvPr/>
+                  </p:nvGrpSpPr>
+                  <p:grpSpPr>
+                    <a:xfrm>
+                      <a:off x="1323973" y="831960"/>
+                      <a:ext cx="9544051" cy="7127765"/>
+                      <a:chOff x="1323973" y="831960"/>
+                      <a:chExt cx="9544051" cy="7127765"/>
+                    </a:xfrm>
+                  </p:grpSpPr>
+                  <p:pic>
+                    <p:nvPicPr>
+                      <p:cNvPr id="4" name="Imagem 3">
+                        <a:extLst>
+                          <a:ext uri="{FF2B5EF4-FFF2-40B4-BE49-F238E27FC236}">
+                            <a16:creationId xmlns:a16="http://schemas.microsoft.com/office/drawing/2014/main" id="{9766CEAF-7565-4E46-85B9-526E675CF308}"/>
+                          </a:ext>
+                        </a:extLst>
+                      </p:cNvPr>
+                      <p:cNvPicPr>
+                        <a:picLocks noChangeAspect="1"/>
+                      </p:cNvPicPr>
+                      <p:nvPr/>
+                    </p:nvPicPr>
+                    <p:blipFill rotWithShape="1">
+                      <a:blip r:embed="rId5"/>
+                      <a:srcRect l="2149" t="20353" r="2149"/>
+                      <a:stretch/>
+                    </p:blipFill>
+                    <p:spPr>
+                      <a:xfrm>
+                        <a:off x="1323973" y="831960"/>
+                        <a:ext cx="9544051" cy="2435225"/>
+                      </a:xfrm>
+                      <a:prstGeom prst="rect">
+                        <a:avLst/>
+                      </a:prstGeom>
+                    </p:spPr>
+                  </p:pic>
+                  <p:pic>
+                    <p:nvPicPr>
+                      <p:cNvPr id="6" name="Imagem 5">
+                        <a:extLst>
+                          <a:ext uri="{FF2B5EF4-FFF2-40B4-BE49-F238E27FC236}">
+                            <a16:creationId xmlns:a16="http://schemas.microsoft.com/office/drawing/2014/main" id="{60B8A988-BE85-429E-ADF7-E12196543227}"/>
+                          </a:ext>
+                        </a:extLst>
+                      </p:cNvPr>
+                      <p:cNvPicPr>
+                        <a:picLocks noChangeAspect="1"/>
+                      </p:cNvPicPr>
+                      <p:nvPr/>
+                    </p:nvPicPr>
+                    <p:blipFill>
+                      <a:blip r:embed="rId6"/>
+                      <a:stretch>
+                        <a:fillRect/>
+                      </a:stretch>
+                    </p:blipFill>
+                    <p:spPr>
+                      <a:xfrm>
+                        <a:off x="1323974" y="2926943"/>
+                        <a:ext cx="9544050" cy="1781175"/>
+                      </a:xfrm>
+                      <a:prstGeom prst="rect">
+                        <a:avLst/>
+                      </a:prstGeom>
+                    </p:spPr>
+                  </p:pic>
+                  <p:pic>
+                    <p:nvPicPr>
+                      <p:cNvPr id="8" name="Imagem 7">
+                        <a:extLst>
+                          <a:ext uri="{FF2B5EF4-FFF2-40B4-BE49-F238E27FC236}">
+                            <a16:creationId xmlns:a16="http://schemas.microsoft.com/office/drawing/2014/main" id="{20A42DBF-A8B8-4634-9099-A1C08C0291A0}"/>
+                          </a:ext>
+                        </a:extLst>
+                      </p:cNvPr>
+                      <p:cNvPicPr>
+                        <a:picLocks noChangeAspect="1"/>
+                      </p:cNvPicPr>
+                      <p:nvPr/>
+                    </p:nvPicPr>
+                    <p:blipFill rotWithShape="1">
+                      <a:blip r:embed="rId7"/>
+                      <a:srcRect l="3611" r="3611"/>
+                      <a:stretch/>
+                    </p:blipFill>
+                    <p:spPr>
+                      <a:xfrm>
+                        <a:off x="1323973" y="4502888"/>
+                        <a:ext cx="9544051" cy="1828800"/>
+                      </a:xfrm>
+                      <a:prstGeom prst="rect">
+                        <a:avLst/>
+                      </a:prstGeom>
+                    </p:spPr>
+                  </p:pic>
+                  <p:pic>
+                    <p:nvPicPr>
+                      <p:cNvPr id="11" name="Imagem 10">
+                        <a:extLst>
+                          <a:ext uri="{FF2B5EF4-FFF2-40B4-BE49-F238E27FC236}">
+                            <a16:creationId xmlns:a16="http://schemas.microsoft.com/office/drawing/2014/main" id="{2A3DFC17-9FFF-4F1D-81A5-41ABCD89F999}"/>
+                          </a:ext>
+                        </a:extLst>
+                      </p:cNvPr>
+                      <p:cNvPicPr>
+                        <a:picLocks noChangeAspect="1"/>
+                      </p:cNvPicPr>
+                      <p:nvPr/>
+                    </p:nvPicPr>
+                    <p:blipFill rotWithShape="1">
+                      <a:blip r:embed="rId8"/>
+                      <a:srcRect l="1919" r="1919"/>
+                      <a:stretch/>
+                    </p:blipFill>
+                    <p:spPr>
+                      <a:xfrm>
+                        <a:off x="1323973" y="6111875"/>
+                        <a:ext cx="9544051" cy="1847850"/>
+                      </a:xfrm>
+                      <a:prstGeom prst="rect">
+                        <a:avLst/>
+                      </a:prstGeom>
+                    </p:spPr>
+                  </p:pic>
+                </p:grpSp>
+                <p:sp>
+                  <p:nvSpPr>
+                    <p:cNvPr id="25" name="CaixaDeTexto 24">
+                      <a:extLst>
+                        <a:ext uri="{FF2B5EF4-FFF2-40B4-BE49-F238E27FC236}">
+                          <a16:creationId xmlns:a16="http://schemas.microsoft.com/office/drawing/2014/main" id="{F8913943-11E0-44F4-8453-770FE9423E57}"/>
+                        </a:ext>
+                      </a:extLst>
+                    </p:cNvPr>
+                    <p:cNvSpPr txBox="1"/>
+                    <p:nvPr/>
+                  </p:nvSpPr>
+                  <p:spPr>
+                    <a:xfrm>
+                      <a:off x="606002" y="3586697"/>
+                      <a:ext cx="593432" cy="461665"/>
+                    </a:xfrm>
+                    <a:prstGeom prst="rect">
+                      <a:avLst/>
+                    </a:prstGeom>
+                    <a:noFill/>
+                  </p:spPr>
+                  <p:txBody>
+                    <a:bodyPr wrap="none" rtlCol="0">
+                      <a:spAutoFit/>
+                    </a:bodyPr>
+                    <a:lstStyle/>
+                    <a:p>
+                      <a:r>
+                        <a:rPr lang="pt-BR" sz="2400" dirty="0">
+                          <a:latin typeface="CMU Serif" panose="02000603000000000000" pitchFamily="50" charset="0"/>
+                          <a:ea typeface="CMU Serif" panose="02000603000000000000" pitchFamily="50" charset="0"/>
+                          <a:cs typeface="CMU Serif" panose="02000603000000000000" pitchFamily="50" charset="0"/>
+                        </a:rPr>
+                        <a:t>(b)</a:t>
+                      </a:r>
+                    </a:p>
+                  </p:txBody>
+                </p:sp>
+                <p:sp>
+                  <p:nvSpPr>
+                    <p:cNvPr id="26" name="CaixaDeTexto 25">
+                      <a:extLst>
+                        <a:ext uri="{FF2B5EF4-FFF2-40B4-BE49-F238E27FC236}">
+                          <a16:creationId xmlns:a16="http://schemas.microsoft.com/office/drawing/2014/main" id="{3EEC59B8-F8D1-444B-997D-FC2A4C540831}"/>
+                        </a:ext>
+                      </a:extLst>
+                    </p:cNvPr>
+                    <p:cNvSpPr txBox="1"/>
+                    <p:nvPr/>
+                  </p:nvSpPr>
+                  <p:spPr>
+                    <a:xfrm>
+                      <a:off x="606002" y="1948397"/>
+                      <a:ext cx="575799" cy="461665"/>
+                    </a:xfrm>
+                    <a:prstGeom prst="rect">
+                      <a:avLst/>
+                    </a:prstGeom>
+                    <a:noFill/>
+                  </p:spPr>
+                  <p:txBody>
+                    <a:bodyPr wrap="none" rtlCol="0">
+                      <a:spAutoFit/>
+                    </a:bodyPr>
+                    <a:lstStyle/>
+                    <a:p>
+                      <a:r>
+                        <a:rPr lang="pt-BR" sz="2400" dirty="0">
+                          <a:latin typeface="CMU Serif" panose="02000603000000000000" pitchFamily="50" charset="0"/>
+                          <a:ea typeface="CMU Serif" panose="02000603000000000000" pitchFamily="50" charset="0"/>
+                          <a:cs typeface="CMU Serif" panose="02000603000000000000" pitchFamily="50" charset="0"/>
+                        </a:rPr>
+                        <a:t>(a)</a:t>
+                      </a:r>
+                    </a:p>
+                  </p:txBody>
+                </p:sp>
+                <p:sp>
+                  <p:nvSpPr>
+                    <p:cNvPr id="27" name="CaixaDeTexto 26">
+                      <a:extLst>
+                        <a:ext uri="{FF2B5EF4-FFF2-40B4-BE49-F238E27FC236}">
+                          <a16:creationId xmlns:a16="http://schemas.microsoft.com/office/drawing/2014/main" id="{281D0136-0166-4896-8F0E-35A40E3E9282}"/>
+                        </a:ext>
+                      </a:extLst>
+                    </p:cNvPr>
+                    <p:cNvSpPr txBox="1"/>
+                    <p:nvPr/>
+                  </p:nvSpPr>
+                  <p:spPr>
+                    <a:xfrm>
+                      <a:off x="609175" y="5186455"/>
+                      <a:ext cx="558166" cy="461665"/>
+                    </a:xfrm>
+                    <a:prstGeom prst="rect">
+                      <a:avLst/>
+                    </a:prstGeom>
+                    <a:noFill/>
+                  </p:spPr>
+                  <p:txBody>
+                    <a:bodyPr wrap="none" rtlCol="0">
+                      <a:spAutoFit/>
+                    </a:bodyPr>
+                    <a:lstStyle/>
+                    <a:p>
+                      <a:r>
+                        <a:rPr lang="pt-BR" sz="2400" dirty="0">
+                          <a:latin typeface="CMU Serif" panose="02000603000000000000" pitchFamily="50" charset="0"/>
+                          <a:ea typeface="CMU Serif" panose="02000603000000000000" pitchFamily="50" charset="0"/>
+                          <a:cs typeface="CMU Serif" panose="02000603000000000000" pitchFamily="50" charset="0"/>
+                        </a:rPr>
+                        <a:t>(c)</a:t>
+                      </a:r>
+                    </a:p>
+                  </p:txBody>
+                </p:sp>
+                <p:sp>
+                  <p:nvSpPr>
+                    <p:cNvPr id="28" name="CaixaDeTexto 27">
+                      <a:extLst>
+                        <a:ext uri="{FF2B5EF4-FFF2-40B4-BE49-F238E27FC236}">
+                          <a16:creationId xmlns:a16="http://schemas.microsoft.com/office/drawing/2014/main" id="{45AC1993-8033-4943-A279-B2D095B4ACEA}"/>
+                        </a:ext>
+                      </a:extLst>
+                    </p:cNvPr>
+                    <p:cNvSpPr txBox="1"/>
+                    <p:nvPr/>
+                  </p:nvSpPr>
+                  <p:spPr>
+                    <a:xfrm>
+                      <a:off x="606002" y="6627167"/>
+                      <a:ext cx="593432" cy="461665"/>
+                    </a:xfrm>
+                    <a:prstGeom prst="rect">
+                      <a:avLst/>
+                    </a:prstGeom>
+                    <a:noFill/>
+                  </p:spPr>
+                  <p:txBody>
+                    <a:bodyPr wrap="none" rtlCol="0">
+                      <a:spAutoFit/>
+                    </a:bodyPr>
+                    <a:lstStyle/>
+                    <a:p>
+                      <a:r>
+                        <a:rPr lang="pt-BR" sz="2400" dirty="0">
+                          <a:latin typeface="CMU Serif" panose="02000603000000000000" pitchFamily="50" charset="0"/>
+                          <a:ea typeface="CMU Serif" panose="02000603000000000000" pitchFamily="50" charset="0"/>
+                          <a:cs typeface="CMU Serif" panose="02000603000000000000" pitchFamily="50" charset="0"/>
+                        </a:rPr>
+                        <a:t>(d)</a:t>
+                      </a:r>
+                    </a:p>
+                  </p:txBody>
+                </p:sp>
+              </p:grpSp>
+              <p:cxnSp>
+                <p:nvCxnSpPr>
+                  <p:cNvPr id="16" name="Conector de Seta Reta 15">
+                    <a:extLst>
+                      <a:ext uri="{FF2B5EF4-FFF2-40B4-BE49-F238E27FC236}">
+                        <a16:creationId xmlns:a16="http://schemas.microsoft.com/office/drawing/2014/main" id="{F924FB7F-C345-4576-B958-F49AAD882C37}"/>
+                      </a:ext>
+                    </a:extLst>
+                  </p:cNvPr>
+                  <p:cNvCxnSpPr>
+                    <a:cxnSpLocks/>
+                  </p:cNvCxnSpPr>
+                  <p:nvPr/>
+                </p:nvCxnSpPr>
+                <p:spPr>
+                  <a:xfrm flipH="1" flipV="1">
+                    <a:off x="9398001" y="2419241"/>
+                    <a:ext cx="520699" cy="381493"/>
+                  </a:xfrm>
+                  <a:prstGeom prst="straightConnector1">
+                    <a:avLst/>
+                  </a:prstGeom>
+                  <a:ln w="57150">
+                    <a:tailEnd type="triangle"/>
+                  </a:ln>
+                </p:spPr>
+                <p:style>
+                  <a:lnRef idx="1">
+                    <a:schemeClr val="dk1"/>
+                  </a:lnRef>
+                  <a:fillRef idx="0">
+                    <a:schemeClr val="dk1"/>
+                  </a:fillRef>
+                  <a:effectRef idx="0">
+                    <a:schemeClr val="dk1"/>
+                  </a:effectRef>
+                  <a:fontRef idx="minor">
+                    <a:schemeClr val="tx1"/>
+                  </a:fontRef>
+                </p:style>
+              </p:cxnSp>
+              <p:sp>
+                <p:nvSpPr>
+                  <p:cNvPr id="19" name="CaixaDeTexto 18">
+                    <a:extLst>
+                      <a:ext uri="{FF2B5EF4-FFF2-40B4-BE49-F238E27FC236}">
+                        <a16:creationId xmlns:a16="http://schemas.microsoft.com/office/drawing/2014/main" id="{22E234C2-01EF-41B9-A360-DBFCABDBB259}"/>
+                      </a:ext>
+                    </a:extLst>
+                  </p:cNvPr>
+                  <p:cNvSpPr txBox="1"/>
+                  <p:nvPr/>
+                </p:nvSpPr>
+                <p:spPr>
+                  <a:xfrm>
+                    <a:off x="9991726" y="2521937"/>
+                    <a:ext cx="2074607" cy="830997"/>
+                  </a:xfrm>
+                  <a:prstGeom prst="rect">
+                    <a:avLst/>
+                  </a:prstGeom>
+                  <a:noFill/>
+                </p:spPr>
+                <p:txBody>
+                  <a:bodyPr wrap="none" rtlCol="0">
+                    <a:spAutoFit/>
+                  </a:bodyPr>
+                  <a:lstStyle/>
+                  <a:p>
+                    <a:r>
+                      <a:rPr lang="pt-BR" sz="2400" dirty="0">
+                        <a:latin typeface="CMU Serif" panose="02000603000000000000" pitchFamily="50" charset="0"/>
+                        <a:ea typeface="CMU Serif" panose="02000603000000000000" pitchFamily="50" charset="0"/>
+                        <a:cs typeface="CMU Serif" panose="02000603000000000000" pitchFamily="50" charset="0"/>
+                      </a:rPr>
+                      <a:t>Superfície </a:t>
+                    </a:r>
+                  </a:p>
+                  <a:p>
+                    <a:r>
+                      <a:rPr lang="pt-BR" sz="2400" dirty="0">
+                        <a:latin typeface="CMU Serif" panose="02000603000000000000" pitchFamily="50" charset="0"/>
+                        <a:ea typeface="CMU Serif" panose="02000603000000000000" pitchFamily="50" charset="0"/>
+                        <a:cs typeface="CMU Serif" panose="02000603000000000000" pitchFamily="50" charset="0"/>
+                      </a:rPr>
+                      <a:t>mais aquecida</a:t>
+                    </a:r>
+                  </a:p>
+                </p:txBody>
+              </p:sp>
+              <p:sp>
+                <p:nvSpPr>
+                  <p:cNvPr id="33" name="CaixaDeTexto 32">
+                    <a:extLst>
+                      <a:ext uri="{FF2B5EF4-FFF2-40B4-BE49-F238E27FC236}">
+                        <a16:creationId xmlns:a16="http://schemas.microsoft.com/office/drawing/2014/main" id="{952C1C8C-F062-4B2F-A997-5A16BC5485CB}"/>
+                      </a:ext>
+                    </a:extLst>
+                  </p:cNvPr>
+                  <p:cNvSpPr txBox="1"/>
+                  <p:nvPr/>
+                </p:nvSpPr>
+                <p:spPr>
+                  <a:xfrm>
+                    <a:off x="9991726" y="750646"/>
+                    <a:ext cx="2297424" cy="830997"/>
+                  </a:xfrm>
+                  <a:prstGeom prst="rect">
+                    <a:avLst/>
+                  </a:prstGeom>
+                  <a:noFill/>
+                </p:spPr>
+                <p:txBody>
+                  <a:bodyPr wrap="none" rtlCol="0">
+                    <a:spAutoFit/>
+                  </a:bodyPr>
+                  <a:lstStyle>
+                    <a:defPPr>
+                      <a:defRPr lang="pt-BR"/>
+                    </a:defPPr>
+                    <a:lvl1pPr>
+                      <a:defRPr>
+                        <a:latin typeface="CMU Serif" panose="02000603000000000000" pitchFamily="50" charset="0"/>
+                        <a:ea typeface="CMU Serif" panose="02000603000000000000" pitchFamily="50" charset="0"/>
+                        <a:cs typeface="CMU Serif" panose="02000603000000000000" pitchFamily="50" charset="0"/>
+                      </a:defRPr>
+                    </a:lvl1pPr>
+                  </a:lstStyle>
+                  <a:p>
+                    <a:r>
+                      <a:rPr lang="pt-BR" sz="2400" dirty="0"/>
+                      <a:t>Superfície </a:t>
+                    </a:r>
+                  </a:p>
+                  <a:p>
+                    <a:r>
+                      <a:rPr lang="pt-BR" sz="2400" dirty="0"/>
+                      <a:t>menos aquecida</a:t>
+                    </a:r>
+                  </a:p>
+                </p:txBody>
+              </p:sp>
+              <p:cxnSp>
+                <p:nvCxnSpPr>
+                  <p:cNvPr id="35" name="Conector de Seta Reta 34">
+                    <a:extLst>
+                      <a:ext uri="{FF2B5EF4-FFF2-40B4-BE49-F238E27FC236}">
+                        <a16:creationId xmlns:a16="http://schemas.microsoft.com/office/drawing/2014/main" id="{11BD1E1A-FBD5-48EA-B99B-1CE2001F80F1}"/>
+                      </a:ext>
+                    </a:extLst>
+                  </p:cNvPr>
+                  <p:cNvCxnSpPr>
+                    <a:cxnSpLocks/>
+                  </p:cNvCxnSpPr>
+                  <p:nvPr/>
+                </p:nvCxnSpPr>
+                <p:spPr>
+                  <a:xfrm flipH="1">
+                    <a:off x="9398001" y="1089246"/>
+                    <a:ext cx="520699" cy="431536"/>
+                  </a:xfrm>
+                  <a:prstGeom prst="straightConnector1">
+                    <a:avLst/>
+                  </a:prstGeom>
+                  <a:ln w="57150">
+                    <a:tailEnd type="triangle"/>
+                  </a:ln>
+                </p:spPr>
+                <p:style>
+                  <a:lnRef idx="1">
+                    <a:schemeClr val="dk1"/>
+                  </a:lnRef>
+                  <a:fillRef idx="0">
+                    <a:schemeClr val="dk1"/>
+                  </a:fillRef>
+                  <a:effectRef idx="0">
+                    <a:schemeClr val="dk1"/>
+                  </a:effectRef>
+                  <a:fontRef idx="minor">
+                    <a:schemeClr val="tx1"/>
+                  </a:fontRef>
+                </p:style>
+              </p:cxnSp>
+            </p:grpSp>
+            <p:pic>
+              <p:nvPicPr>
+                <p:cNvPr id="54" name="Imagem 53">
+                  <a:extLst>
+                    <a:ext uri="{FF2B5EF4-FFF2-40B4-BE49-F238E27FC236}">
+                      <a16:creationId xmlns:a16="http://schemas.microsoft.com/office/drawing/2014/main" id="{D5FAB293-E515-43D5-9262-71A1DDD27EC9}"/>
+                    </a:ext>
+                  </a:extLst>
+                </p:cNvPr>
+                <p:cNvPicPr>
+                  <a:picLocks noChangeAspect="1"/>
+                </p:cNvPicPr>
+                <p:nvPr/>
+              </p:nvPicPr>
+              <p:blipFill>
+                <a:blip r:embed="rId4"/>
+                <a:stretch>
+                  <a:fillRect/>
+                </a:stretch>
+              </p:blipFill>
+              <p:spPr>
+                <a:xfrm>
+                  <a:off x="-288076" y="-8956"/>
+                  <a:ext cx="4343400" cy="466946"/>
+                </a:xfrm>
+                <a:prstGeom prst="rect">
+                  <a:avLst/>
+                </a:prstGeom>
+              </p:spPr>
+            </p:pic>
+            <p:pic>
+              <p:nvPicPr>
+                <p:cNvPr id="59" name="Imagem 58">
+                  <a:extLst>
+                    <a:ext uri="{FF2B5EF4-FFF2-40B4-BE49-F238E27FC236}">
+                      <a16:creationId xmlns:a16="http://schemas.microsoft.com/office/drawing/2014/main" id="{2381B9D4-D5CE-45F3-A601-FBD331356374}"/>
+                    </a:ext>
+                  </a:extLst>
+                </p:cNvPr>
+                <p:cNvPicPr>
+                  <a:picLocks noChangeAspect="1"/>
+                </p:cNvPicPr>
+                <p:nvPr/>
+              </p:nvPicPr>
+              <p:blipFill>
+                <a:blip r:embed="rId4"/>
+                <a:stretch>
+                  <a:fillRect/>
+                </a:stretch>
+              </p:blipFill>
+              <p:spPr>
+                <a:xfrm>
+                  <a:off x="3189783" y="-10543"/>
+                  <a:ext cx="4343400" cy="466946"/>
+                </a:xfrm>
+                <a:prstGeom prst="rect">
+                  <a:avLst/>
+                </a:prstGeom>
+              </p:spPr>
+            </p:pic>
+          </p:grpSp>
+          <p:pic>
+            <p:nvPicPr>
+              <p:cNvPr id="61" name="Imagem 60">
+                <a:extLst>
+                  <a:ext uri="{FF2B5EF4-FFF2-40B4-BE49-F238E27FC236}">
+                    <a16:creationId xmlns:a16="http://schemas.microsoft.com/office/drawing/2014/main" id="{5510B92A-9D08-4288-A6A3-CC8D8058D13F}"/>
+                  </a:ext>
+                </a:extLst>
+              </p:cNvPr>
+              <p:cNvPicPr>
+                <a:picLocks noChangeAspect="1"/>
+              </p:cNvPicPr>
+              <p:nvPr/>
+            </p:nvPicPr>
+            <p:blipFill>
+              <a:blip r:embed="rId4"/>
+              <a:stretch>
+                <a:fillRect/>
+              </a:stretch>
+            </p:blipFill>
+            <p:spPr>
+              <a:xfrm>
+                <a:off x="4466698" y="-10543"/>
+                <a:ext cx="4343400" cy="466946"/>
+              </a:xfrm>
+              <a:prstGeom prst="rect">
+                <a:avLst/>
+              </a:prstGeom>
+            </p:spPr>
+          </p:pic>
+        </p:grpSp>
+      </p:grpSp>
+    </p:spTree>
+    <p:extLst>
+      <p:ext uri="{BB962C8B-B14F-4D97-AF65-F5344CB8AC3E}">
+        <p14:creationId xmlns:p14="http://schemas.microsoft.com/office/powerpoint/2010/main" val="4005706632"/>
+      </p:ext>
+    </p:extLst>
+  </p:cSld>
+  <p:clrMapOvr>
+    <a:masterClrMapping/>
+  </p:clrMapOvr>
+</p:sld>
+</file>
+
 <file path=ppt/slides/slide2.xml><?xml version="1.0" encoding="utf-8"?>
 <p:sld xmlns:a="http://schemas.openxmlformats.org/drawingml/2006/main" xmlns:r="http://schemas.openxmlformats.org/officeDocument/2006/relationships" xmlns:p="http://schemas.openxmlformats.org/presentationml/2006/main">
   <p:cSld>

--- a/materiais/03) Imagens/01) imagens_ppt.pptx
+++ b/materiais/03) Imagens/01) imagens_ppt.pptx
@@ -277,7 +277,7 @@
           <a:p>
             <a:fld id="{58747F50-A787-42AD-BD4D-DDC713A9E983}" type="datetimeFigureOut">
               <a:rPr lang="pt-BR" smtClean="0"/>
-              <a:t>01/05/2021</a:t>
+              <a:t>02/05/2021</a:t>
             </a:fld>
             <a:endParaRPr lang="pt-BR"/>
           </a:p>
@@ -475,7 +475,7 @@
           <a:p>
             <a:fld id="{58747F50-A787-42AD-BD4D-DDC713A9E983}" type="datetimeFigureOut">
               <a:rPr lang="pt-BR" smtClean="0"/>
-              <a:t>01/05/2021</a:t>
+              <a:t>02/05/2021</a:t>
             </a:fld>
             <a:endParaRPr lang="pt-BR"/>
           </a:p>
@@ -683,7 +683,7 @@
           <a:p>
             <a:fld id="{58747F50-A787-42AD-BD4D-DDC713A9E983}" type="datetimeFigureOut">
               <a:rPr lang="pt-BR" smtClean="0"/>
-              <a:t>01/05/2021</a:t>
+              <a:t>02/05/2021</a:t>
             </a:fld>
             <a:endParaRPr lang="pt-BR"/>
           </a:p>
@@ -881,7 +881,7 @@
           <a:p>
             <a:fld id="{58747F50-A787-42AD-BD4D-DDC713A9E983}" type="datetimeFigureOut">
               <a:rPr lang="pt-BR" smtClean="0"/>
-              <a:t>01/05/2021</a:t>
+              <a:t>02/05/2021</a:t>
             </a:fld>
             <a:endParaRPr lang="pt-BR"/>
           </a:p>
@@ -1156,7 +1156,7 @@
           <a:p>
             <a:fld id="{58747F50-A787-42AD-BD4D-DDC713A9E983}" type="datetimeFigureOut">
               <a:rPr lang="pt-BR" smtClean="0"/>
-              <a:t>01/05/2021</a:t>
+              <a:t>02/05/2021</a:t>
             </a:fld>
             <a:endParaRPr lang="pt-BR"/>
           </a:p>
@@ -1421,7 +1421,7 @@
           <a:p>
             <a:fld id="{58747F50-A787-42AD-BD4D-DDC713A9E983}" type="datetimeFigureOut">
               <a:rPr lang="pt-BR" smtClean="0"/>
-              <a:t>01/05/2021</a:t>
+              <a:t>02/05/2021</a:t>
             </a:fld>
             <a:endParaRPr lang="pt-BR"/>
           </a:p>
@@ -1833,7 +1833,7 @@
           <a:p>
             <a:fld id="{58747F50-A787-42AD-BD4D-DDC713A9E983}" type="datetimeFigureOut">
               <a:rPr lang="pt-BR" smtClean="0"/>
-              <a:t>01/05/2021</a:t>
+              <a:t>02/05/2021</a:t>
             </a:fld>
             <a:endParaRPr lang="pt-BR"/>
           </a:p>
@@ -1974,7 +1974,7 @@
           <a:p>
             <a:fld id="{58747F50-A787-42AD-BD4D-DDC713A9E983}" type="datetimeFigureOut">
               <a:rPr lang="pt-BR" smtClean="0"/>
-              <a:t>01/05/2021</a:t>
+              <a:t>02/05/2021</a:t>
             </a:fld>
             <a:endParaRPr lang="pt-BR"/>
           </a:p>
@@ -2087,7 +2087,7 @@
           <a:p>
             <a:fld id="{58747F50-A787-42AD-BD4D-DDC713A9E983}" type="datetimeFigureOut">
               <a:rPr lang="pt-BR" smtClean="0"/>
-              <a:t>01/05/2021</a:t>
+              <a:t>02/05/2021</a:t>
             </a:fld>
             <a:endParaRPr lang="pt-BR"/>
           </a:p>
@@ -2398,7 +2398,7 @@
           <a:p>
             <a:fld id="{58747F50-A787-42AD-BD4D-DDC713A9E983}" type="datetimeFigureOut">
               <a:rPr lang="pt-BR" smtClean="0"/>
-              <a:t>01/05/2021</a:t>
+              <a:t>02/05/2021</a:t>
             </a:fld>
             <a:endParaRPr lang="pt-BR"/>
           </a:p>
@@ -2686,7 +2686,7 @@
           <a:p>
             <a:fld id="{58747F50-A787-42AD-BD4D-DDC713A9E983}" type="datetimeFigureOut">
               <a:rPr lang="pt-BR" smtClean="0"/>
-              <a:t>01/05/2021</a:t>
+              <a:t>02/05/2021</a:t>
             </a:fld>
             <a:endParaRPr lang="pt-BR"/>
           </a:p>
@@ -2927,7 +2927,7 @@
           <a:p>
             <a:fld id="{58747F50-A787-42AD-BD4D-DDC713A9E983}" type="datetimeFigureOut">
               <a:rPr lang="pt-BR" smtClean="0"/>
-              <a:t>01/05/2021</a:t>
+              <a:t>02/05/2021</a:t>
             </a:fld>
             <a:endParaRPr lang="pt-BR"/>
           </a:p>
@@ -9404,10 +9404,10 @@
       </p:grpSpPr>
       <p:grpSp>
         <p:nvGrpSpPr>
-          <p:cNvPr id="8" name="Agrupar 7">
+          <p:cNvPr id="2" name="Agrupar 1">
             <a:extLst>
               <a:ext uri="{FF2B5EF4-FFF2-40B4-BE49-F238E27FC236}">
-                <a16:creationId xmlns:a16="http://schemas.microsoft.com/office/drawing/2014/main" id="{85DC04ED-4AE0-4EB5-97B8-78184F62C430}"/>
+                <a16:creationId xmlns:a16="http://schemas.microsoft.com/office/drawing/2014/main" id="{D83123A6-589E-4147-B6FF-BF80AB383DF6}"/>
               </a:ext>
             </a:extLst>
           </p:cNvPr>
@@ -9416,18 +9416,1597 @@
         </p:nvGrpSpPr>
         <p:grpSpPr>
           <a:xfrm>
-            <a:off x="2196465" y="955896"/>
-            <a:ext cx="6372226" cy="3919000"/>
-            <a:chOff x="2257425" y="1519776"/>
-            <a:chExt cx="6372226" cy="3919000"/>
+            <a:off x="1277214" y="561131"/>
+            <a:ext cx="9879833" cy="5134819"/>
+            <a:chOff x="2196465" y="895539"/>
+            <a:chExt cx="9879833" cy="5675379"/>
           </a:xfrm>
         </p:grpSpPr>
+        <p:grpSp>
+          <p:nvGrpSpPr>
+            <p:cNvPr id="8" name="Agrupar 7">
+              <a:extLst>
+                <a:ext uri="{FF2B5EF4-FFF2-40B4-BE49-F238E27FC236}">
+                  <a16:creationId xmlns:a16="http://schemas.microsoft.com/office/drawing/2014/main" id="{85DC04ED-4AE0-4EB5-97B8-78184F62C430}"/>
+                </a:ext>
+              </a:extLst>
+            </p:cNvPr>
+            <p:cNvGrpSpPr/>
+            <p:nvPr/>
+          </p:nvGrpSpPr>
+          <p:grpSpPr>
+            <a:xfrm>
+              <a:off x="2196465" y="895539"/>
+              <a:ext cx="9879833" cy="5675379"/>
+              <a:chOff x="2257425" y="1477651"/>
+              <a:chExt cx="6532406" cy="3961125"/>
+            </a:xfrm>
+          </p:grpSpPr>
+          <p:sp>
+            <p:nvSpPr>
+              <p:cNvPr id="7" name="Retângulo 6">
+                <a:extLst>
+                  <a:ext uri="{FF2B5EF4-FFF2-40B4-BE49-F238E27FC236}">
+                    <a16:creationId xmlns:a16="http://schemas.microsoft.com/office/drawing/2014/main" id="{6A5CBDD5-A1E8-461D-816B-5C46F1BD6D8D}"/>
+                  </a:ext>
+                </a:extLst>
+              </p:cNvPr>
+              <p:cNvSpPr/>
+              <p:nvPr/>
+            </p:nvSpPr>
+            <p:spPr>
+              <a:xfrm>
+                <a:off x="2417605" y="1477651"/>
+                <a:ext cx="6372226" cy="3919000"/>
+              </a:xfrm>
+              <a:prstGeom prst="rect">
+                <a:avLst/>
+              </a:prstGeom>
+              <a:solidFill>
+                <a:schemeClr val="bg1"/>
+              </a:solidFill>
+              <a:ln>
+                <a:noFill/>
+              </a:ln>
+            </p:spPr>
+            <p:style>
+              <a:lnRef idx="2">
+                <a:schemeClr val="accent1">
+                  <a:shade val="50000"/>
+                </a:schemeClr>
+              </a:lnRef>
+              <a:fillRef idx="1">
+                <a:schemeClr val="accent1"/>
+              </a:fillRef>
+              <a:effectRef idx="0">
+                <a:schemeClr val="accent1"/>
+              </a:effectRef>
+              <a:fontRef idx="minor">
+                <a:schemeClr val="lt1"/>
+              </a:fontRef>
+            </p:style>
+            <p:txBody>
+              <a:bodyPr rtlCol="0" anchor="ctr"/>
+              <a:lstStyle/>
+              <a:p>
+                <a:pPr algn="ctr"/>
+                <a:endParaRPr lang="pt-BR" dirty="0"/>
+              </a:p>
+            </p:txBody>
+          </p:sp>
+          <p:grpSp>
+            <p:nvGrpSpPr>
+              <p:cNvPr id="88" name="Agrupar 87">
+                <a:extLst>
+                  <a:ext uri="{FF2B5EF4-FFF2-40B4-BE49-F238E27FC236}">
+                    <a16:creationId xmlns:a16="http://schemas.microsoft.com/office/drawing/2014/main" id="{FEC7B826-67AB-4675-8C63-98E5921FCF94}"/>
+                  </a:ext>
+                </a:extLst>
+              </p:cNvPr>
+              <p:cNvGrpSpPr/>
+              <p:nvPr/>
+            </p:nvGrpSpPr>
+            <p:grpSpPr>
+              <a:xfrm>
+                <a:off x="2257425" y="1519776"/>
+                <a:ext cx="6372226" cy="3919000"/>
+                <a:chOff x="2257425" y="1519776"/>
+                <a:chExt cx="6372226" cy="3919000"/>
+              </a:xfrm>
+            </p:grpSpPr>
+            <p:sp>
+              <p:nvSpPr>
+                <p:cNvPr id="87" name="Retângulo 86">
+                  <a:extLst>
+                    <a:ext uri="{FF2B5EF4-FFF2-40B4-BE49-F238E27FC236}">
+                      <a16:creationId xmlns:a16="http://schemas.microsoft.com/office/drawing/2014/main" id="{E3083987-6BBF-4C95-8667-E4A296B1BF7A}"/>
+                    </a:ext>
+                  </a:extLst>
+                </p:cNvPr>
+                <p:cNvSpPr/>
+                <p:nvPr/>
+              </p:nvSpPr>
+              <p:spPr>
+                <a:xfrm>
+                  <a:off x="2257425" y="1519776"/>
+                  <a:ext cx="6372226" cy="3919000"/>
+                </a:xfrm>
+                <a:prstGeom prst="rect">
+                  <a:avLst/>
+                </a:prstGeom>
+                <a:noFill/>
+                <a:ln>
+                  <a:solidFill>
+                    <a:schemeClr val="bg1"/>
+                  </a:solidFill>
+                </a:ln>
+              </p:spPr>
+              <p:style>
+                <a:lnRef idx="2">
+                  <a:schemeClr val="accent1">
+                    <a:shade val="50000"/>
+                  </a:schemeClr>
+                </a:lnRef>
+                <a:fillRef idx="1">
+                  <a:schemeClr val="accent1"/>
+                </a:fillRef>
+                <a:effectRef idx="0">
+                  <a:schemeClr val="accent1"/>
+                </a:effectRef>
+                <a:fontRef idx="minor">
+                  <a:schemeClr val="lt1"/>
+                </a:fontRef>
+              </p:style>
+              <p:txBody>
+                <a:bodyPr rtlCol="0" anchor="ctr"/>
+                <a:lstStyle/>
+                <a:p>
+                  <a:pPr algn="ctr"/>
+                  <a:endParaRPr lang="pt-BR"/>
+                </a:p>
+              </p:txBody>
+            </p:sp>
+            <p:grpSp>
+              <p:nvGrpSpPr>
+                <p:cNvPr id="86" name="Agrupar 85">
+                  <a:extLst>
+                    <a:ext uri="{FF2B5EF4-FFF2-40B4-BE49-F238E27FC236}">
+                      <a16:creationId xmlns:a16="http://schemas.microsoft.com/office/drawing/2014/main" id="{10ED0460-90D4-4EE0-83B0-05A60C849276}"/>
+                    </a:ext>
+                  </a:extLst>
+                </p:cNvPr>
+                <p:cNvGrpSpPr/>
+                <p:nvPr/>
+              </p:nvGrpSpPr>
+              <p:grpSpPr>
+                <a:xfrm>
+                  <a:off x="2748636" y="2315022"/>
+                  <a:ext cx="5319176" cy="3017059"/>
+                  <a:chOff x="2748636" y="2315022"/>
+                  <a:chExt cx="5319176" cy="3017059"/>
+                </a:xfrm>
+              </p:grpSpPr>
+              <p:cxnSp>
+                <p:nvCxnSpPr>
+                  <p:cNvPr id="74" name="Conector de Seta Reta 73">
+                    <a:extLst>
+                      <a:ext uri="{FF2B5EF4-FFF2-40B4-BE49-F238E27FC236}">
+                        <a16:creationId xmlns:a16="http://schemas.microsoft.com/office/drawing/2014/main" id="{4B4C5E2D-F935-4158-B821-3D0D99E8D2FA}"/>
+                      </a:ext>
+                    </a:extLst>
+                  </p:cNvPr>
+                  <p:cNvCxnSpPr>
+                    <a:cxnSpLocks/>
+                  </p:cNvCxnSpPr>
+                  <p:nvPr/>
+                </p:nvCxnSpPr>
+                <p:spPr>
+                  <a:xfrm flipH="1" flipV="1">
+                    <a:off x="6627787" y="4702174"/>
+                    <a:ext cx="1354161" cy="4872"/>
+                  </a:xfrm>
+                  <a:prstGeom prst="straightConnector1">
+                    <a:avLst/>
+                  </a:prstGeom>
+                  <a:ln w="38100">
+                    <a:tailEnd type="triangle"/>
+                  </a:ln>
+                </p:spPr>
+                <p:style>
+                  <a:lnRef idx="1">
+                    <a:schemeClr val="accent1"/>
+                  </a:lnRef>
+                  <a:fillRef idx="0">
+                    <a:schemeClr val="accent1"/>
+                  </a:fillRef>
+                  <a:effectRef idx="0">
+                    <a:schemeClr val="accent1"/>
+                  </a:effectRef>
+                  <a:fontRef idx="minor">
+                    <a:schemeClr val="tx1"/>
+                  </a:fontRef>
+                </p:style>
+              </p:cxnSp>
+              <p:sp>
+                <p:nvSpPr>
+                  <p:cNvPr id="81" name="CaixaDeTexto 80">
+                    <a:extLst>
+                      <a:ext uri="{FF2B5EF4-FFF2-40B4-BE49-F238E27FC236}">
+                        <a16:creationId xmlns:a16="http://schemas.microsoft.com/office/drawing/2014/main" id="{6E91172E-C451-49A9-A8FB-FEE490D5C287}"/>
+                      </a:ext>
+                    </a:extLst>
+                  </p:cNvPr>
+                  <p:cNvSpPr txBox="1"/>
+                  <p:nvPr/>
+                </p:nvSpPr>
+                <p:spPr>
+                  <a:xfrm>
+                    <a:off x="6728920" y="4495011"/>
+                    <a:ext cx="1143826" cy="236293"/>
+                  </a:xfrm>
+                  <a:prstGeom prst="rect">
+                    <a:avLst/>
+                  </a:prstGeom>
+                  <a:noFill/>
+                </p:spPr>
+                <p:txBody>
+                  <a:bodyPr wrap="square" rtlCol="0">
+                    <a:spAutoFit/>
+                  </a:bodyPr>
+                  <a:lstStyle/>
+                  <a:p>
+                    <a:r>
+                      <a:rPr lang="pt-BR" sz="1600" dirty="0">
+                        <a:latin typeface="CMU Serif" panose="02000603000000000000" pitchFamily="50" charset="0"/>
+                        <a:ea typeface="CMU Serif" panose="02000603000000000000" pitchFamily="50" charset="0"/>
+                        <a:cs typeface="CMU Serif" panose="02000603000000000000" pitchFamily="50" charset="0"/>
+                      </a:rPr>
+                      <a:t>Matriz elementar</a:t>
+                    </a:r>
+                  </a:p>
+                </p:txBody>
+              </p:sp>
+              <p:cxnSp>
+                <p:nvCxnSpPr>
+                  <p:cNvPr id="20" name="Conector reto 19">
+                    <a:extLst>
+                      <a:ext uri="{FF2B5EF4-FFF2-40B4-BE49-F238E27FC236}">
+                        <a16:creationId xmlns:a16="http://schemas.microsoft.com/office/drawing/2014/main" id="{088F023F-EE86-4844-A959-D62212A216AC}"/>
+                      </a:ext>
+                    </a:extLst>
+                  </p:cNvPr>
+                  <p:cNvCxnSpPr>
+                    <a:cxnSpLocks/>
+                  </p:cNvCxnSpPr>
+                  <p:nvPr/>
+                </p:nvCxnSpPr>
+                <p:spPr>
+                  <a:xfrm>
+                    <a:off x="5448300" y="2322195"/>
+                    <a:ext cx="0" cy="297180"/>
+                  </a:xfrm>
+                  <a:prstGeom prst="line">
+                    <a:avLst/>
+                  </a:prstGeom>
+                  <a:ln>
+                    <a:prstDash val="lgDash"/>
+                  </a:ln>
+                </p:spPr>
+                <p:style>
+                  <a:lnRef idx="1">
+                    <a:schemeClr val="accent1"/>
+                  </a:lnRef>
+                  <a:fillRef idx="0">
+                    <a:schemeClr val="accent1"/>
+                  </a:fillRef>
+                  <a:effectRef idx="0">
+                    <a:schemeClr val="accent1"/>
+                  </a:effectRef>
+                  <a:fontRef idx="minor">
+                    <a:schemeClr val="tx1"/>
+                  </a:fontRef>
+                </p:style>
+              </p:cxnSp>
+              <p:cxnSp>
+                <p:nvCxnSpPr>
+                  <p:cNvPr id="21" name="Conector reto 20">
+                    <a:extLst>
+                      <a:ext uri="{FF2B5EF4-FFF2-40B4-BE49-F238E27FC236}">
+                        <a16:creationId xmlns:a16="http://schemas.microsoft.com/office/drawing/2014/main" id="{BAB5CA86-2454-4B99-BE96-1E74BC862F02}"/>
+                      </a:ext>
+                    </a:extLst>
+                  </p:cNvPr>
+                  <p:cNvCxnSpPr>
+                    <a:cxnSpLocks/>
+                  </p:cNvCxnSpPr>
+                  <p:nvPr/>
+                </p:nvCxnSpPr>
+                <p:spPr>
+                  <a:xfrm>
+                    <a:off x="6553306" y="2322196"/>
+                    <a:ext cx="0" cy="297180"/>
+                  </a:xfrm>
+                  <a:prstGeom prst="line">
+                    <a:avLst/>
+                  </a:prstGeom>
+                  <a:ln>
+                    <a:prstDash val="lgDash"/>
+                  </a:ln>
+                </p:spPr>
+                <p:style>
+                  <a:lnRef idx="1">
+                    <a:schemeClr val="accent1"/>
+                  </a:lnRef>
+                  <a:fillRef idx="0">
+                    <a:schemeClr val="accent1"/>
+                  </a:fillRef>
+                  <a:effectRef idx="0">
+                    <a:schemeClr val="accent1"/>
+                  </a:effectRef>
+                  <a:fontRef idx="minor">
+                    <a:schemeClr val="tx1"/>
+                  </a:fontRef>
+                </p:style>
+              </p:cxnSp>
+              <p:cxnSp>
+                <p:nvCxnSpPr>
+                  <p:cNvPr id="19" name="Conector reto 18">
+                    <a:extLst>
+                      <a:ext uri="{FF2B5EF4-FFF2-40B4-BE49-F238E27FC236}">
+                        <a16:creationId xmlns:a16="http://schemas.microsoft.com/office/drawing/2014/main" id="{FD327152-2C44-4CB6-BA5E-FB74EF902A9B}"/>
+                      </a:ext>
+                    </a:extLst>
+                  </p:cNvPr>
+                  <p:cNvCxnSpPr>
+                    <a:cxnSpLocks/>
+                  </p:cNvCxnSpPr>
+                  <p:nvPr/>
+                </p:nvCxnSpPr>
+                <p:spPr>
+                  <a:xfrm>
+                    <a:off x="4319702" y="2328026"/>
+                    <a:ext cx="0" cy="297180"/>
+                  </a:xfrm>
+                  <a:prstGeom prst="line">
+                    <a:avLst/>
+                  </a:prstGeom>
+                  <a:ln>
+                    <a:prstDash val="lgDash"/>
+                  </a:ln>
+                </p:spPr>
+                <p:style>
+                  <a:lnRef idx="1">
+                    <a:schemeClr val="accent1"/>
+                  </a:lnRef>
+                  <a:fillRef idx="0">
+                    <a:schemeClr val="accent1"/>
+                  </a:fillRef>
+                  <a:effectRef idx="0">
+                    <a:schemeClr val="accent1"/>
+                  </a:effectRef>
+                  <a:fontRef idx="minor">
+                    <a:schemeClr val="tx1"/>
+                  </a:fontRef>
+                </p:style>
+              </p:cxnSp>
+              <p:sp>
+                <p:nvSpPr>
+                  <p:cNvPr id="4" name="Retângulo 3">
+                    <a:extLst>
+                      <a:ext uri="{FF2B5EF4-FFF2-40B4-BE49-F238E27FC236}">
+                        <a16:creationId xmlns:a16="http://schemas.microsoft.com/office/drawing/2014/main" id="{F2A2E4CD-F9B7-4707-ADB1-86F5F82026DD}"/>
+                      </a:ext>
+                    </a:extLst>
+                  </p:cNvPr>
+                  <p:cNvSpPr/>
+                  <p:nvPr/>
+                </p:nvSpPr>
+                <p:spPr>
+                  <a:xfrm>
+                    <a:off x="2777739" y="2604135"/>
+                    <a:ext cx="159772" cy="2186931"/>
+                  </a:xfrm>
+                  <a:prstGeom prst="rect">
+                    <a:avLst/>
+                  </a:prstGeom>
+                  <a:solidFill>
+                    <a:schemeClr val="accent1">
+                      <a:lumMod val="40000"/>
+                      <a:lumOff val="60000"/>
+                    </a:schemeClr>
+                  </a:solidFill>
+                </p:spPr>
+                <p:style>
+                  <a:lnRef idx="2">
+                    <a:schemeClr val="accent1">
+                      <a:shade val="50000"/>
+                    </a:schemeClr>
+                  </a:lnRef>
+                  <a:fillRef idx="1">
+                    <a:schemeClr val="accent1"/>
+                  </a:fillRef>
+                  <a:effectRef idx="0">
+                    <a:schemeClr val="accent1"/>
+                  </a:effectRef>
+                  <a:fontRef idx="minor">
+                    <a:schemeClr val="lt1"/>
+                  </a:fontRef>
+                </p:style>
+                <p:txBody>
+                  <a:bodyPr rtlCol="0" anchor="ctr"/>
+                  <a:lstStyle/>
+                  <a:p>
+                    <a:pPr algn="ctr"/>
+                    <a:endParaRPr lang="pt-BR"/>
+                  </a:p>
+                </p:txBody>
+              </p:sp>
+              <p:sp>
+                <p:nvSpPr>
+                  <p:cNvPr id="12" name="Retângulo 11">
+                    <a:extLst>
+                      <a:ext uri="{FF2B5EF4-FFF2-40B4-BE49-F238E27FC236}">
+                        <a16:creationId xmlns:a16="http://schemas.microsoft.com/office/drawing/2014/main" id="{6BBEC45D-1995-4B99-ACC3-D283B2A4D93C}"/>
+                      </a:ext>
+                    </a:extLst>
+                  </p:cNvPr>
+                  <p:cNvSpPr/>
+                  <p:nvPr/>
+                </p:nvSpPr>
+                <p:spPr>
+                  <a:xfrm>
+                    <a:off x="4251122" y="2611867"/>
+                    <a:ext cx="137160" cy="358140"/>
+                  </a:xfrm>
+                  <a:prstGeom prst="rect">
+                    <a:avLst/>
+                  </a:prstGeom>
+                  <a:solidFill>
+                    <a:schemeClr val="accent1">
+                      <a:lumMod val="40000"/>
+                      <a:lumOff val="60000"/>
+                    </a:schemeClr>
+                  </a:solidFill>
+                </p:spPr>
+                <p:style>
+                  <a:lnRef idx="2">
+                    <a:schemeClr val="accent1">
+                      <a:shade val="50000"/>
+                    </a:schemeClr>
+                  </a:lnRef>
+                  <a:fillRef idx="1">
+                    <a:schemeClr val="accent1"/>
+                  </a:fillRef>
+                  <a:effectRef idx="0">
+                    <a:schemeClr val="accent1"/>
+                  </a:effectRef>
+                  <a:fontRef idx="minor">
+                    <a:schemeClr val="lt1"/>
+                  </a:fontRef>
+                </p:style>
+                <p:txBody>
+                  <a:bodyPr rtlCol="0" anchor="ctr"/>
+                  <a:lstStyle/>
+                  <a:p>
+                    <a:pPr algn="ctr"/>
+                    <a:endParaRPr lang="pt-BR"/>
+                  </a:p>
+                </p:txBody>
+              </p:sp>
+              <p:sp>
+                <p:nvSpPr>
+                  <p:cNvPr id="15" name="Retângulo 14">
+                    <a:extLst>
+                      <a:ext uri="{FF2B5EF4-FFF2-40B4-BE49-F238E27FC236}">
+                        <a16:creationId xmlns:a16="http://schemas.microsoft.com/office/drawing/2014/main" id="{C423F59C-3345-4064-9EF3-58912FF61BE1}"/>
+                      </a:ext>
+                    </a:extLst>
+                  </p:cNvPr>
+                  <p:cNvSpPr/>
+                  <p:nvPr/>
+                </p:nvSpPr>
+                <p:spPr>
+                  <a:xfrm>
+                    <a:off x="5376964" y="2604133"/>
+                    <a:ext cx="135114" cy="1627487"/>
+                  </a:xfrm>
+                  <a:prstGeom prst="rect">
+                    <a:avLst/>
+                  </a:prstGeom>
+                  <a:solidFill>
+                    <a:schemeClr val="accent1">
+                      <a:lumMod val="40000"/>
+                      <a:lumOff val="60000"/>
+                    </a:schemeClr>
+                  </a:solidFill>
+                </p:spPr>
+                <p:style>
+                  <a:lnRef idx="2">
+                    <a:schemeClr val="accent1">
+                      <a:shade val="50000"/>
+                    </a:schemeClr>
+                  </a:lnRef>
+                  <a:fillRef idx="1">
+                    <a:schemeClr val="accent1"/>
+                  </a:fillRef>
+                  <a:effectRef idx="0">
+                    <a:schemeClr val="accent1"/>
+                  </a:effectRef>
+                  <a:fontRef idx="minor">
+                    <a:schemeClr val="lt1"/>
+                  </a:fontRef>
+                </p:style>
+                <p:txBody>
+                  <a:bodyPr rtlCol="0" anchor="ctr"/>
+                  <a:lstStyle/>
+                  <a:p>
+                    <a:pPr algn="ctr"/>
+                    <a:endParaRPr lang="pt-BR"/>
+                  </a:p>
+                </p:txBody>
+              </p:sp>
+              <p:sp>
+                <p:nvSpPr>
+                  <p:cNvPr id="17" name="Retângulo 16">
+                    <a:extLst>
+                      <a:ext uri="{FF2B5EF4-FFF2-40B4-BE49-F238E27FC236}">
+                        <a16:creationId xmlns:a16="http://schemas.microsoft.com/office/drawing/2014/main" id="{6AC35794-C9D9-4D4F-A083-344B35BCDE8E}"/>
+                      </a:ext>
+                    </a:extLst>
+                  </p:cNvPr>
+                  <p:cNvSpPr/>
+                  <p:nvPr/>
+                </p:nvSpPr>
+                <p:spPr>
+                  <a:xfrm>
+                    <a:off x="6492344" y="2604136"/>
+                    <a:ext cx="135443" cy="2186930"/>
+                  </a:xfrm>
+                  <a:prstGeom prst="rect">
+                    <a:avLst/>
+                  </a:prstGeom>
+                  <a:solidFill>
+                    <a:schemeClr val="accent1">
+                      <a:lumMod val="40000"/>
+                      <a:lumOff val="60000"/>
+                    </a:schemeClr>
+                  </a:solidFill>
+                </p:spPr>
+                <p:style>
+                  <a:lnRef idx="2">
+                    <a:schemeClr val="accent1">
+                      <a:shade val="50000"/>
+                    </a:schemeClr>
+                  </a:lnRef>
+                  <a:fillRef idx="1">
+                    <a:schemeClr val="accent1"/>
+                  </a:fillRef>
+                  <a:effectRef idx="0">
+                    <a:schemeClr val="accent1"/>
+                  </a:effectRef>
+                  <a:fontRef idx="minor">
+                    <a:schemeClr val="lt1"/>
+                  </a:fontRef>
+                </p:style>
+                <p:txBody>
+                  <a:bodyPr rtlCol="0" anchor="ctr"/>
+                  <a:lstStyle/>
+                  <a:p>
+                    <a:pPr algn="ctr"/>
+                    <a:endParaRPr lang="pt-BR"/>
+                  </a:p>
+                </p:txBody>
+              </p:sp>
+              <p:cxnSp>
+                <p:nvCxnSpPr>
+                  <p:cNvPr id="6" name="Conector reto 5">
+                    <a:extLst>
+                      <a:ext uri="{FF2B5EF4-FFF2-40B4-BE49-F238E27FC236}">
+                        <a16:creationId xmlns:a16="http://schemas.microsoft.com/office/drawing/2014/main" id="{986A2485-58BB-4964-8161-EE43C5323D59}"/>
+                      </a:ext>
+                    </a:extLst>
+                  </p:cNvPr>
+                  <p:cNvCxnSpPr>
+                    <a:cxnSpLocks/>
+                  </p:cNvCxnSpPr>
+                  <p:nvPr/>
+                </p:nvCxnSpPr>
+                <p:spPr>
+                  <a:xfrm flipH="1">
+                    <a:off x="2858617" y="2315022"/>
+                    <a:ext cx="11306" cy="297180"/>
+                  </a:xfrm>
+                  <a:prstGeom prst="line">
+                    <a:avLst/>
+                  </a:prstGeom>
+                  <a:ln>
+                    <a:prstDash val="lgDash"/>
+                  </a:ln>
+                </p:spPr>
+                <p:style>
+                  <a:lnRef idx="1">
+                    <a:schemeClr val="accent1"/>
+                  </a:lnRef>
+                  <a:fillRef idx="0">
+                    <a:schemeClr val="accent1"/>
+                  </a:fillRef>
+                  <a:effectRef idx="0">
+                    <a:schemeClr val="accent1"/>
+                  </a:effectRef>
+                  <a:fontRef idx="minor">
+                    <a:schemeClr val="tx1"/>
+                  </a:fontRef>
+                </p:style>
+              </p:cxnSp>
+              <p:cxnSp>
+                <p:nvCxnSpPr>
+                  <p:cNvPr id="22" name="Conector de Seta Reta 21">
+                    <a:extLst>
+                      <a:ext uri="{FF2B5EF4-FFF2-40B4-BE49-F238E27FC236}">
+                        <a16:creationId xmlns:a16="http://schemas.microsoft.com/office/drawing/2014/main" id="{421974C7-16DB-479D-BE10-A0DC9C715C55}"/>
+                      </a:ext>
+                    </a:extLst>
+                  </p:cNvPr>
+                  <p:cNvCxnSpPr>
+                    <a:cxnSpLocks/>
+                  </p:cNvCxnSpPr>
+                  <p:nvPr/>
+                </p:nvCxnSpPr>
+                <p:spPr>
+                  <a:xfrm>
+                    <a:off x="2937510" y="2680335"/>
+                    <a:ext cx="1313612" cy="0"/>
+                  </a:xfrm>
+                  <a:prstGeom prst="straightConnector1">
+                    <a:avLst/>
+                  </a:prstGeom>
+                  <a:ln w="38100">
+                    <a:tailEnd type="triangle"/>
+                  </a:ln>
+                </p:spPr>
+                <p:style>
+                  <a:lnRef idx="1">
+                    <a:schemeClr val="accent1"/>
+                  </a:lnRef>
+                  <a:fillRef idx="0">
+                    <a:schemeClr val="accent1"/>
+                  </a:fillRef>
+                  <a:effectRef idx="0">
+                    <a:schemeClr val="accent1"/>
+                  </a:effectRef>
+                  <a:fontRef idx="minor">
+                    <a:schemeClr val="tx1"/>
+                  </a:fontRef>
+                </p:style>
+              </p:cxnSp>
+              <p:cxnSp>
+                <p:nvCxnSpPr>
+                  <p:cNvPr id="25" name="Conector de Seta Reta 24">
+                    <a:extLst>
+                      <a:ext uri="{FF2B5EF4-FFF2-40B4-BE49-F238E27FC236}">
+                        <a16:creationId xmlns:a16="http://schemas.microsoft.com/office/drawing/2014/main" id="{5408A907-3807-4D4B-890D-814D86823379}"/>
+                      </a:ext>
+                    </a:extLst>
+                  </p:cNvPr>
+                  <p:cNvCxnSpPr>
+                    <a:cxnSpLocks/>
+                  </p:cNvCxnSpPr>
+                  <p:nvPr/>
+                </p:nvCxnSpPr>
+                <p:spPr>
+                  <a:xfrm flipH="1">
+                    <a:off x="2937510" y="2879441"/>
+                    <a:ext cx="1313612" cy="2824"/>
+                  </a:xfrm>
+                  <a:prstGeom prst="straightConnector1">
+                    <a:avLst/>
+                  </a:prstGeom>
+                  <a:ln w="38100">
+                    <a:tailEnd type="triangle"/>
+                  </a:ln>
+                </p:spPr>
+                <p:style>
+                  <a:lnRef idx="1">
+                    <a:schemeClr val="accent1"/>
+                  </a:lnRef>
+                  <a:fillRef idx="0">
+                    <a:schemeClr val="accent1"/>
+                  </a:fillRef>
+                  <a:effectRef idx="0">
+                    <a:schemeClr val="accent1"/>
+                  </a:effectRef>
+                  <a:fontRef idx="minor">
+                    <a:schemeClr val="tx1"/>
+                  </a:fontRef>
+                </p:style>
+              </p:cxnSp>
+              <p:cxnSp>
+                <p:nvCxnSpPr>
+                  <p:cNvPr id="29" name="Conector de Seta Reta 28">
+                    <a:extLst>
+                      <a:ext uri="{FF2B5EF4-FFF2-40B4-BE49-F238E27FC236}">
+                        <a16:creationId xmlns:a16="http://schemas.microsoft.com/office/drawing/2014/main" id="{153ADD4C-F324-48D6-A879-1680D25FF618}"/>
+                      </a:ext>
+                    </a:extLst>
+                  </p:cNvPr>
+                  <p:cNvCxnSpPr>
+                    <a:cxnSpLocks/>
+                  </p:cNvCxnSpPr>
+                  <p:nvPr/>
+                </p:nvCxnSpPr>
+                <p:spPr>
+                  <a:xfrm>
+                    <a:off x="2937510" y="3300095"/>
+                    <a:ext cx="2423160" cy="0"/>
+                  </a:xfrm>
+                  <a:prstGeom prst="straightConnector1">
+                    <a:avLst/>
+                  </a:prstGeom>
+                  <a:ln w="38100">
+                    <a:tailEnd type="triangle"/>
+                  </a:ln>
+                </p:spPr>
+                <p:style>
+                  <a:lnRef idx="1">
+                    <a:schemeClr val="accent1"/>
+                  </a:lnRef>
+                  <a:fillRef idx="0">
+                    <a:schemeClr val="accent1"/>
+                  </a:fillRef>
+                  <a:effectRef idx="0">
+                    <a:schemeClr val="accent1"/>
+                  </a:effectRef>
+                  <a:fontRef idx="minor">
+                    <a:schemeClr val="tx1"/>
+                  </a:fontRef>
+                </p:style>
+              </p:cxnSp>
+              <p:cxnSp>
+                <p:nvCxnSpPr>
+                  <p:cNvPr id="30" name="Conector de Seta Reta 29">
+                    <a:extLst>
+                      <a:ext uri="{FF2B5EF4-FFF2-40B4-BE49-F238E27FC236}">
+                        <a16:creationId xmlns:a16="http://schemas.microsoft.com/office/drawing/2014/main" id="{30E7D397-FB12-4B3D-B66D-110FE6450DE0}"/>
+                      </a:ext>
+                    </a:extLst>
+                  </p:cNvPr>
+                  <p:cNvCxnSpPr>
+                    <a:cxnSpLocks/>
+                  </p:cNvCxnSpPr>
+                  <p:nvPr/>
+                </p:nvCxnSpPr>
+                <p:spPr>
+                  <a:xfrm flipH="1">
+                    <a:off x="2937510" y="3502025"/>
+                    <a:ext cx="2423160" cy="1"/>
+                  </a:xfrm>
+                  <a:prstGeom prst="straightConnector1">
+                    <a:avLst/>
+                  </a:prstGeom>
+                  <a:ln w="38100">
+                    <a:tailEnd type="triangle"/>
+                  </a:ln>
+                </p:spPr>
+                <p:style>
+                  <a:lnRef idx="1">
+                    <a:schemeClr val="accent1"/>
+                  </a:lnRef>
+                  <a:fillRef idx="0">
+                    <a:schemeClr val="accent1"/>
+                  </a:fillRef>
+                  <a:effectRef idx="0">
+                    <a:schemeClr val="accent1"/>
+                  </a:effectRef>
+                  <a:fontRef idx="minor">
+                    <a:schemeClr val="tx1"/>
+                  </a:fontRef>
+                </p:style>
+              </p:cxnSp>
+              <p:sp>
+                <p:nvSpPr>
+                  <p:cNvPr id="32" name="CaixaDeTexto 31">
+                    <a:extLst>
+                      <a:ext uri="{FF2B5EF4-FFF2-40B4-BE49-F238E27FC236}">
+                        <a16:creationId xmlns:a16="http://schemas.microsoft.com/office/drawing/2014/main" id="{B27ABEA8-6C61-4B08-94D3-91E1AB6A7ADE}"/>
+                      </a:ext>
+                    </a:extLst>
+                  </p:cNvPr>
+                  <p:cNvSpPr txBox="1"/>
+                  <p:nvPr/>
+                </p:nvSpPr>
+                <p:spPr>
+                  <a:xfrm>
+                    <a:off x="3033197" y="2445980"/>
+                    <a:ext cx="1103550" cy="236293"/>
+                  </a:xfrm>
+                  <a:prstGeom prst="rect">
+                    <a:avLst/>
+                  </a:prstGeom>
+                  <a:noFill/>
+                </p:spPr>
+                <p:txBody>
+                  <a:bodyPr wrap="none" rtlCol="0">
+                    <a:spAutoFit/>
+                  </a:bodyPr>
+                  <a:lstStyle>
+                    <a:defPPr>
+                      <a:defRPr lang="pt-BR"/>
+                    </a:defPPr>
+                    <a:lvl1pPr>
+                      <a:defRPr>
+                        <a:latin typeface="CMU Serif" panose="02000603000000000000" pitchFamily="50" charset="0"/>
+                        <a:ea typeface="CMU Serif" panose="02000603000000000000" pitchFamily="50" charset="0"/>
+                        <a:cs typeface="CMU Serif" panose="02000603000000000000" pitchFamily="50" charset="0"/>
+                      </a:defRPr>
+                    </a:lvl1pPr>
+                  </a:lstStyle>
+                  <a:p>
+                    <a:r>
+                      <a:rPr lang="pt-BR" sz="1600" dirty="0"/>
+                      <a:t>Leitura do input</a:t>
+                    </a:r>
+                  </a:p>
+                </p:txBody>
+              </p:sp>
+              <p:sp>
+                <p:nvSpPr>
+                  <p:cNvPr id="34" name="CaixaDeTexto 33">
+                    <a:extLst>
+                      <a:ext uri="{FF2B5EF4-FFF2-40B4-BE49-F238E27FC236}">
+                        <a16:creationId xmlns:a16="http://schemas.microsoft.com/office/drawing/2014/main" id="{8226B004-146B-43CC-B55E-248167353A3A}"/>
+                      </a:ext>
+                    </a:extLst>
+                  </p:cNvPr>
+                  <p:cNvSpPr txBox="1"/>
+                  <p:nvPr/>
+                </p:nvSpPr>
+                <p:spPr>
+                  <a:xfrm>
+                    <a:off x="3048035" y="2667108"/>
+                    <a:ext cx="1073874" cy="236293"/>
+                  </a:xfrm>
+                  <a:prstGeom prst="rect">
+                    <a:avLst/>
+                  </a:prstGeom>
+                  <a:noFill/>
+                </p:spPr>
+                <p:txBody>
+                  <a:bodyPr wrap="none" rtlCol="0">
+                    <a:spAutoFit/>
+                  </a:bodyPr>
+                  <a:lstStyle>
+                    <a:defPPr>
+                      <a:defRPr lang="pt-BR"/>
+                    </a:defPPr>
+                    <a:lvl1pPr>
+                      <a:defRPr sz="1100">
+                        <a:latin typeface="CMU Serif" panose="02000603000000000000" pitchFamily="50" charset="0"/>
+                        <a:ea typeface="CMU Serif" panose="02000603000000000000" pitchFamily="50" charset="0"/>
+                        <a:cs typeface="CMU Serif" panose="02000603000000000000" pitchFamily="50" charset="0"/>
+                      </a:defRPr>
+                    </a:lvl1pPr>
+                  </a:lstStyle>
+                  <a:p>
+                    <a:r>
+                      <a:rPr lang="pt-BR" sz="1600" dirty="0"/>
+                      <a:t>Retorna o input</a:t>
+                    </a:r>
+                  </a:p>
+                </p:txBody>
+              </p:sp>
+              <p:sp>
+                <p:nvSpPr>
+                  <p:cNvPr id="35" name="CaixaDeTexto 34">
+                    <a:extLst>
+                      <a:ext uri="{FF2B5EF4-FFF2-40B4-BE49-F238E27FC236}">
+                        <a16:creationId xmlns:a16="http://schemas.microsoft.com/office/drawing/2014/main" id="{D503994E-30CD-4A50-88E9-2F88E762E8A7}"/>
+                      </a:ext>
+                    </a:extLst>
+                  </p:cNvPr>
+                  <p:cNvSpPr txBox="1"/>
+                  <p:nvPr/>
+                </p:nvSpPr>
+                <p:spPr>
+                  <a:xfrm>
+                    <a:off x="2956955" y="3081371"/>
+                    <a:ext cx="2388128" cy="236293"/>
+                  </a:xfrm>
+                  <a:prstGeom prst="rect">
+                    <a:avLst/>
+                  </a:prstGeom>
+                  <a:noFill/>
+                </p:spPr>
+                <p:txBody>
+                  <a:bodyPr wrap="none" rtlCol="0">
+                    <a:spAutoFit/>
+                  </a:bodyPr>
+                  <a:lstStyle>
+                    <a:defPPr>
+                      <a:defRPr lang="pt-BR"/>
+                    </a:defPPr>
+                    <a:lvl1pPr>
+                      <a:defRPr sz="1100">
+                        <a:latin typeface="CMU Serif" panose="02000603000000000000" pitchFamily="50" charset="0"/>
+                        <a:ea typeface="CMU Serif" panose="02000603000000000000" pitchFamily="50" charset="0"/>
+                        <a:cs typeface="CMU Serif" panose="02000603000000000000" pitchFamily="50" charset="0"/>
+                      </a:defRPr>
+                    </a:lvl1pPr>
+                  </a:lstStyle>
+                  <a:p>
+                    <a:r>
+                      <a:rPr lang="pt-BR" sz="1600" dirty="0"/>
+                      <a:t>Parâmetros para construção da malha</a:t>
+                    </a:r>
+                  </a:p>
+                </p:txBody>
+              </p:sp>
+              <p:sp>
+                <p:nvSpPr>
+                  <p:cNvPr id="36" name="CaixaDeTexto 35">
+                    <a:extLst>
+                      <a:ext uri="{FF2B5EF4-FFF2-40B4-BE49-F238E27FC236}">
+                        <a16:creationId xmlns:a16="http://schemas.microsoft.com/office/drawing/2014/main" id="{8F2F745D-DA1C-4102-9429-23250E3D5D4A}"/>
+                      </a:ext>
+                    </a:extLst>
+                  </p:cNvPr>
+                  <p:cNvSpPr txBox="1"/>
+                  <p:nvPr/>
+                </p:nvSpPr>
+                <p:spPr>
+                  <a:xfrm>
+                    <a:off x="3292911" y="3294685"/>
+                    <a:ext cx="1575198" cy="236293"/>
+                  </a:xfrm>
+                  <a:prstGeom prst="rect">
+                    <a:avLst/>
+                  </a:prstGeom>
+                  <a:noFill/>
+                </p:spPr>
+                <p:txBody>
+                  <a:bodyPr wrap="none" rtlCol="0">
+                    <a:spAutoFit/>
+                  </a:bodyPr>
+                  <a:lstStyle>
+                    <a:defPPr>
+                      <a:defRPr lang="pt-BR"/>
+                    </a:defPPr>
+                    <a:lvl1pPr>
+                      <a:defRPr sz="1100">
+                        <a:latin typeface="CMU Serif" panose="02000603000000000000" pitchFamily="50" charset="0"/>
+                        <a:ea typeface="CMU Serif" panose="02000603000000000000" pitchFamily="50" charset="0"/>
+                        <a:cs typeface="CMU Serif" panose="02000603000000000000" pitchFamily="50" charset="0"/>
+                      </a:defRPr>
+                    </a:lvl1pPr>
+                  </a:lstStyle>
+                  <a:p>
+                    <a:r>
+                      <a:rPr lang="pt-BR" sz="1600" dirty="0"/>
+                      <a:t>Malha salva no diretório</a:t>
+                    </a:r>
+                  </a:p>
+                </p:txBody>
+              </p:sp>
+              <p:sp>
+                <p:nvSpPr>
+                  <p:cNvPr id="41" name="CaixaDeTexto 40">
+                    <a:extLst>
+                      <a:ext uri="{FF2B5EF4-FFF2-40B4-BE49-F238E27FC236}">
+                        <a16:creationId xmlns:a16="http://schemas.microsoft.com/office/drawing/2014/main" id="{FC9748E5-65FE-4411-9FD1-366AAD37338B}"/>
+                      </a:ext>
+                    </a:extLst>
+                  </p:cNvPr>
+                  <p:cNvSpPr txBox="1"/>
+                  <p:nvPr/>
+                </p:nvSpPr>
+                <p:spPr>
+                  <a:xfrm>
+                    <a:off x="3509939" y="4273926"/>
+                    <a:ext cx="2428403" cy="236293"/>
+                  </a:xfrm>
+                  <a:prstGeom prst="rect">
+                    <a:avLst/>
+                  </a:prstGeom>
+                  <a:noFill/>
+                </p:spPr>
+                <p:txBody>
+                  <a:bodyPr wrap="none" rtlCol="0">
+                    <a:spAutoFit/>
+                  </a:bodyPr>
+                  <a:lstStyle>
+                    <a:defPPr>
+                      <a:defRPr lang="pt-BR"/>
+                    </a:defPPr>
+                    <a:lvl1pPr>
+                      <a:defRPr sz="1100">
+                        <a:latin typeface="CMU Serif" panose="02000603000000000000" pitchFamily="50" charset="0"/>
+                        <a:ea typeface="CMU Serif" panose="02000603000000000000" pitchFamily="50" charset="0"/>
+                        <a:cs typeface="CMU Serif" panose="02000603000000000000" pitchFamily="50" charset="0"/>
+                      </a:defRPr>
+                    </a:lvl1pPr>
+                  </a:lstStyle>
+                  <a:p>
+                    <a:r>
+                      <a:rPr lang="pt-BR" sz="1600" dirty="0"/>
+                      <a:t>Parâmetros para realizar o Assembling</a:t>
+                    </a:r>
+                  </a:p>
+                </p:txBody>
+              </p:sp>
+              <p:sp>
+                <p:nvSpPr>
+                  <p:cNvPr id="42" name="CaixaDeTexto 41">
+                    <a:extLst>
+                      <a:ext uri="{FF2B5EF4-FFF2-40B4-BE49-F238E27FC236}">
+                        <a16:creationId xmlns:a16="http://schemas.microsoft.com/office/drawing/2014/main" id="{11EAC28A-77B5-4001-B724-B9907BA90344}"/>
+                      </a:ext>
+                    </a:extLst>
+                  </p:cNvPr>
+                  <p:cNvSpPr txBox="1"/>
+                  <p:nvPr/>
+                </p:nvSpPr>
+                <p:spPr>
+                  <a:xfrm>
+                    <a:off x="3442432" y="4480826"/>
+                    <a:ext cx="2544991" cy="236293"/>
+                  </a:xfrm>
+                  <a:prstGeom prst="rect">
+                    <a:avLst/>
+                  </a:prstGeom>
+                  <a:noFill/>
+                </p:spPr>
+                <p:txBody>
+                  <a:bodyPr wrap="none" rtlCol="0">
+                    <a:spAutoFit/>
+                  </a:bodyPr>
+                  <a:lstStyle>
+                    <a:defPPr>
+                      <a:defRPr lang="pt-BR"/>
+                    </a:defPPr>
+                    <a:lvl1pPr>
+                      <a:defRPr sz="1100">
+                        <a:latin typeface="CMU Serif" panose="02000603000000000000" pitchFamily="50" charset="0"/>
+                        <a:ea typeface="CMU Serif" panose="02000603000000000000" pitchFamily="50" charset="0"/>
+                        <a:cs typeface="CMU Serif" panose="02000603000000000000" pitchFamily="50" charset="0"/>
+                      </a:defRPr>
+                    </a:lvl1pPr>
+                  </a:lstStyle>
+                  <a:p>
+                    <a:r>
+                      <a:rPr lang="pt-BR" sz="1600" dirty="0"/>
+                      <a:t>Retorna as matrizes globais do problema</a:t>
+                    </a:r>
+                  </a:p>
+                </p:txBody>
+              </p:sp>
+              <p:cxnSp>
+                <p:nvCxnSpPr>
+                  <p:cNvPr id="46" name="Conector de Seta Reta 45">
+                    <a:extLst>
+                      <a:ext uri="{FF2B5EF4-FFF2-40B4-BE49-F238E27FC236}">
+                        <a16:creationId xmlns:a16="http://schemas.microsoft.com/office/drawing/2014/main" id="{45CD6624-42FA-43D1-86D4-13340837CACE}"/>
+                      </a:ext>
+                    </a:extLst>
+                  </p:cNvPr>
+                  <p:cNvCxnSpPr>
+                    <a:cxnSpLocks/>
+                  </p:cNvCxnSpPr>
+                  <p:nvPr/>
+                </p:nvCxnSpPr>
+                <p:spPr>
+                  <a:xfrm>
+                    <a:off x="2946184" y="4505119"/>
+                    <a:ext cx="3546161" cy="15286"/>
+                  </a:xfrm>
+                  <a:prstGeom prst="straightConnector1">
+                    <a:avLst/>
+                  </a:prstGeom>
+                  <a:ln w="38100">
+                    <a:tailEnd type="triangle"/>
+                  </a:ln>
+                </p:spPr>
+                <p:style>
+                  <a:lnRef idx="1">
+                    <a:schemeClr val="accent1"/>
+                  </a:lnRef>
+                  <a:fillRef idx="0">
+                    <a:schemeClr val="accent1"/>
+                  </a:fillRef>
+                  <a:effectRef idx="0">
+                    <a:schemeClr val="accent1"/>
+                  </a:effectRef>
+                  <a:fontRef idx="minor">
+                    <a:schemeClr val="tx1"/>
+                  </a:fontRef>
+                </p:style>
+              </p:cxnSp>
+              <p:cxnSp>
+                <p:nvCxnSpPr>
+                  <p:cNvPr id="47" name="Conector de Seta Reta 46">
+                    <a:extLst>
+                      <a:ext uri="{FF2B5EF4-FFF2-40B4-BE49-F238E27FC236}">
+                        <a16:creationId xmlns:a16="http://schemas.microsoft.com/office/drawing/2014/main" id="{FFBFA2E0-A434-4449-8A96-71812B04370F}"/>
+                      </a:ext>
+                    </a:extLst>
+                  </p:cNvPr>
+                  <p:cNvCxnSpPr>
+                    <a:cxnSpLocks/>
+                  </p:cNvCxnSpPr>
+                  <p:nvPr/>
+                </p:nvCxnSpPr>
+                <p:spPr>
+                  <a:xfrm flipH="1">
+                    <a:off x="2938038" y="4702174"/>
+                    <a:ext cx="3554306" cy="4872"/>
+                  </a:xfrm>
+                  <a:prstGeom prst="straightConnector1">
+                    <a:avLst/>
+                  </a:prstGeom>
+                  <a:ln w="38100">
+                    <a:tailEnd type="triangle"/>
+                  </a:ln>
+                </p:spPr>
+                <p:style>
+                  <a:lnRef idx="1">
+                    <a:schemeClr val="accent1"/>
+                  </a:lnRef>
+                  <a:fillRef idx="0">
+                    <a:schemeClr val="accent1"/>
+                  </a:fillRef>
+                  <a:effectRef idx="0">
+                    <a:schemeClr val="accent1"/>
+                  </a:effectRef>
+                  <a:fontRef idx="minor">
+                    <a:schemeClr val="tx1"/>
+                  </a:fontRef>
+                </p:style>
+              </p:cxnSp>
+              <p:cxnSp>
+                <p:nvCxnSpPr>
+                  <p:cNvPr id="54" name="Conector de Seta Reta 53">
+                    <a:extLst>
+                      <a:ext uri="{FF2B5EF4-FFF2-40B4-BE49-F238E27FC236}">
+                        <a16:creationId xmlns:a16="http://schemas.microsoft.com/office/drawing/2014/main" id="{C720C7CA-BE61-49AF-8F04-4BA4B0ECD44D}"/>
+                      </a:ext>
+                    </a:extLst>
+                  </p:cNvPr>
+                  <p:cNvCxnSpPr>
+                    <a:cxnSpLocks/>
+                  </p:cNvCxnSpPr>
+                  <p:nvPr/>
+                </p:nvCxnSpPr>
+                <p:spPr>
+                  <a:xfrm>
+                    <a:off x="2946184" y="3885994"/>
+                    <a:ext cx="2430779" cy="0"/>
+                  </a:xfrm>
+                  <a:prstGeom prst="straightConnector1">
+                    <a:avLst/>
+                  </a:prstGeom>
+                  <a:ln w="38100">
+                    <a:tailEnd type="triangle"/>
+                  </a:ln>
+                </p:spPr>
+                <p:style>
+                  <a:lnRef idx="1">
+                    <a:schemeClr val="accent1"/>
+                  </a:lnRef>
+                  <a:fillRef idx="0">
+                    <a:schemeClr val="accent1"/>
+                  </a:fillRef>
+                  <a:effectRef idx="0">
+                    <a:schemeClr val="accent1"/>
+                  </a:effectRef>
+                  <a:fontRef idx="minor">
+                    <a:schemeClr val="tx1"/>
+                  </a:fontRef>
+                </p:style>
+              </p:cxnSp>
+              <p:sp>
+                <p:nvSpPr>
+                  <p:cNvPr id="56" name="CaixaDeTexto 55">
+                    <a:extLst>
+                      <a:ext uri="{FF2B5EF4-FFF2-40B4-BE49-F238E27FC236}">
+                        <a16:creationId xmlns:a16="http://schemas.microsoft.com/office/drawing/2014/main" id="{33B794E2-28FD-4805-922B-C4B7EF30D9F5}"/>
+                      </a:ext>
+                    </a:extLst>
+                  </p:cNvPr>
+                  <p:cNvSpPr txBox="1"/>
+                  <p:nvPr/>
+                </p:nvSpPr>
+                <p:spPr>
+                  <a:xfrm>
+                    <a:off x="3461943" y="3642540"/>
+                    <a:ext cx="1399258" cy="236293"/>
+                  </a:xfrm>
+                  <a:prstGeom prst="rect">
+                    <a:avLst/>
+                  </a:prstGeom>
+                  <a:noFill/>
+                </p:spPr>
+                <p:txBody>
+                  <a:bodyPr wrap="none" rtlCol="0">
+                    <a:spAutoFit/>
+                  </a:bodyPr>
+                  <a:lstStyle>
+                    <a:defPPr>
+                      <a:defRPr lang="pt-BR"/>
+                    </a:defPPr>
+                    <a:lvl1pPr>
+                      <a:defRPr sz="1100">
+                        <a:latin typeface="CMU Serif" panose="02000603000000000000" pitchFamily="50" charset="0"/>
+                        <a:ea typeface="CMU Serif" panose="02000603000000000000" pitchFamily="50" charset="0"/>
+                        <a:cs typeface="CMU Serif" panose="02000603000000000000" pitchFamily="50" charset="0"/>
+                      </a:defRPr>
+                    </a:lvl1pPr>
+                  </a:lstStyle>
+                  <a:p>
+                    <a:r>
+                      <a:rPr lang="pt-BR" sz="1600" dirty="0"/>
+                      <a:t>Parâmetros da malha</a:t>
+                    </a:r>
+                  </a:p>
+                </p:txBody>
+              </p:sp>
+              <p:cxnSp>
+                <p:nvCxnSpPr>
+                  <p:cNvPr id="57" name="Conector de Seta Reta 56">
+                    <a:extLst>
+                      <a:ext uri="{FF2B5EF4-FFF2-40B4-BE49-F238E27FC236}">
+                        <a16:creationId xmlns:a16="http://schemas.microsoft.com/office/drawing/2014/main" id="{A32E98A2-0AE1-4E96-BA87-32F9301461C6}"/>
+                      </a:ext>
+                    </a:extLst>
+                  </p:cNvPr>
+                  <p:cNvCxnSpPr>
+                    <a:cxnSpLocks/>
+                  </p:cNvCxnSpPr>
+                  <p:nvPr/>
+                </p:nvCxnSpPr>
+                <p:spPr>
+                  <a:xfrm flipH="1">
+                    <a:off x="2935498" y="4082413"/>
+                    <a:ext cx="2423160" cy="1"/>
+                  </a:xfrm>
+                  <a:prstGeom prst="straightConnector1">
+                    <a:avLst/>
+                  </a:prstGeom>
+                  <a:ln w="38100">
+                    <a:tailEnd type="triangle"/>
+                  </a:ln>
+                </p:spPr>
+                <p:style>
+                  <a:lnRef idx="1">
+                    <a:schemeClr val="accent1"/>
+                  </a:lnRef>
+                  <a:fillRef idx="0">
+                    <a:schemeClr val="accent1"/>
+                  </a:fillRef>
+                  <a:effectRef idx="0">
+                    <a:schemeClr val="accent1"/>
+                  </a:effectRef>
+                  <a:fontRef idx="minor">
+                    <a:schemeClr val="tx1"/>
+                  </a:fontRef>
+                </p:style>
+              </p:cxnSp>
+              <p:sp>
+                <p:nvSpPr>
+                  <p:cNvPr id="58" name="CaixaDeTexto 57">
+                    <a:extLst>
+                      <a:ext uri="{FF2B5EF4-FFF2-40B4-BE49-F238E27FC236}">
+                        <a16:creationId xmlns:a16="http://schemas.microsoft.com/office/drawing/2014/main" id="{A934DEEC-9647-46DB-888E-C88A73872465}"/>
+                      </a:ext>
+                    </a:extLst>
+                  </p:cNvPr>
+                  <p:cNvSpPr txBox="1"/>
+                  <p:nvPr/>
+                </p:nvSpPr>
+                <p:spPr>
+                  <a:xfrm>
+                    <a:off x="3037366" y="3865268"/>
+                    <a:ext cx="2239744" cy="236293"/>
+                  </a:xfrm>
+                  <a:prstGeom prst="rect">
+                    <a:avLst/>
+                  </a:prstGeom>
+                  <a:noFill/>
+                </p:spPr>
+                <p:txBody>
+                  <a:bodyPr wrap="none" rtlCol="0">
+                    <a:spAutoFit/>
+                  </a:bodyPr>
+                  <a:lstStyle>
+                    <a:defPPr>
+                      <a:defRPr lang="pt-BR"/>
+                    </a:defPPr>
+                    <a:lvl1pPr>
+                      <a:defRPr sz="1100">
+                        <a:latin typeface="CMU Serif" panose="02000603000000000000" pitchFamily="50" charset="0"/>
+                        <a:ea typeface="CMU Serif" panose="02000603000000000000" pitchFamily="50" charset="0"/>
+                        <a:cs typeface="CMU Serif" panose="02000603000000000000" pitchFamily="50" charset="0"/>
+                      </a:defRPr>
+                    </a:lvl1pPr>
+                  </a:lstStyle>
+                  <a:p>
+                    <a:r>
+                      <a:rPr lang="pt-BR" sz="1600" dirty="0"/>
+                      <a:t>Matrizes de posição e conectividade</a:t>
+                    </a:r>
+                  </a:p>
+                </p:txBody>
+              </p:sp>
+              <p:cxnSp>
+                <p:nvCxnSpPr>
+                  <p:cNvPr id="65" name="Conector de Seta Reta 64">
+                    <a:extLst>
+                      <a:ext uri="{FF2B5EF4-FFF2-40B4-BE49-F238E27FC236}">
+                        <a16:creationId xmlns:a16="http://schemas.microsoft.com/office/drawing/2014/main" id="{F073B55E-8E01-422A-924E-953AC8309593}"/>
+                      </a:ext>
+                    </a:extLst>
+                  </p:cNvPr>
+                  <p:cNvCxnSpPr>
+                    <a:cxnSpLocks/>
+                    <a:stCxn id="4" idx="2"/>
+                  </p:cNvCxnSpPr>
+                  <p:nvPr/>
+                </p:nvCxnSpPr>
+                <p:spPr>
+                  <a:xfrm>
+                    <a:off x="2857625" y="4791066"/>
+                    <a:ext cx="0" cy="266709"/>
+                  </a:xfrm>
+                  <a:prstGeom prst="straightConnector1">
+                    <a:avLst/>
+                  </a:prstGeom>
+                  <a:ln>
+                    <a:tailEnd type="triangle"/>
+                  </a:ln>
+                </p:spPr>
+                <p:style>
+                  <a:lnRef idx="1">
+                    <a:schemeClr val="accent1"/>
+                  </a:lnRef>
+                  <a:fillRef idx="0">
+                    <a:schemeClr val="accent1"/>
+                  </a:fillRef>
+                  <a:effectRef idx="0">
+                    <a:schemeClr val="accent1"/>
+                  </a:effectRef>
+                  <a:fontRef idx="minor">
+                    <a:schemeClr val="tx1"/>
+                  </a:fontRef>
+                </p:style>
+              </p:cxnSp>
+              <p:sp>
+                <p:nvSpPr>
+                  <p:cNvPr id="66" name="CaixaDeTexto 65">
+                    <a:extLst>
+                      <a:ext uri="{FF2B5EF4-FFF2-40B4-BE49-F238E27FC236}">
+                        <a16:creationId xmlns:a16="http://schemas.microsoft.com/office/drawing/2014/main" id="{6675756D-FFD9-4DD5-AA7A-5AFCD9666D99}"/>
+                      </a:ext>
+                    </a:extLst>
+                  </p:cNvPr>
+                  <p:cNvSpPr txBox="1"/>
+                  <p:nvPr/>
+                </p:nvSpPr>
+                <p:spPr>
+                  <a:xfrm>
+                    <a:off x="2748636" y="5074306"/>
+                    <a:ext cx="1837333" cy="257775"/>
+                  </a:xfrm>
+                  <a:prstGeom prst="rect">
+                    <a:avLst/>
+                  </a:prstGeom>
+                  <a:solidFill>
+                    <a:schemeClr val="accent1">
+                      <a:lumMod val="40000"/>
+                      <a:lumOff val="60000"/>
+                    </a:schemeClr>
+                  </a:solidFill>
+                  <a:ln>
+                    <a:solidFill>
+                      <a:srgbClr val="FF0000"/>
+                    </a:solidFill>
+                  </a:ln>
+                </p:spPr>
+                <p:txBody>
+                  <a:bodyPr wrap="square" rtlCol="0">
+                    <a:spAutoFit/>
+                  </a:bodyPr>
+                  <a:lstStyle/>
+                  <a:p>
+                    <a:r>
+                      <a:rPr lang="pt-BR" dirty="0">
+                        <a:latin typeface="CMU Serif" panose="02000603000000000000" pitchFamily="50" charset="0"/>
+                        <a:ea typeface="CMU Serif" panose="02000603000000000000" pitchFamily="50" charset="0"/>
+                        <a:cs typeface="CMU Serif" panose="02000603000000000000" pitchFamily="50" charset="0"/>
+                      </a:rPr>
+                      <a:t>Resultados finais em .vtk</a:t>
+                    </a:r>
+                  </a:p>
+                </p:txBody>
+              </p:sp>
+              <p:cxnSp>
+                <p:nvCxnSpPr>
+                  <p:cNvPr id="68" name="Conector reto 67">
+                    <a:extLst>
+                      <a:ext uri="{FF2B5EF4-FFF2-40B4-BE49-F238E27FC236}">
+                        <a16:creationId xmlns:a16="http://schemas.microsoft.com/office/drawing/2014/main" id="{983F6572-0297-4F70-B0E4-2740F46B57CF}"/>
+                      </a:ext>
+                    </a:extLst>
+                  </p:cNvPr>
+                  <p:cNvCxnSpPr>
+                    <a:cxnSpLocks/>
+                  </p:cNvCxnSpPr>
+                  <p:nvPr/>
+                </p:nvCxnSpPr>
+                <p:spPr>
+                  <a:xfrm>
+                    <a:off x="7981948" y="2322195"/>
+                    <a:ext cx="0" cy="297180"/>
+                  </a:xfrm>
+                  <a:prstGeom prst="line">
+                    <a:avLst/>
+                  </a:prstGeom>
+                  <a:ln>
+                    <a:prstDash val="lgDash"/>
+                  </a:ln>
+                </p:spPr>
+                <p:style>
+                  <a:lnRef idx="1">
+                    <a:schemeClr val="accent1"/>
+                  </a:lnRef>
+                  <a:fillRef idx="0">
+                    <a:schemeClr val="accent1"/>
+                  </a:fillRef>
+                  <a:effectRef idx="0">
+                    <a:schemeClr val="accent1"/>
+                  </a:effectRef>
+                  <a:fontRef idx="minor">
+                    <a:schemeClr val="tx1"/>
+                  </a:fontRef>
+                </p:style>
+              </p:cxnSp>
+              <p:sp>
+                <p:nvSpPr>
+                  <p:cNvPr id="70" name="Retângulo 69">
+                    <a:extLst>
+                      <a:ext uri="{FF2B5EF4-FFF2-40B4-BE49-F238E27FC236}">
+                        <a16:creationId xmlns:a16="http://schemas.microsoft.com/office/drawing/2014/main" id="{013C808B-ED4E-4614-9D84-E688236B5837}"/>
+                      </a:ext>
+                    </a:extLst>
+                  </p:cNvPr>
+                  <p:cNvSpPr/>
+                  <p:nvPr/>
+                </p:nvSpPr>
+                <p:spPr>
+                  <a:xfrm>
+                    <a:off x="7932369" y="2612202"/>
+                    <a:ext cx="135443" cy="2186930"/>
+                  </a:xfrm>
+                  <a:prstGeom prst="rect">
+                    <a:avLst/>
+                  </a:prstGeom>
+                  <a:solidFill>
+                    <a:schemeClr val="accent1">
+                      <a:lumMod val="40000"/>
+                      <a:lumOff val="60000"/>
+                    </a:schemeClr>
+                  </a:solidFill>
+                </p:spPr>
+                <p:style>
+                  <a:lnRef idx="2">
+                    <a:schemeClr val="accent1">
+                      <a:shade val="50000"/>
+                    </a:schemeClr>
+                  </a:lnRef>
+                  <a:fillRef idx="1">
+                    <a:schemeClr val="accent1"/>
+                  </a:fillRef>
+                  <a:effectRef idx="0">
+                    <a:schemeClr val="accent1"/>
+                  </a:effectRef>
+                  <a:fontRef idx="minor">
+                    <a:schemeClr val="lt1"/>
+                  </a:fontRef>
+                </p:style>
+                <p:txBody>
+                  <a:bodyPr rtlCol="0" anchor="ctr"/>
+                  <a:lstStyle/>
+                  <a:p>
+                    <a:pPr algn="ctr"/>
+                    <a:endParaRPr lang="pt-BR"/>
+                  </a:p>
+                </p:txBody>
+              </p:sp>
+              <p:cxnSp>
+                <p:nvCxnSpPr>
+                  <p:cNvPr id="72" name="Conector de Seta Reta 71">
+                    <a:extLst>
+                      <a:ext uri="{FF2B5EF4-FFF2-40B4-BE49-F238E27FC236}">
+                        <a16:creationId xmlns:a16="http://schemas.microsoft.com/office/drawing/2014/main" id="{D2933CFC-1C75-4F33-9E93-B4F10B5363EC}"/>
+                      </a:ext>
+                    </a:extLst>
+                  </p:cNvPr>
+                  <p:cNvCxnSpPr>
+                    <a:cxnSpLocks/>
+                  </p:cNvCxnSpPr>
+                  <p:nvPr/>
+                </p:nvCxnSpPr>
+                <p:spPr>
+                  <a:xfrm>
+                    <a:off x="6627787" y="4505119"/>
+                    <a:ext cx="1304582" cy="0"/>
+                  </a:xfrm>
+                  <a:prstGeom prst="straightConnector1">
+                    <a:avLst/>
+                  </a:prstGeom>
+                  <a:ln w="38100">
+                    <a:tailEnd type="triangle"/>
+                  </a:ln>
+                </p:spPr>
+                <p:style>
+                  <a:lnRef idx="1">
+                    <a:schemeClr val="accent1"/>
+                  </a:lnRef>
+                  <a:fillRef idx="0">
+                    <a:schemeClr val="accent1"/>
+                  </a:fillRef>
+                  <a:effectRef idx="0">
+                    <a:schemeClr val="accent1"/>
+                  </a:effectRef>
+                  <a:fontRef idx="minor">
+                    <a:schemeClr val="tx1"/>
+                  </a:fontRef>
+                </p:style>
+              </p:cxnSp>
+              <p:sp>
+                <p:nvSpPr>
+                  <p:cNvPr id="80" name="CaixaDeTexto 79">
+                    <a:extLst>
+                      <a:ext uri="{FF2B5EF4-FFF2-40B4-BE49-F238E27FC236}">
+                        <a16:creationId xmlns:a16="http://schemas.microsoft.com/office/drawing/2014/main" id="{A28C56DA-AAFF-415C-94AD-B443F76DBCFF}"/>
+                      </a:ext>
+                    </a:extLst>
+                  </p:cNvPr>
+                  <p:cNvSpPr txBox="1"/>
+                  <p:nvPr/>
+                </p:nvSpPr>
+                <p:spPr>
+                  <a:xfrm>
+                    <a:off x="6593545" y="4281495"/>
+                    <a:ext cx="1363222" cy="236293"/>
+                  </a:xfrm>
+                  <a:prstGeom prst="rect">
+                    <a:avLst/>
+                  </a:prstGeom>
+                  <a:noFill/>
+                </p:spPr>
+                <p:txBody>
+                  <a:bodyPr wrap="none" rtlCol="0">
+                    <a:spAutoFit/>
+                  </a:bodyPr>
+                  <a:lstStyle/>
+                  <a:p>
+                    <a:r>
+                      <a:rPr lang="pt-BR" sz="1600" dirty="0">
+                        <a:latin typeface="CMU Serif" panose="02000603000000000000" pitchFamily="50" charset="0"/>
+                        <a:ea typeface="CMU Serif" panose="02000603000000000000" pitchFamily="50" charset="0"/>
+                        <a:cs typeface="CMU Serif" panose="02000603000000000000" pitchFamily="50" charset="0"/>
+                      </a:rPr>
+                      <a:t>Vértices do elemento</a:t>
+                    </a:r>
+                  </a:p>
+                </p:txBody>
+              </p:sp>
+            </p:grpSp>
+          </p:grpSp>
+        </p:grpSp>
         <p:sp>
           <p:nvSpPr>
-            <p:cNvPr id="7" name="Retângulo 6">
+            <p:cNvPr id="53" name="Retângulo 52">
               <a:extLst>
                 <a:ext uri="{FF2B5EF4-FFF2-40B4-BE49-F238E27FC236}">
-                  <a16:creationId xmlns:a16="http://schemas.microsoft.com/office/drawing/2014/main" id="{6A5CBDD5-A1E8-461D-816B-5C46F1BD6D8D}"/>
+                  <a16:creationId xmlns:a16="http://schemas.microsoft.com/office/drawing/2014/main" id="{F776563A-8A9A-40E2-BA26-2372E7165893}"/>
                 </a:ext>
               </a:extLst>
             </p:cNvPr>
@@ -9436,17 +11015,22 @@
           </p:nvSpPr>
           <p:spPr>
             <a:xfrm>
-              <a:off x="2257425" y="1519776"/>
-              <a:ext cx="6372226" cy="3919000"/>
+              <a:off x="2939390" y="989420"/>
+              <a:ext cx="1153969" cy="1089613"/>
             </a:xfrm>
             <a:prstGeom prst="rect">
               <a:avLst/>
             </a:prstGeom>
             <a:solidFill>
-              <a:schemeClr val="bg1"/>
+              <a:schemeClr val="accent1">
+                <a:lumMod val="40000"/>
+                <a:lumOff val="60000"/>
+              </a:schemeClr>
             </a:solidFill>
             <a:ln>
-              <a:noFill/>
+              <a:solidFill>
+                <a:srgbClr val="FF0000"/>
+              </a:solidFill>
             </a:ln>
           </p:spPr>
           <p:style>
@@ -9474,2076 +11058,505 @@
             </a:p>
           </p:txBody>
         </p:sp>
-        <p:grpSp>
-          <p:nvGrpSpPr>
-            <p:cNvPr id="88" name="Agrupar 87">
+        <p:sp>
+          <p:nvSpPr>
+            <p:cNvPr id="48" name="CaixaDeTexto 47">
               <a:extLst>
                 <a:ext uri="{FF2B5EF4-FFF2-40B4-BE49-F238E27FC236}">
-                  <a16:creationId xmlns:a16="http://schemas.microsoft.com/office/drawing/2014/main" id="{FEC7B826-67AB-4675-8C63-98E5921FCF94}"/>
+                  <a16:creationId xmlns:a16="http://schemas.microsoft.com/office/drawing/2014/main" id="{4835E02E-6BAD-42AD-9CD6-57BE7633A9CF}"/>
                 </a:ext>
               </a:extLst>
             </p:cNvPr>
-            <p:cNvGrpSpPr/>
+            <p:cNvSpPr txBox="1"/>
             <p:nvPr/>
-          </p:nvGrpSpPr>
-          <p:grpSpPr>
+          </p:nvSpPr>
+          <p:spPr>
             <a:xfrm>
-              <a:off x="2257425" y="1519776"/>
-              <a:ext cx="6372226" cy="3919000"/>
-              <a:chOff x="2257425" y="1519776"/>
-              <a:chExt cx="6372226" cy="3919000"/>
+              <a:off x="3167643" y="1210498"/>
+              <a:ext cx="686406" cy="646331"/>
             </a:xfrm>
-          </p:grpSpPr>
-          <p:sp>
-            <p:nvSpPr>
-              <p:cNvPr id="87" name="Retângulo 86">
-                <a:extLst>
-                  <a:ext uri="{FF2B5EF4-FFF2-40B4-BE49-F238E27FC236}">
-                    <a16:creationId xmlns:a16="http://schemas.microsoft.com/office/drawing/2014/main" id="{E3083987-6BBF-4C95-8667-E4A296B1BF7A}"/>
-                  </a:ext>
-                </a:extLst>
-              </p:cNvPr>
-              <p:cNvSpPr/>
-              <p:nvPr/>
-            </p:nvSpPr>
-            <p:spPr>
-              <a:xfrm>
-                <a:off x="2257425" y="1519776"/>
-                <a:ext cx="6372226" cy="3919000"/>
-              </a:xfrm>
-              <a:prstGeom prst="rect">
-                <a:avLst/>
-              </a:prstGeom>
-              <a:noFill/>
-              <a:ln>
-                <a:solidFill>
-                  <a:schemeClr val="bg1"/>
-                </a:solidFill>
-              </a:ln>
-            </p:spPr>
-            <p:style>
-              <a:lnRef idx="2">
-                <a:schemeClr val="accent1">
-                  <a:shade val="50000"/>
-                </a:schemeClr>
-              </a:lnRef>
-              <a:fillRef idx="1">
-                <a:schemeClr val="accent1"/>
-              </a:fillRef>
-              <a:effectRef idx="0">
-                <a:schemeClr val="accent1"/>
-              </a:effectRef>
-              <a:fontRef idx="minor">
-                <a:schemeClr val="lt1"/>
-              </a:fontRef>
-            </p:style>
-            <p:txBody>
-              <a:bodyPr rtlCol="0" anchor="ctr"/>
-              <a:lstStyle/>
-              <a:p>
-                <a:pPr algn="ctr"/>
-                <a:endParaRPr lang="pt-BR"/>
-              </a:p>
-            </p:txBody>
-          </p:sp>
-          <p:grpSp>
-            <p:nvGrpSpPr>
-              <p:cNvPr id="86" name="Agrupar 85">
-                <a:extLst>
-                  <a:ext uri="{FF2B5EF4-FFF2-40B4-BE49-F238E27FC236}">
-                    <a16:creationId xmlns:a16="http://schemas.microsoft.com/office/drawing/2014/main" id="{10ED0460-90D4-4EE0-83B0-05A60C849276}"/>
-                  </a:ext>
-                </a:extLst>
-              </p:cNvPr>
-              <p:cNvGrpSpPr/>
-              <p:nvPr/>
-            </p:nvGrpSpPr>
-            <p:grpSpPr>
-              <a:xfrm>
-                <a:off x="2523044" y="2315022"/>
-                <a:ext cx="5594347" cy="3022357"/>
-                <a:chOff x="2523044" y="2315022"/>
-                <a:chExt cx="5594347" cy="3022357"/>
-              </a:xfrm>
-            </p:grpSpPr>
-            <p:cxnSp>
-              <p:nvCxnSpPr>
-                <p:cNvPr id="74" name="Conector de Seta Reta 73">
-                  <a:extLst>
-                    <a:ext uri="{FF2B5EF4-FFF2-40B4-BE49-F238E27FC236}">
-                      <a16:creationId xmlns:a16="http://schemas.microsoft.com/office/drawing/2014/main" id="{4B4C5E2D-F935-4158-B821-3D0D99E8D2FA}"/>
-                    </a:ext>
-                  </a:extLst>
-                </p:cNvPr>
-                <p:cNvCxnSpPr>
-                  <a:cxnSpLocks/>
-                </p:cNvCxnSpPr>
-                <p:nvPr/>
-              </p:nvCxnSpPr>
-              <p:spPr>
-                <a:xfrm flipH="1">
-                  <a:off x="6783891" y="4707045"/>
-                  <a:ext cx="1198057" cy="0"/>
-                </a:xfrm>
-                <a:prstGeom prst="straightConnector1">
-                  <a:avLst/>
-                </a:prstGeom>
-                <a:ln>
-                  <a:tailEnd type="triangle"/>
-                </a:ln>
-              </p:spPr>
-              <p:style>
-                <a:lnRef idx="1">
-                  <a:schemeClr val="accent1"/>
-                </a:lnRef>
-                <a:fillRef idx="0">
-                  <a:schemeClr val="accent1"/>
-                </a:fillRef>
-                <a:effectRef idx="0">
-                  <a:schemeClr val="accent1"/>
-                </a:effectRef>
-                <a:fontRef idx="minor">
-                  <a:schemeClr val="tx1"/>
-                </a:fontRef>
-              </p:style>
-            </p:cxnSp>
-            <p:sp>
-              <p:nvSpPr>
-                <p:cNvPr id="81" name="CaixaDeTexto 80">
-                  <a:extLst>
-                    <a:ext uri="{FF2B5EF4-FFF2-40B4-BE49-F238E27FC236}">
-                      <a16:creationId xmlns:a16="http://schemas.microsoft.com/office/drawing/2014/main" id="{6E91172E-C451-49A9-A8FB-FEE490D5C287}"/>
-                    </a:ext>
-                  </a:extLst>
-                </p:cNvPr>
-                <p:cNvSpPr txBox="1"/>
-                <p:nvPr/>
-              </p:nvSpPr>
-              <p:spPr>
-                <a:xfrm>
-                  <a:off x="6799129" y="4493892"/>
-                  <a:ext cx="1181734" cy="261610"/>
-                </a:xfrm>
-                <a:prstGeom prst="rect">
-                  <a:avLst/>
-                </a:prstGeom>
-                <a:noFill/>
-              </p:spPr>
-              <p:txBody>
-                <a:bodyPr wrap="none" rtlCol="0">
-                  <a:spAutoFit/>
-                </a:bodyPr>
-                <a:lstStyle/>
-                <a:p>
-                  <a:r>
-                    <a:rPr lang="pt-BR" sz="1100" dirty="0"/>
-                    <a:t>Matriz </a:t>
-                  </a:r>
-                  <a:r>
-                    <a:rPr lang="pt-BR" sz="1100" dirty="0">
-                      <a:latin typeface="CMU Serif" panose="02000603000000000000" pitchFamily="50" charset="0"/>
-                      <a:ea typeface="CMU Serif" panose="02000603000000000000" pitchFamily="50" charset="0"/>
-                      <a:cs typeface="CMU Serif" panose="02000603000000000000" pitchFamily="50" charset="0"/>
-                    </a:rPr>
-                    <a:t>elementar</a:t>
-                  </a:r>
-                </a:p>
-              </p:txBody>
-            </p:sp>
-            <p:cxnSp>
-              <p:nvCxnSpPr>
-                <p:cNvPr id="20" name="Conector reto 19">
-                  <a:extLst>
-                    <a:ext uri="{FF2B5EF4-FFF2-40B4-BE49-F238E27FC236}">
-                      <a16:creationId xmlns:a16="http://schemas.microsoft.com/office/drawing/2014/main" id="{088F023F-EE86-4844-A959-D62212A216AC}"/>
-                    </a:ext>
-                  </a:extLst>
-                </p:cNvPr>
-                <p:cNvCxnSpPr>
-                  <a:cxnSpLocks/>
-                </p:cNvCxnSpPr>
-                <p:nvPr/>
-              </p:nvCxnSpPr>
-              <p:spPr>
-                <a:xfrm>
-                  <a:off x="5448300" y="2322195"/>
-                  <a:ext cx="0" cy="297180"/>
-                </a:xfrm>
-                <a:prstGeom prst="line">
-                  <a:avLst/>
-                </a:prstGeom>
-                <a:ln>
-                  <a:prstDash val="lgDash"/>
-                </a:ln>
-              </p:spPr>
-              <p:style>
-                <a:lnRef idx="1">
-                  <a:schemeClr val="accent1"/>
-                </a:lnRef>
-                <a:fillRef idx="0">
-                  <a:schemeClr val="accent1"/>
-                </a:fillRef>
-                <a:effectRef idx="0">
-                  <a:schemeClr val="accent1"/>
-                </a:effectRef>
-                <a:fontRef idx="minor">
-                  <a:schemeClr val="tx1"/>
-                </a:fontRef>
-              </p:style>
-            </p:cxnSp>
-            <p:cxnSp>
-              <p:nvCxnSpPr>
-                <p:cNvPr id="21" name="Conector reto 20">
-                  <a:extLst>
-                    <a:ext uri="{FF2B5EF4-FFF2-40B4-BE49-F238E27FC236}">
-                      <a16:creationId xmlns:a16="http://schemas.microsoft.com/office/drawing/2014/main" id="{BAB5CA86-2454-4B99-BE96-1E74BC862F02}"/>
-                    </a:ext>
-                  </a:extLst>
-                </p:cNvPr>
-                <p:cNvCxnSpPr>
-                  <a:cxnSpLocks/>
-                </p:cNvCxnSpPr>
-                <p:nvPr/>
-              </p:nvCxnSpPr>
-              <p:spPr>
-                <a:xfrm>
-                  <a:off x="6709410" y="2322195"/>
-                  <a:ext cx="0" cy="297180"/>
-                </a:xfrm>
-                <a:prstGeom prst="line">
-                  <a:avLst/>
-                </a:prstGeom>
-                <a:ln>
-                  <a:prstDash val="lgDash"/>
-                </a:ln>
-              </p:spPr>
-              <p:style>
-                <a:lnRef idx="1">
-                  <a:schemeClr val="accent1"/>
-                </a:lnRef>
-                <a:fillRef idx="0">
-                  <a:schemeClr val="accent1"/>
-                </a:fillRef>
-                <a:effectRef idx="0">
-                  <a:schemeClr val="accent1"/>
-                </a:effectRef>
-                <a:fontRef idx="minor">
-                  <a:schemeClr val="tx1"/>
-                </a:fontRef>
-              </p:style>
-            </p:cxnSp>
-            <p:cxnSp>
-              <p:nvCxnSpPr>
-                <p:cNvPr id="19" name="Conector reto 18">
-                  <a:extLst>
-                    <a:ext uri="{FF2B5EF4-FFF2-40B4-BE49-F238E27FC236}">
-                      <a16:creationId xmlns:a16="http://schemas.microsoft.com/office/drawing/2014/main" id="{FD327152-2C44-4CB6-BA5E-FB74EF902A9B}"/>
-                    </a:ext>
-                  </a:extLst>
-                </p:cNvPr>
-                <p:cNvCxnSpPr>
-                  <a:cxnSpLocks/>
-                </p:cNvCxnSpPr>
-                <p:nvPr/>
-              </p:nvCxnSpPr>
-              <p:spPr>
-                <a:xfrm>
-                  <a:off x="4156710" y="2322195"/>
-                  <a:ext cx="0" cy="297180"/>
-                </a:xfrm>
-                <a:prstGeom prst="line">
-                  <a:avLst/>
-                </a:prstGeom>
-                <a:ln>
-                  <a:prstDash val="lgDash"/>
-                </a:ln>
-              </p:spPr>
-              <p:style>
-                <a:lnRef idx="1">
-                  <a:schemeClr val="accent1"/>
-                </a:lnRef>
-                <a:fillRef idx="0">
-                  <a:schemeClr val="accent1"/>
-                </a:fillRef>
-                <a:effectRef idx="0">
-                  <a:schemeClr val="accent1"/>
-                </a:effectRef>
-                <a:fontRef idx="minor">
-                  <a:schemeClr val="tx1"/>
-                </a:fontRef>
-              </p:style>
-            </p:cxnSp>
-            <p:sp>
-              <p:nvSpPr>
-                <p:cNvPr id="4" name="Retângulo 3">
-                  <a:extLst>
-                    <a:ext uri="{FF2B5EF4-FFF2-40B4-BE49-F238E27FC236}">
-                      <a16:creationId xmlns:a16="http://schemas.microsoft.com/office/drawing/2014/main" id="{F2A2E4CD-F9B7-4707-ADB1-86F5F82026DD}"/>
-                    </a:ext>
-                  </a:extLst>
-                </p:cNvPr>
-                <p:cNvSpPr/>
-                <p:nvPr/>
-              </p:nvSpPr>
-              <p:spPr>
-                <a:xfrm>
-                  <a:off x="2777739" y="2604135"/>
-                  <a:ext cx="159772" cy="2186931"/>
-                </a:xfrm>
-                <a:prstGeom prst="rect">
-                  <a:avLst/>
-                </a:prstGeom>
-                <a:solidFill>
-                  <a:schemeClr val="accent1">
-                    <a:lumMod val="40000"/>
-                    <a:lumOff val="60000"/>
-                  </a:schemeClr>
-                </a:solidFill>
-              </p:spPr>
-              <p:style>
-                <a:lnRef idx="2">
-                  <a:schemeClr val="accent1">
-                    <a:shade val="50000"/>
-                  </a:schemeClr>
-                </a:lnRef>
-                <a:fillRef idx="1">
-                  <a:schemeClr val="accent1"/>
-                </a:fillRef>
-                <a:effectRef idx="0">
-                  <a:schemeClr val="accent1"/>
-                </a:effectRef>
-                <a:fontRef idx="minor">
-                  <a:schemeClr val="lt1"/>
-                </a:fontRef>
-              </p:style>
-              <p:txBody>
-                <a:bodyPr rtlCol="0" anchor="ctr"/>
-                <a:lstStyle/>
-                <a:p>
-                  <a:pPr algn="ctr"/>
-                  <a:endParaRPr lang="pt-BR"/>
-                </a:p>
-              </p:txBody>
-            </p:sp>
-            <p:sp>
-              <p:nvSpPr>
-                <p:cNvPr id="12" name="Retângulo 11">
-                  <a:extLst>
-                    <a:ext uri="{FF2B5EF4-FFF2-40B4-BE49-F238E27FC236}">
-                      <a16:creationId xmlns:a16="http://schemas.microsoft.com/office/drawing/2014/main" id="{6BBEC45D-1995-4B99-ACC3-D283B2A4D93C}"/>
-                    </a:ext>
-                  </a:extLst>
-                </p:cNvPr>
-                <p:cNvSpPr/>
-                <p:nvPr/>
-              </p:nvSpPr>
-              <p:spPr>
-                <a:xfrm>
-                  <a:off x="4088130" y="2606036"/>
-                  <a:ext cx="137160" cy="358140"/>
-                </a:xfrm>
-                <a:prstGeom prst="rect">
-                  <a:avLst/>
-                </a:prstGeom>
-                <a:solidFill>
-                  <a:schemeClr val="accent1">
-                    <a:lumMod val="40000"/>
-                    <a:lumOff val="60000"/>
-                  </a:schemeClr>
-                </a:solidFill>
-              </p:spPr>
-              <p:style>
-                <a:lnRef idx="2">
-                  <a:schemeClr val="accent1">
-                    <a:shade val="50000"/>
-                  </a:schemeClr>
-                </a:lnRef>
-                <a:fillRef idx="1">
-                  <a:schemeClr val="accent1"/>
-                </a:fillRef>
-                <a:effectRef idx="0">
-                  <a:schemeClr val="accent1"/>
-                </a:effectRef>
-                <a:fontRef idx="minor">
-                  <a:schemeClr val="lt1"/>
-                </a:fontRef>
-              </p:style>
-              <p:txBody>
-                <a:bodyPr rtlCol="0" anchor="ctr"/>
-                <a:lstStyle/>
-                <a:p>
-                  <a:pPr algn="ctr"/>
-                  <a:endParaRPr lang="pt-BR"/>
-                </a:p>
-              </p:txBody>
-            </p:sp>
-            <p:sp>
-              <p:nvSpPr>
-                <p:cNvPr id="15" name="Retângulo 14">
-                  <a:extLst>
-                    <a:ext uri="{FF2B5EF4-FFF2-40B4-BE49-F238E27FC236}">
-                      <a16:creationId xmlns:a16="http://schemas.microsoft.com/office/drawing/2014/main" id="{C423F59C-3345-4064-9EF3-58912FF61BE1}"/>
-                    </a:ext>
-                  </a:extLst>
-                </p:cNvPr>
-                <p:cNvSpPr/>
-                <p:nvPr/>
-              </p:nvSpPr>
-              <p:spPr>
-                <a:xfrm>
-                  <a:off x="5376964" y="2604133"/>
-                  <a:ext cx="135114" cy="1627487"/>
-                </a:xfrm>
-                <a:prstGeom prst="rect">
-                  <a:avLst/>
-                </a:prstGeom>
-                <a:solidFill>
-                  <a:schemeClr val="accent1">
-                    <a:lumMod val="40000"/>
-                    <a:lumOff val="60000"/>
-                  </a:schemeClr>
-                </a:solidFill>
-              </p:spPr>
-              <p:style>
-                <a:lnRef idx="2">
-                  <a:schemeClr val="accent1">
-                    <a:shade val="50000"/>
-                  </a:schemeClr>
-                </a:lnRef>
-                <a:fillRef idx="1">
-                  <a:schemeClr val="accent1"/>
-                </a:fillRef>
-                <a:effectRef idx="0">
-                  <a:schemeClr val="accent1"/>
-                </a:effectRef>
-                <a:fontRef idx="minor">
-                  <a:schemeClr val="lt1"/>
-                </a:fontRef>
-              </p:style>
-              <p:txBody>
-                <a:bodyPr rtlCol="0" anchor="ctr"/>
-                <a:lstStyle/>
-                <a:p>
-                  <a:pPr algn="ctr"/>
-                  <a:endParaRPr lang="pt-BR"/>
-                </a:p>
-              </p:txBody>
-            </p:sp>
-            <p:sp>
-              <p:nvSpPr>
-                <p:cNvPr id="17" name="Retângulo 16">
-                  <a:extLst>
-                    <a:ext uri="{FF2B5EF4-FFF2-40B4-BE49-F238E27FC236}">
-                      <a16:creationId xmlns:a16="http://schemas.microsoft.com/office/drawing/2014/main" id="{6AC35794-C9D9-4D4F-A083-344B35BCDE8E}"/>
-                    </a:ext>
-                  </a:extLst>
-                </p:cNvPr>
-                <p:cNvSpPr/>
-                <p:nvPr/>
-              </p:nvSpPr>
-              <p:spPr>
-                <a:xfrm>
-                  <a:off x="6648448" y="2604135"/>
-                  <a:ext cx="135443" cy="2186930"/>
-                </a:xfrm>
-                <a:prstGeom prst="rect">
-                  <a:avLst/>
-                </a:prstGeom>
-                <a:solidFill>
-                  <a:schemeClr val="accent1">
-                    <a:lumMod val="40000"/>
-                    <a:lumOff val="60000"/>
-                  </a:schemeClr>
-                </a:solidFill>
-              </p:spPr>
-              <p:style>
-                <a:lnRef idx="2">
-                  <a:schemeClr val="accent1">
-                    <a:shade val="50000"/>
-                  </a:schemeClr>
-                </a:lnRef>
-                <a:fillRef idx="1">
-                  <a:schemeClr val="accent1"/>
-                </a:fillRef>
-                <a:effectRef idx="0">
-                  <a:schemeClr val="accent1"/>
-                </a:effectRef>
-                <a:fontRef idx="minor">
-                  <a:schemeClr val="lt1"/>
-                </a:fontRef>
-              </p:style>
-              <p:txBody>
-                <a:bodyPr rtlCol="0" anchor="ctr"/>
-                <a:lstStyle/>
-                <a:p>
-                  <a:pPr algn="ctr"/>
-                  <a:endParaRPr lang="pt-BR"/>
-                </a:p>
-              </p:txBody>
-            </p:sp>
-            <p:cxnSp>
-              <p:nvCxnSpPr>
-                <p:cNvPr id="6" name="Conector reto 5">
-                  <a:extLst>
-                    <a:ext uri="{FF2B5EF4-FFF2-40B4-BE49-F238E27FC236}">
-                      <a16:creationId xmlns:a16="http://schemas.microsoft.com/office/drawing/2014/main" id="{986A2485-58BB-4964-8161-EE43C5323D59}"/>
-                    </a:ext>
-                  </a:extLst>
-                </p:cNvPr>
-                <p:cNvCxnSpPr>
-                  <a:cxnSpLocks/>
-                </p:cNvCxnSpPr>
-                <p:nvPr/>
-              </p:nvCxnSpPr>
-              <p:spPr>
-                <a:xfrm flipH="1">
-                  <a:off x="2858617" y="2315022"/>
-                  <a:ext cx="11306" cy="297180"/>
-                </a:xfrm>
-                <a:prstGeom prst="line">
-                  <a:avLst/>
-                </a:prstGeom>
-                <a:ln>
-                  <a:prstDash val="lgDash"/>
-                </a:ln>
-              </p:spPr>
-              <p:style>
-                <a:lnRef idx="1">
-                  <a:schemeClr val="accent1"/>
-                </a:lnRef>
-                <a:fillRef idx="0">
-                  <a:schemeClr val="accent1"/>
-                </a:fillRef>
-                <a:effectRef idx="0">
-                  <a:schemeClr val="accent1"/>
-                </a:effectRef>
-                <a:fontRef idx="minor">
-                  <a:schemeClr val="tx1"/>
-                </a:fontRef>
-              </p:style>
-            </p:cxnSp>
-            <p:cxnSp>
-              <p:nvCxnSpPr>
-                <p:cNvPr id="22" name="Conector de Seta Reta 21">
-                  <a:extLst>
-                    <a:ext uri="{FF2B5EF4-FFF2-40B4-BE49-F238E27FC236}">
-                      <a16:creationId xmlns:a16="http://schemas.microsoft.com/office/drawing/2014/main" id="{421974C7-16DB-479D-BE10-A0DC9C715C55}"/>
-                    </a:ext>
-                  </a:extLst>
-                </p:cNvPr>
-                <p:cNvCxnSpPr>
-                  <a:cxnSpLocks/>
-                </p:cNvCxnSpPr>
-                <p:nvPr/>
-              </p:nvCxnSpPr>
-              <p:spPr>
-                <a:xfrm>
-                  <a:off x="2937510" y="2680335"/>
-                  <a:ext cx="1143000" cy="0"/>
-                </a:xfrm>
-                <a:prstGeom prst="straightConnector1">
-                  <a:avLst/>
-                </a:prstGeom>
-                <a:ln>
-                  <a:tailEnd type="triangle"/>
-                </a:ln>
-              </p:spPr>
-              <p:style>
-                <a:lnRef idx="1">
-                  <a:schemeClr val="accent1"/>
-                </a:lnRef>
-                <a:fillRef idx="0">
-                  <a:schemeClr val="accent1"/>
-                </a:fillRef>
-                <a:effectRef idx="0">
-                  <a:schemeClr val="accent1"/>
-                </a:effectRef>
-                <a:fontRef idx="minor">
-                  <a:schemeClr val="tx1"/>
-                </a:fontRef>
-              </p:style>
-            </p:cxnSp>
-            <p:cxnSp>
-              <p:nvCxnSpPr>
-                <p:cNvPr id="25" name="Conector de Seta Reta 24">
-                  <a:extLst>
-                    <a:ext uri="{FF2B5EF4-FFF2-40B4-BE49-F238E27FC236}">
-                      <a16:creationId xmlns:a16="http://schemas.microsoft.com/office/drawing/2014/main" id="{5408A907-3807-4D4B-890D-814D86823379}"/>
-                    </a:ext>
-                  </a:extLst>
-                </p:cNvPr>
-                <p:cNvCxnSpPr>
-                  <a:cxnSpLocks/>
-                </p:cNvCxnSpPr>
-                <p:nvPr/>
-              </p:nvCxnSpPr>
-              <p:spPr>
-                <a:xfrm flipH="1" flipV="1">
-                  <a:off x="2937510" y="2882265"/>
-                  <a:ext cx="1143000" cy="1"/>
-                </a:xfrm>
-                <a:prstGeom prst="straightConnector1">
-                  <a:avLst/>
-                </a:prstGeom>
-                <a:ln>
-                  <a:tailEnd type="triangle"/>
-                </a:ln>
-              </p:spPr>
-              <p:style>
-                <a:lnRef idx="1">
-                  <a:schemeClr val="accent1"/>
-                </a:lnRef>
-                <a:fillRef idx="0">
-                  <a:schemeClr val="accent1"/>
-                </a:fillRef>
-                <a:effectRef idx="0">
-                  <a:schemeClr val="accent1"/>
-                </a:effectRef>
-                <a:fontRef idx="minor">
-                  <a:schemeClr val="tx1"/>
-                </a:fontRef>
-              </p:style>
-            </p:cxnSp>
-            <p:cxnSp>
-              <p:nvCxnSpPr>
-                <p:cNvPr id="29" name="Conector de Seta Reta 28">
-                  <a:extLst>
-                    <a:ext uri="{FF2B5EF4-FFF2-40B4-BE49-F238E27FC236}">
-                      <a16:creationId xmlns:a16="http://schemas.microsoft.com/office/drawing/2014/main" id="{153ADD4C-F324-48D6-A879-1680D25FF618}"/>
-                    </a:ext>
-                  </a:extLst>
-                </p:cNvPr>
-                <p:cNvCxnSpPr>
-                  <a:cxnSpLocks/>
-                </p:cNvCxnSpPr>
-                <p:nvPr/>
-              </p:nvCxnSpPr>
-              <p:spPr>
-                <a:xfrm>
-                  <a:off x="2937510" y="3300095"/>
-                  <a:ext cx="2423160" cy="0"/>
-                </a:xfrm>
-                <a:prstGeom prst="straightConnector1">
-                  <a:avLst/>
-                </a:prstGeom>
-                <a:ln>
-                  <a:tailEnd type="triangle"/>
-                </a:ln>
-              </p:spPr>
-              <p:style>
-                <a:lnRef idx="1">
-                  <a:schemeClr val="accent1"/>
-                </a:lnRef>
-                <a:fillRef idx="0">
-                  <a:schemeClr val="accent1"/>
-                </a:fillRef>
-                <a:effectRef idx="0">
-                  <a:schemeClr val="accent1"/>
-                </a:effectRef>
-                <a:fontRef idx="minor">
-                  <a:schemeClr val="tx1"/>
-                </a:fontRef>
-              </p:style>
-            </p:cxnSp>
-            <p:cxnSp>
-              <p:nvCxnSpPr>
-                <p:cNvPr id="30" name="Conector de Seta Reta 29">
-                  <a:extLst>
-                    <a:ext uri="{FF2B5EF4-FFF2-40B4-BE49-F238E27FC236}">
-                      <a16:creationId xmlns:a16="http://schemas.microsoft.com/office/drawing/2014/main" id="{30E7D397-FB12-4B3D-B66D-110FE6450DE0}"/>
-                    </a:ext>
-                  </a:extLst>
-                </p:cNvPr>
-                <p:cNvCxnSpPr>
-                  <a:cxnSpLocks/>
-                </p:cNvCxnSpPr>
-                <p:nvPr/>
-              </p:nvCxnSpPr>
-              <p:spPr>
-                <a:xfrm flipH="1">
-                  <a:off x="2937510" y="3502025"/>
-                  <a:ext cx="2423160" cy="1"/>
-                </a:xfrm>
-                <a:prstGeom prst="straightConnector1">
-                  <a:avLst/>
-                </a:prstGeom>
-                <a:ln>
-                  <a:tailEnd type="triangle"/>
-                </a:ln>
-              </p:spPr>
-              <p:style>
-                <a:lnRef idx="1">
-                  <a:schemeClr val="accent1"/>
-                </a:lnRef>
-                <a:fillRef idx="0">
-                  <a:schemeClr val="accent1"/>
-                </a:fillRef>
-                <a:effectRef idx="0">
-                  <a:schemeClr val="accent1"/>
-                </a:effectRef>
-                <a:fontRef idx="minor">
-                  <a:schemeClr val="tx1"/>
-                </a:fontRef>
-              </p:style>
-            </p:cxnSp>
-            <p:sp>
-              <p:nvSpPr>
-                <p:cNvPr id="32" name="CaixaDeTexto 31">
-                  <a:extLst>
-                    <a:ext uri="{FF2B5EF4-FFF2-40B4-BE49-F238E27FC236}">
-                      <a16:creationId xmlns:a16="http://schemas.microsoft.com/office/drawing/2014/main" id="{B27ABEA8-6C61-4B08-94D3-91E1AB6A7ADE}"/>
-                    </a:ext>
-                  </a:extLst>
-                </p:cNvPr>
-                <p:cNvSpPr txBox="1"/>
-                <p:nvPr/>
-              </p:nvSpPr>
-              <p:spPr>
-                <a:xfrm>
-                  <a:off x="2923324" y="2463612"/>
-                  <a:ext cx="1202573" cy="261610"/>
-                </a:xfrm>
-                <a:prstGeom prst="rect">
-                  <a:avLst/>
-                </a:prstGeom>
-                <a:noFill/>
-              </p:spPr>
-              <p:txBody>
-                <a:bodyPr wrap="none" rtlCol="0">
-                  <a:spAutoFit/>
-                </a:bodyPr>
-                <a:lstStyle>
-                  <a:defPPr>
-                    <a:defRPr lang="pt-BR"/>
-                  </a:defPPr>
-                  <a:lvl1pPr>
-                    <a:defRPr>
-                      <a:latin typeface="CMU Serif" panose="02000603000000000000" pitchFamily="50" charset="0"/>
-                      <a:ea typeface="CMU Serif" panose="02000603000000000000" pitchFamily="50" charset="0"/>
-                      <a:cs typeface="CMU Serif" panose="02000603000000000000" pitchFamily="50" charset="0"/>
-                    </a:defRPr>
-                  </a:lvl1pPr>
-                </a:lstStyle>
-                <a:p>
-                  <a:r>
-                    <a:rPr lang="pt-BR" sz="1100" dirty="0"/>
-                    <a:t>Leitura do input</a:t>
-                  </a:r>
-                </a:p>
-              </p:txBody>
-            </p:sp>
-            <p:sp>
-              <p:nvSpPr>
-                <p:cNvPr id="34" name="CaixaDeTexto 33">
-                  <a:extLst>
-                    <a:ext uri="{FF2B5EF4-FFF2-40B4-BE49-F238E27FC236}">
-                      <a16:creationId xmlns:a16="http://schemas.microsoft.com/office/drawing/2014/main" id="{8226B004-146B-43CC-B55E-248167353A3A}"/>
-                    </a:ext>
-                  </a:extLst>
-                </p:cNvPr>
-                <p:cNvSpPr txBox="1"/>
-                <p:nvPr/>
-              </p:nvSpPr>
-              <p:spPr>
-                <a:xfrm>
-                  <a:off x="2947239" y="2680335"/>
-                  <a:ext cx="1172116" cy="261610"/>
-                </a:xfrm>
-                <a:prstGeom prst="rect">
-                  <a:avLst/>
-                </a:prstGeom>
-                <a:noFill/>
-              </p:spPr>
-              <p:txBody>
-                <a:bodyPr wrap="none" rtlCol="0">
-                  <a:spAutoFit/>
-                </a:bodyPr>
-                <a:lstStyle>
-                  <a:defPPr>
-                    <a:defRPr lang="pt-BR"/>
-                  </a:defPPr>
-                  <a:lvl1pPr>
-                    <a:defRPr sz="1100">
-                      <a:latin typeface="CMU Serif" panose="02000603000000000000" pitchFamily="50" charset="0"/>
-                      <a:ea typeface="CMU Serif" panose="02000603000000000000" pitchFamily="50" charset="0"/>
-                      <a:cs typeface="CMU Serif" panose="02000603000000000000" pitchFamily="50" charset="0"/>
-                    </a:defRPr>
-                  </a:lvl1pPr>
-                </a:lstStyle>
-                <a:p>
-                  <a:r>
-                    <a:rPr lang="pt-BR" dirty="0"/>
-                    <a:t>Retorna o input</a:t>
-                  </a:r>
-                </a:p>
-              </p:txBody>
-            </p:sp>
-            <p:sp>
-              <p:nvSpPr>
-                <p:cNvPr id="35" name="CaixaDeTexto 34">
-                  <a:extLst>
-                    <a:ext uri="{FF2B5EF4-FFF2-40B4-BE49-F238E27FC236}">
-                      <a16:creationId xmlns:a16="http://schemas.microsoft.com/office/drawing/2014/main" id="{D503994E-30CD-4A50-88E9-2F88E762E8A7}"/>
-                    </a:ext>
-                  </a:extLst>
-                </p:cNvPr>
-                <p:cNvSpPr txBox="1"/>
-                <p:nvPr/>
-              </p:nvSpPr>
-              <p:spPr>
-                <a:xfrm>
-                  <a:off x="2883860" y="3068861"/>
-                  <a:ext cx="2534668" cy="261610"/>
-                </a:xfrm>
-                <a:prstGeom prst="rect">
-                  <a:avLst/>
-                </a:prstGeom>
-                <a:noFill/>
-              </p:spPr>
-              <p:txBody>
-                <a:bodyPr wrap="none" rtlCol="0">
-                  <a:spAutoFit/>
-                </a:bodyPr>
-                <a:lstStyle>
-                  <a:defPPr>
-                    <a:defRPr lang="pt-BR"/>
-                  </a:defPPr>
-                  <a:lvl1pPr>
-                    <a:defRPr sz="1100">
-                      <a:latin typeface="CMU Serif" panose="02000603000000000000" pitchFamily="50" charset="0"/>
-                      <a:ea typeface="CMU Serif" panose="02000603000000000000" pitchFamily="50" charset="0"/>
-                      <a:cs typeface="CMU Serif" panose="02000603000000000000" pitchFamily="50" charset="0"/>
-                    </a:defRPr>
-                  </a:lvl1pPr>
-                </a:lstStyle>
-                <a:p>
-                  <a:r>
-                    <a:rPr lang="pt-BR" dirty="0"/>
-                    <a:t>Parâmetros para construção da malha</a:t>
-                  </a:r>
-                </a:p>
-              </p:txBody>
-            </p:sp>
-            <p:sp>
-              <p:nvSpPr>
-                <p:cNvPr id="36" name="CaixaDeTexto 35">
-                  <a:extLst>
-                    <a:ext uri="{FF2B5EF4-FFF2-40B4-BE49-F238E27FC236}">
-                      <a16:creationId xmlns:a16="http://schemas.microsoft.com/office/drawing/2014/main" id="{8F2F745D-DA1C-4102-9429-23250E3D5D4A}"/>
-                    </a:ext>
-                  </a:extLst>
-                </p:cNvPr>
-                <p:cNvSpPr txBox="1"/>
-                <p:nvPr/>
-              </p:nvSpPr>
-              <p:spPr>
-                <a:xfrm>
-                  <a:off x="3315861" y="3292470"/>
-                  <a:ext cx="1693092" cy="261610"/>
-                </a:xfrm>
-                <a:prstGeom prst="rect">
-                  <a:avLst/>
-                </a:prstGeom>
-                <a:noFill/>
-              </p:spPr>
-              <p:txBody>
-                <a:bodyPr wrap="none" rtlCol="0">
-                  <a:spAutoFit/>
-                </a:bodyPr>
-                <a:lstStyle>
-                  <a:defPPr>
-                    <a:defRPr lang="pt-BR"/>
-                  </a:defPPr>
-                  <a:lvl1pPr>
-                    <a:defRPr sz="1100">
-                      <a:latin typeface="CMU Serif" panose="02000603000000000000" pitchFamily="50" charset="0"/>
-                      <a:ea typeface="CMU Serif" panose="02000603000000000000" pitchFamily="50" charset="0"/>
-                      <a:cs typeface="CMU Serif" panose="02000603000000000000" pitchFamily="50" charset="0"/>
-                    </a:defRPr>
-                  </a:lvl1pPr>
-                </a:lstStyle>
-                <a:p>
-                  <a:r>
-                    <a:rPr lang="pt-BR" dirty="0"/>
-                    <a:t>Malha salva no diretório</a:t>
-                  </a:r>
-                </a:p>
-              </p:txBody>
-            </p:sp>
-            <p:sp>
-              <p:nvSpPr>
-                <p:cNvPr id="41" name="CaixaDeTexto 40">
-                  <a:extLst>
-                    <a:ext uri="{FF2B5EF4-FFF2-40B4-BE49-F238E27FC236}">
-                      <a16:creationId xmlns:a16="http://schemas.microsoft.com/office/drawing/2014/main" id="{FC9748E5-65FE-4411-9FD1-366AAD37338B}"/>
-                    </a:ext>
-                  </a:extLst>
-                </p:cNvPr>
-                <p:cNvSpPr txBox="1"/>
-                <p:nvPr/>
-              </p:nvSpPr>
-              <p:spPr>
-                <a:xfrm>
-                  <a:off x="3534979" y="4262252"/>
-                  <a:ext cx="2383986" cy="261610"/>
-                </a:xfrm>
-                <a:prstGeom prst="rect">
-                  <a:avLst/>
-                </a:prstGeom>
-                <a:noFill/>
-              </p:spPr>
-              <p:txBody>
-                <a:bodyPr wrap="none" rtlCol="0">
-                  <a:spAutoFit/>
-                </a:bodyPr>
-                <a:lstStyle>
-                  <a:defPPr>
-                    <a:defRPr lang="pt-BR"/>
-                  </a:defPPr>
-                  <a:lvl1pPr>
-                    <a:defRPr sz="1100">
-                      <a:latin typeface="CMU Serif" panose="02000603000000000000" pitchFamily="50" charset="0"/>
-                      <a:ea typeface="CMU Serif" panose="02000603000000000000" pitchFamily="50" charset="0"/>
-                      <a:cs typeface="CMU Serif" panose="02000603000000000000" pitchFamily="50" charset="0"/>
-                    </a:defRPr>
-                  </a:lvl1pPr>
-                </a:lstStyle>
-                <a:p>
-                  <a:r>
-                    <a:rPr lang="pt-BR" dirty="0"/>
-                    <a:t>Parâmetros para realizar o Assembling</a:t>
-                  </a:r>
-                </a:p>
-              </p:txBody>
-            </p:sp>
-            <p:sp>
-              <p:nvSpPr>
-                <p:cNvPr id="42" name="CaixaDeTexto 41">
-                  <a:extLst>
-                    <a:ext uri="{FF2B5EF4-FFF2-40B4-BE49-F238E27FC236}">
-                      <a16:creationId xmlns:a16="http://schemas.microsoft.com/office/drawing/2014/main" id="{11EAC28A-77B5-4001-B724-B9907BA90344}"/>
-                    </a:ext>
-                  </a:extLst>
-                </p:cNvPr>
-                <p:cNvSpPr txBox="1"/>
-                <p:nvPr/>
-              </p:nvSpPr>
-              <p:spPr>
-                <a:xfrm>
-                  <a:off x="3466892" y="4484270"/>
-                  <a:ext cx="2513830" cy="261610"/>
-                </a:xfrm>
-                <a:prstGeom prst="rect">
-                  <a:avLst/>
-                </a:prstGeom>
-                <a:noFill/>
-              </p:spPr>
-              <p:txBody>
-                <a:bodyPr wrap="none" rtlCol="0">
-                  <a:spAutoFit/>
-                </a:bodyPr>
-                <a:lstStyle>
-                  <a:defPPr>
-                    <a:defRPr lang="pt-BR"/>
-                  </a:defPPr>
-                  <a:lvl1pPr>
-                    <a:defRPr sz="1100">
-                      <a:latin typeface="CMU Serif" panose="02000603000000000000" pitchFamily="50" charset="0"/>
-                      <a:ea typeface="CMU Serif" panose="02000603000000000000" pitchFamily="50" charset="0"/>
-                      <a:cs typeface="CMU Serif" panose="02000603000000000000" pitchFamily="50" charset="0"/>
-                    </a:defRPr>
-                  </a:lvl1pPr>
-                </a:lstStyle>
-                <a:p>
-                  <a:r>
-                    <a:rPr lang="pt-BR" dirty="0"/>
-                    <a:t>Retorna as matrizes globais do problema</a:t>
-                  </a:r>
-                </a:p>
-              </p:txBody>
-            </p:sp>
-            <p:cxnSp>
-              <p:nvCxnSpPr>
-                <p:cNvPr id="46" name="Conector de Seta Reta 45">
-                  <a:extLst>
-                    <a:ext uri="{FF2B5EF4-FFF2-40B4-BE49-F238E27FC236}">
-                      <a16:creationId xmlns:a16="http://schemas.microsoft.com/office/drawing/2014/main" id="{45CD6624-42FA-43D1-86D4-13340837CACE}"/>
-                    </a:ext>
-                  </a:extLst>
-                </p:cNvPr>
-                <p:cNvCxnSpPr>
-                  <a:cxnSpLocks/>
-                </p:cNvCxnSpPr>
-                <p:nvPr/>
-              </p:nvCxnSpPr>
-              <p:spPr>
-                <a:xfrm>
-                  <a:off x="2946184" y="4505119"/>
-                  <a:ext cx="3695173" cy="0"/>
-                </a:xfrm>
-                <a:prstGeom prst="straightConnector1">
-                  <a:avLst/>
-                </a:prstGeom>
-                <a:ln>
-                  <a:tailEnd type="triangle"/>
-                </a:ln>
-              </p:spPr>
-              <p:style>
-                <a:lnRef idx="1">
-                  <a:schemeClr val="accent1"/>
-                </a:lnRef>
-                <a:fillRef idx="0">
-                  <a:schemeClr val="accent1"/>
-                </a:fillRef>
-                <a:effectRef idx="0">
-                  <a:schemeClr val="accent1"/>
-                </a:effectRef>
-                <a:fontRef idx="minor">
-                  <a:schemeClr val="tx1"/>
-                </a:fontRef>
-              </p:style>
-            </p:cxnSp>
-            <p:cxnSp>
-              <p:nvCxnSpPr>
-                <p:cNvPr id="47" name="Conector de Seta Reta 46">
-                  <a:extLst>
-                    <a:ext uri="{FF2B5EF4-FFF2-40B4-BE49-F238E27FC236}">
-                      <a16:creationId xmlns:a16="http://schemas.microsoft.com/office/drawing/2014/main" id="{FFBFA2E0-A434-4449-8A96-71812B04370F}"/>
-                    </a:ext>
-                  </a:extLst>
-                </p:cNvPr>
-                <p:cNvCxnSpPr>
-                  <a:cxnSpLocks/>
-                </p:cNvCxnSpPr>
-                <p:nvPr/>
-              </p:nvCxnSpPr>
-              <p:spPr>
-                <a:xfrm flipH="1">
-                  <a:off x="2938038" y="4707045"/>
-                  <a:ext cx="3695172" cy="0"/>
-                </a:xfrm>
-                <a:prstGeom prst="straightConnector1">
-                  <a:avLst/>
-                </a:prstGeom>
-                <a:ln>
-                  <a:tailEnd type="triangle"/>
-                </a:ln>
-              </p:spPr>
-              <p:style>
-                <a:lnRef idx="1">
-                  <a:schemeClr val="accent1"/>
-                </a:lnRef>
-                <a:fillRef idx="0">
-                  <a:schemeClr val="accent1"/>
-                </a:fillRef>
-                <a:effectRef idx="0">
-                  <a:schemeClr val="accent1"/>
-                </a:effectRef>
-                <a:fontRef idx="minor">
-                  <a:schemeClr val="tx1"/>
-                </a:fontRef>
-              </p:style>
-            </p:cxnSp>
-            <p:cxnSp>
-              <p:nvCxnSpPr>
-                <p:cNvPr id="54" name="Conector de Seta Reta 53">
-                  <a:extLst>
-                    <a:ext uri="{FF2B5EF4-FFF2-40B4-BE49-F238E27FC236}">
-                      <a16:creationId xmlns:a16="http://schemas.microsoft.com/office/drawing/2014/main" id="{C720C7CA-BE61-49AF-8F04-4BA4B0ECD44D}"/>
-                    </a:ext>
-                  </a:extLst>
-                </p:cNvPr>
-                <p:cNvCxnSpPr>
-                  <a:cxnSpLocks/>
-                </p:cNvCxnSpPr>
-                <p:nvPr/>
-              </p:nvCxnSpPr>
-              <p:spPr>
-                <a:xfrm>
-                  <a:off x="2946184" y="3885994"/>
-                  <a:ext cx="2430779" cy="0"/>
-                </a:xfrm>
-                <a:prstGeom prst="straightConnector1">
-                  <a:avLst/>
-                </a:prstGeom>
-                <a:ln>
-                  <a:tailEnd type="triangle"/>
-                </a:ln>
-              </p:spPr>
-              <p:style>
-                <a:lnRef idx="1">
-                  <a:schemeClr val="accent1"/>
-                </a:lnRef>
-                <a:fillRef idx="0">
-                  <a:schemeClr val="accent1"/>
-                </a:fillRef>
-                <a:effectRef idx="0">
-                  <a:schemeClr val="accent1"/>
-                </a:effectRef>
-                <a:fontRef idx="minor">
-                  <a:schemeClr val="tx1"/>
-                </a:fontRef>
-              </p:style>
-            </p:cxnSp>
-            <p:sp>
-              <p:nvSpPr>
-                <p:cNvPr id="56" name="CaixaDeTexto 55">
-                  <a:extLst>
-                    <a:ext uri="{FF2B5EF4-FFF2-40B4-BE49-F238E27FC236}">
-                      <a16:creationId xmlns:a16="http://schemas.microsoft.com/office/drawing/2014/main" id="{33B794E2-28FD-4805-922B-C4B7EF30D9F5}"/>
-                    </a:ext>
-                  </a:extLst>
-                </p:cNvPr>
-                <p:cNvSpPr txBox="1"/>
-                <p:nvPr/>
-              </p:nvSpPr>
-              <p:spPr>
-                <a:xfrm>
-                  <a:off x="3392834" y="3663144"/>
-                  <a:ext cx="1508746" cy="261610"/>
-                </a:xfrm>
-                <a:prstGeom prst="rect">
-                  <a:avLst/>
-                </a:prstGeom>
-                <a:noFill/>
-              </p:spPr>
-              <p:txBody>
-                <a:bodyPr wrap="none" rtlCol="0">
-                  <a:spAutoFit/>
-                </a:bodyPr>
-                <a:lstStyle>
-                  <a:defPPr>
-                    <a:defRPr lang="pt-BR"/>
-                  </a:defPPr>
-                  <a:lvl1pPr>
-                    <a:defRPr sz="1100">
-                      <a:latin typeface="CMU Serif" panose="02000603000000000000" pitchFamily="50" charset="0"/>
-                      <a:ea typeface="CMU Serif" panose="02000603000000000000" pitchFamily="50" charset="0"/>
-                      <a:cs typeface="CMU Serif" panose="02000603000000000000" pitchFamily="50" charset="0"/>
-                    </a:defRPr>
-                  </a:lvl1pPr>
-                </a:lstStyle>
-                <a:p>
-                  <a:r>
-                    <a:rPr lang="pt-BR" dirty="0"/>
-                    <a:t>Parâmetros da malha</a:t>
-                  </a:r>
-                </a:p>
-              </p:txBody>
-            </p:sp>
-            <p:cxnSp>
-              <p:nvCxnSpPr>
-                <p:cNvPr id="57" name="Conector de Seta Reta 56">
-                  <a:extLst>
-                    <a:ext uri="{FF2B5EF4-FFF2-40B4-BE49-F238E27FC236}">
-                      <a16:creationId xmlns:a16="http://schemas.microsoft.com/office/drawing/2014/main" id="{A32E98A2-0AE1-4E96-BA87-32F9301461C6}"/>
-                    </a:ext>
-                  </a:extLst>
-                </p:cNvPr>
-                <p:cNvCxnSpPr>
-                  <a:cxnSpLocks/>
-                </p:cNvCxnSpPr>
-                <p:nvPr/>
-              </p:nvCxnSpPr>
-              <p:spPr>
-                <a:xfrm flipH="1">
-                  <a:off x="2935498" y="4082413"/>
-                  <a:ext cx="2423160" cy="1"/>
-                </a:xfrm>
-                <a:prstGeom prst="straightConnector1">
-                  <a:avLst/>
-                </a:prstGeom>
-                <a:ln>
-                  <a:tailEnd type="triangle"/>
-                </a:ln>
-              </p:spPr>
-              <p:style>
-                <a:lnRef idx="1">
-                  <a:schemeClr val="accent1"/>
-                </a:lnRef>
-                <a:fillRef idx="0">
-                  <a:schemeClr val="accent1"/>
-                </a:fillRef>
-                <a:effectRef idx="0">
-                  <a:schemeClr val="accent1"/>
-                </a:effectRef>
-                <a:fontRef idx="minor">
-                  <a:schemeClr val="tx1"/>
-                </a:fontRef>
-              </p:style>
-            </p:cxnSp>
-            <p:sp>
-              <p:nvSpPr>
-                <p:cNvPr id="58" name="CaixaDeTexto 57">
-                  <a:extLst>
-                    <a:ext uri="{FF2B5EF4-FFF2-40B4-BE49-F238E27FC236}">
-                      <a16:creationId xmlns:a16="http://schemas.microsoft.com/office/drawing/2014/main" id="{A934DEEC-9647-46DB-888E-C88A73872465}"/>
-                    </a:ext>
-                  </a:extLst>
-                </p:cNvPr>
-                <p:cNvSpPr txBox="1"/>
-                <p:nvPr/>
-              </p:nvSpPr>
-              <p:spPr>
-                <a:xfrm>
-                  <a:off x="3020211" y="3865252"/>
-                  <a:ext cx="2255746" cy="261610"/>
-                </a:xfrm>
-                <a:prstGeom prst="rect">
-                  <a:avLst/>
-                </a:prstGeom>
-                <a:noFill/>
-              </p:spPr>
-              <p:txBody>
-                <a:bodyPr wrap="none" rtlCol="0">
-                  <a:spAutoFit/>
-                </a:bodyPr>
-                <a:lstStyle>
-                  <a:defPPr>
-                    <a:defRPr lang="pt-BR"/>
-                  </a:defPPr>
-                  <a:lvl1pPr>
-                    <a:defRPr sz="1100">
-                      <a:latin typeface="CMU Serif" panose="02000603000000000000" pitchFamily="50" charset="0"/>
-                      <a:ea typeface="CMU Serif" panose="02000603000000000000" pitchFamily="50" charset="0"/>
-                      <a:cs typeface="CMU Serif" panose="02000603000000000000" pitchFamily="50" charset="0"/>
-                    </a:defRPr>
-                  </a:lvl1pPr>
-                </a:lstStyle>
-                <a:p>
-                  <a:r>
-                    <a:rPr lang="pt-BR" dirty="0"/>
-                    <a:t>Matrizes de posição e conectividade</a:t>
-                  </a:r>
-                </a:p>
-              </p:txBody>
-            </p:sp>
-            <p:cxnSp>
-              <p:nvCxnSpPr>
-                <p:cNvPr id="65" name="Conector de Seta Reta 64">
-                  <a:extLst>
-                    <a:ext uri="{FF2B5EF4-FFF2-40B4-BE49-F238E27FC236}">
-                      <a16:creationId xmlns:a16="http://schemas.microsoft.com/office/drawing/2014/main" id="{F073B55E-8E01-422A-924E-953AC8309593}"/>
-                    </a:ext>
-                  </a:extLst>
-                </p:cNvPr>
-                <p:cNvCxnSpPr>
-                  <a:cxnSpLocks/>
-                  <a:stCxn id="4" idx="2"/>
-                </p:cNvCxnSpPr>
-                <p:nvPr/>
-              </p:nvCxnSpPr>
-              <p:spPr>
-                <a:xfrm>
-                  <a:off x="2857625" y="4791066"/>
-                  <a:ext cx="0" cy="266709"/>
-                </a:xfrm>
-                <a:prstGeom prst="straightConnector1">
-                  <a:avLst/>
-                </a:prstGeom>
-                <a:ln>
-                  <a:tailEnd type="triangle"/>
-                </a:ln>
-              </p:spPr>
-              <p:style>
-                <a:lnRef idx="1">
-                  <a:schemeClr val="accent1"/>
-                </a:lnRef>
-                <a:fillRef idx="0">
-                  <a:schemeClr val="accent1"/>
-                </a:fillRef>
-                <a:effectRef idx="0">
-                  <a:schemeClr val="accent1"/>
-                </a:effectRef>
-                <a:fontRef idx="minor">
-                  <a:schemeClr val="tx1"/>
-                </a:fontRef>
-              </p:style>
-            </p:cxnSp>
-            <p:sp>
-              <p:nvSpPr>
-                <p:cNvPr id="66" name="CaixaDeTexto 65">
-                  <a:extLst>
-                    <a:ext uri="{FF2B5EF4-FFF2-40B4-BE49-F238E27FC236}">
-                      <a16:creationId xmlns:a16="http://schemas.microsoft.com/office/drawing/2014/main" id="{6675756D-FFD9-4DD5-AA7A-5AFCD9666D99}"/>
-                    </a:ext>
-                  </a:extLst>
-                </p:cNvPr>
-                <p:cNvSpPr txBox="1"/>
-                <p:nvPr/>
-              </p:nvSpPr>
-              <p:spPr>
-                <a:xfrm>
-                  <a:off x="2523044" y="5075769"/>
-                  <a:ext cx="1739579" cy="261610"/>
-                </a:xfrm>
-                <a:prstGeom prst="rect">
-                  <a:avLst/>
-                </a:prstGeom>
-                <a:solidFill>
-                  <a:schemeClr val="accent1">
-                    <a:lumMod val="40000"/>
-                    <a:lumOff val="60000"/>
-                  </a:schemeClr>
-                </a:solidFill>
-                <a:ln>
-                  <a:solidFill>
-                    <a:srgbClr val="FF0000"/>
-                  </a:solidFill>
-                </a:ln>
-              </p:spPr>
-              <p:txBody>
-                <a:bodyPr wrap="none" rtlCol="0">
-                  <a:spAutoFit/>
-                </a:bodyPr>
-                <a:lstStyle/>
-                <a:p>
-                  <a:r>
-                    <a:rPr lang="pt-BR" sz="1100" dirty="0">
-                      <a:latin typeface="CMU Serif" panose="02000603000000000000" pitchFamily="50" charset="0"/>
-                      <a:ea typeface="CMU Serif" panose="02000603000000000000" pitchFamily="50" charset="0"/>
-                      <a:cs typeface="CMU Serif" panose="02000603000000000000" pitchFamily="50" charset="0"/>
-                    </a:rPr>
-                    <a:t>Resultados finais em .vtk</a:t>
-                  </a:r>
-                </a:p>
-              </p:txBody>
-            </p:sp>
-            <p:cxnSp>
-              <p:nvCxnSpPr>
-                <p:cNvPr id="68" name="Conector reto 67">
-                  <a:extLst>
-                    <a:ext uri="{FF2B5EF4-FFF2-40B4-BE49-F238E27FC236}">
-                      <a16:creationId xmlns:a16="http://schemas.microsoft.com/office/drawing/2014/main" id="{983F6572-0297-4F70-B0E4-2740F46B57CF}"/>
-                    </a:ext>
-                  </a:extLst>
-                </p:cNvPr>
-                <p:cNvCxnSpPr>
-                  <a:cxnSpLocks/>
-                </p:cNvCxnSpPr>
-                <p:nvPr/>
-              </p:nvCxnSpPr>
-              <p:spPr>
-                <a:xfrm>
-                  <a:off x="8042910" y="2322195"/>
-                  <a:ext cx="0" cy="297180"/>
-                </a:xfrm>
-                <a:prstGeom prst="line">
-                  <a:avLst/>
-                </a:prstGeom>
-                <a:ln>
-                  <a:prstDash val="lgDash"/>
-                </a:ln>
-              </p:spPr>
-              <p:style>
-                <a:lnRef idx="1">
-                  <a:schemeClr val="accent1"/>
-                </a:lnRef>
-                <a:fillRef idx="0">
-                  <a:schemeClr val="accent1"/>
-                </a:fillRef>
-                <a:effectRef idx="0">
-                  <a:schemeClr val="accent1"/>
-                </a:effectRef>
-                <a:fontRef idx="minor">
-                  <a:schemeClr val="tx1"/>
-                </a:fontRef>
-              </p:style>
-            </p:cxnSp>
-            <p:sp>
-              <p:nvSpPr>
-                <p:cNvPr id="70" name="Retângulo 69">
-                  <a:extLst>
-                    <a:ext uri="{FF2B5EF4-FFF2-40B4-BE49-F238E27FC236}">
-                      <a16:creationId xmlns:a16="http://schemas.microsoft.com/office/drawing/2014/main" id="{013C808B-ED4E-4614-9D84-E688236B5837}"/>
-                    </a:ext>
-                  </a:extLst>
-                </p:cNvPr>
-                <p:cNvSpPr/>
-                <p:nvPr/>
-              </p:nvSpPr>
-              <p:spPr>
-                <a:xfrm>
-                  <a:off x="7981948" y="2604135"/>
-                  <a:ext cx="135443" cy="2186930"/>
-                </a:xfrm>
-                <a:prstGeom prst="rect">
-                  <a:avLst/>
-                </a:prstGeom>
-                <a:solidFill>
-                  <a:schemeClr val="accent1">
-                    <a:lumMod val="40000"/>
-                    <a:lumOff val="60000"/>
-                  </a:schemeClr>
-                </a:solidFill>
-              </p:spPr>
-              <p:style>
-                <a:lnRef idx="2">
-                  <a:schemeClr val="accent1">
-                    <a:shade val="50000"/>
-                  </a:schemeClr>
-                </a:lnRef>
-                <a:fillRef idx="1">
-                  <a:schemeClr val="accent1"/>
-                </a:fillRef>
-                <a:effectRef idx="0">
-                  <a:schemeClr val="accent1"/>
-                </a:effectRef>
-                <a:fontRef idx="minor">
-                  <a:schemeClr val="lt1"/>
-                </a:fontRef>
-              </p:style>
-              <p:txBody>
-                <a:bodyPr rtlCol="0" anchor="ctr"/>
-                <a:lstStyle/>
-                <a:p>
-                  <a:pPr algn="ctr"/>
-                  <a:endParaRPr lang="pt-BR"/>
-                </a:p>
-              </p:txBody>
-            </p:sp>
-            <p:cxnSp>
-              <p:nvCxnSpPr>
-                <p:cNvPr id="72" name="Conector de Seta Reta 71">
-                  <a:extLst>
-                    <a:ext uri="{FF2B5EF4-FFF2-40B4-BE49-F238E27FC236}">
-                      <a16:creationId xmlns:a16="http://schemas.microsoft.com/office/drawing/2014/main" id="{D2933CFC-1C75-4F33-9E93-B4F10B5363EC}"/>
-                    </a:ext>
-                  </a:extLst>
-                </p:cNvPr>
-                <p:cNvCxnSpPr>
-                  <a:cxnSpLocks/>
-                </p:cNvCxnSpPr>
-                <p:nvPr/>
-              </p:nvCxnSpPr>
-              <p:spPr>
-                <a:xfrm>
-                  <a:off x="6799129" y="4505119"/>
-                  <a:ext cx="1182819" cy="0"/>
-                </a:xfrm>
-                <a:prstGeom prst="straightConnector1">
-                  <a:avLst/>
-                </a:prstGeom>
-                <a:ln>
-                  <a:tailEnd type="triangle"/>
-                </a:ln>
-              </p:spPr>
-              <p:style>
-                <a:lnRef idx="1">
-                  <a:schemeClr val="accent1"/>
-                </a:lnRef>
-                <a:fillRef idx="0">
-                  <a:schemeClr val="accent1"/>
-                </a:fillRef>
-                <a:effectRef idx="0">
-                  <a:schemeClr val="accent1"/>
-                </a:effectRef>
-                <a:fontRef idx="minor">
-                  <a:schemeClr val="tx1"/>
-                </a:fontRef>
-              </p:style>
-            </p:cxnSp>
-            <p:sp>
-              <p:nvSpPr>
-                <p:cNvPr id="80" name="CaixaDeTexto 79">
-                  <a:extLst>
-                    <a:ext uri="{FF2B5EF4-FFF2-40B4-BE49-F238E27FC236}">
-                      <a16:creationId xmlns:a16="http://schemas.microsoft.com/office/drawing/2014/main" id="{A28C56DA-AAFF-415C-94AD-B443F76DBCFF}"/>
-                    </a:ext>
-                  </a:extLst>
-                </p:cNvPr>
-                <p:cNvSpPr txBox="1"/>
-                <p:nvPr/>
-              </p:nvSpPr>
-              <p:spPr>
-                <a:xfrm>
-                  <a:off x="6713369" y="4268881"/>
-                  <a:ext cx="1345240" cy="261610"/>
-                </a:xfrm>
-                <a:prstGeom prst="rect">
-                  <a:avLst/>
-                </a:prstGeom>
-                <a:noFill/>
-              </p:spPr>
-              <p:txBody>
-                <a:bodyPr wrap="none" rtlCol="0">
-                  <a:spAutoFit/>
-                </a:bodyPr>
-                <a:lstStyle/>
-                <a:p>
-                  <a:r>
-                    <a:rPr lang="pt-BR" sz="1000" dirty="0"/>
-                    <a:t>Vértices do </a:t>
-                  </a:r>
-                  <a:r>
-                    <a:rPr lang="pt-BR" sz="1100" dirty="0">
-                      <a:latin typeface="CMU Serif" panose="02000603000000000000" pitchFamily="50" charset="0"/>
-                      <a:ea typeface="CMU Serif" panose="02000603000000000000" pitchFamily="50" charset="0"/>
-                      <a:cs typeface="CMU Serif" panose="02000603000000000000" pitchFamily="50" charset="0"/>
-                    </a:rPr>
-                    <a:t>elemento</a:t>
-                  </a:r>
-                </a:p>
-              </p:txBody>
-            </p:sp>
-          </p:grpSp>
-        </p:grpSp>
+            <a:prstGeom prst="rect">
+              <a:avLst/>
+            </a:prstGeom>
+            <a:noFill/>
+          </p:spPr>
+          <p:txBody>
+            <a:bodyPr wrap="none" rtlCol="0">
+              <a:spAutoFit/>
+            </a:bodyPr>
+            <a:lstStyle>
+              <a:defPPr>
+                <a:defRPr lang="pt-BR"/>
+              </a:defPPr>
+              <a:lvl1pPr>
+                <a:defRPr>
+                  <a:latin typeface="CMU Serif" panose="02000603000000000000" pitchFamily="50" charset="0"/>
+                  <a:ea typeface="CMU Serif" panose="02000603000000000000" pitchFamily="50" charset="0"/>
+                  <a:cs typeface="CMU Serif" panose="02000603000000000000" pitchFamily="50" charset="0"/>
+                </a:defRPr>
+              </a:lvl1pPr>
+            </a:lstStyle>
+            <a:p>
+              <a:pPr algn="ctr"/>
+              <a:r>
+                <a:rPr lang="pt-BR" dirty="0"/>
+                <a:t>disco</a:t>
+              </a:r>
+            </a:p>
+            <a:p>
+              <a:pPr algn="ctr"/>
+              <a:r>
+                <a:rPr lang="pt-BR" dirty="0"/>
+                <a:t>.py</a:t>
+              </a:r>
+            </a:p>
+          </p:txBody>
+        </p:sp>
+        <p:sp>
+          <p:nvSpPr>
+            <p:cNvPr id="63" name="Retângulo 62">
+              <a:extLst>
+                <a:ext uri="{FF2B5EF4-FFF2-40B4-BE49-F238E27FC236}">
+                  <a16:creationId xmlns:a16="http://schemas.microsoft.com/office/drawing/2014/main" id="{ED28C4B3-0095-4B5C-B6EB-EFA7F19FF9A0}"/>
+                </a:ext>
+              </a:extLst>
+            </p:cNvPr>
+            <p:cNvSpPr/>
+            <p:nvPr/>
+          </p:nvSpPr>
+          <p:spPr>
+            <a:xfrm>
+              <a:off x="4712070" y="1013023"/>
+              <a:ext cx="1215186" cy="1090677"/>
+            </a:xfrm>
+            <a:prstGeom prst="rect">
+              <a:avLst/>
+            </a:prstGeom>
+            <a:solidFill>
+              <a:schemeClr val="accent1">
+                <a:lumMod val="40000"/>
+                <a:lumOff val="60000"/>
+              </a:schemeClr>
+            </a:solidFill>
+            <a:ln>
+              <a:solidFill>
+                <a:srgbClr val="FF0000"/>
+              </a:solidFill>
+            </a:ln>
+          </p:spPr>
+          <p:style>
+            <a:lnRef idx="2">
+              <a:schemeClr val="accent1">
+                <a:shade val="50000"/>
+              </a:schemeClr>
+            </a:lnRef>
+            <a:fillRef idx="1">
+              <a:schemeClr val="accent1"/>
+            </a:fillRef>
+            <a:effectRef idx="0">
+              <a:schemeClr val="accent1"/>
+            </a:effectRef>
+            <a:fontRef idx="minor">
+              <a:schemeClr val="lt1"/>
+            </a:fontRef>
+          </p:style>
+          <p:txBody>
+            <a:bodyPr rtlCol="0" anchor="ctr"/>
+            <a:lstStyle/>
+            <a:p>
+              <a:pPr algn="ctr"/>
+              <a:endParaRPr lang="pt-BR" dirty="0"/>
+            </a:p>
+          </p:txBody>
+        </p:sp>
+        <p:sp>
+          <p:nvSpPr>
+            <p:cNvPr id="50" name="CaixaDeTexto 49">
+              <a:extLst>
+                <a:ext uri="{FF2B5EF4-FFF2-40B4-BE49-F238E27FC236}">
+                  <a16:creationId xmlns:a16="http://schemas.microsoft.com/office/drawing/2014/main" id="{B71BDD32-486E-48B8-A3A4-881EEA406C1A}"/>
+                </a:ext>
+              </a:extLst>
+            </p:cNvPr>
+            <p:cNvSpPr txBox="1"/>
+            <p:nvPr/>
+          </p:nvSpPr>
+          <p:spPr>
+            <a:xfrm>
+              <a:off x="4913008" y="1218060"/>
+              <a:ext cx="723275" cy="646331"/>
+            </a:xfrm>
+            <a:prstGeom prst="rect">
+              <a:avLst/>
+            </a:prstGeom>
+            <a:noFill/>
+          </p:spPr>
+          <p:txBody>
+            <a:bodyPr wrap="none" rtlCol="0">
+              <a:spAutoFit/>
+            </a:bodyPr>
+            <a:lstStyle>
+              <a:defPPr>
+                <a:defRPr lang="pt-BR"/>
+              </a:defPPr>
+              <a:lvl1pPr>
+                <a:defRPr>
+                  <a:latin typeface="CMU Serif" panose="02000603000000000000" pitchFamily="50" charset="0"/>
+                  <a:ea typeface="CMU Serif" panose="02000603000000000000" pitchFamily="50" charset="0"/>
+                  <a:cs typeface="CMU Serif" panose="02000603000000000000" pitchFamily="50" charset="0"/>
+                </a:defRPr>
+              </a:lvl1pPr>
+            </a:lstStyle>
+            <a:p>
+              <a:pPr algn="ctr"/>
+              <a:r>
+                <a:rPr lang="pt-BR" dirty="0"/>
+                <a:t>input</a:t>
+              </a:r>
+            </a:p>
+            <a:p>
+              <a:pPr algn="ctr"/>
+              <a:r>
+                <a:rPr lang="pt-BR" dirty="0"/>
+                <a:t>.py</a:t>
+              </a:r>
+            </a:p>
+          </p:txBody>
+        </p:sp>
+        <p:sp>
+          <p:nvSpPr>
+            <p:cNvPr id="55" name="Retângulo 54">
+              <a:extLst>
+                <a:ext uri="{FF2B5EF4-FFF2-40B4-BE49-F238E27FC236}">
+                  <a16:creationId xmlns:a16="http://schemas.microsoft.com/office/drawing/2014/main" id="{3309273E-1017-40BC-ACF8-7B8947D5EF32}"/>
+                </a:ext>
+              </a:extLst>
+            </p:cNvPr>
+            <p:cNvSpPr/>
+            <p:nvPr/>
+          </p:nvSpPr>
+          <p:spPr>
+            <a:xfrm>
+              <a:off x="6371937" y="1012976"/>
+              <a:ext cx="1215186" cy="1090677"/>
+            </a:xfrm>
+            <a:prstGeom prst="rect">
+              <a:avLst/>
+            </a:prstGeom>
+            <a:solidFill>
+              <a:schemeClr val="accent1">
+                <a:lumMod val="40000"/>
+                <a:lumOff val="60000"/>
+              </a:schemeClr>
+            </a:solidFill>
+            <a:ln>
+              <a:solidFill>
+                <a:srgbClr val="FF0000"/>
+              </a:solidFill>
+            </a:ln>
+          </p:spPr>
+          <p:style>
+            <a:lnRef idx="2">
+              <a:schemeClr val="accent1">
+                <a:shade val="50000"/>
+              </a:schemeClr>
+            </a:lnRef>
+            <a:fillRef idx="1">
+              <a:schemeClr val="accent1"/>
+            </a:fillRef>
+            <a:effectRef idx="0">
+              <a:schemeClr val="accent1"/>
+            </a:effectRef>
+            <a:fontRef idx="minor">
+              <a:schemeClr val="lt1"/>
+            </a:fontRef>
+          </p:style>
+          <p:txBody>
+            <a:bodyPr rtlCol="0" anchor="ctr"/>
+            <a:lstStyle/>
+            <a:p>
+              <a:pPr algn="ctr"/>
+              <a:endParaRPr lang="pt-BR"/>
+            </a:p>
+          </p:txBody>
+        </p:sp>
+        <p:sp>
+          <p:nvSpPr>
+            <p:cNvPr id="60" name="CaixaDeTexto 59">
+              <a:extLst>
+                <a:ext uri="{FF2B5EF4-FFF2-40B4-BE49-F238E27FC236}">
+                  <a16:creationId xmlns:a16="http://schemas.microsoft.com/office/drawing/2014/main" id="{47A17F75-FCC5-4C71-BCB8-2DAEE818DCE4}"/>
+                </a:ext>
+              </a:extLst>
+            </p:cNvPr>
+            <p:cNvSpPr txBox="1"/>
+            <p:nvPr/>
+          </p:nvSpPr>
+          <p:spPr>
+            <a:xfrm>
+              <a:off x="6570065" y="1219672"/>
+              <a:ext cx="800220" cy="646331"/>
+            </a:xfrm>
+            <a:prstGeom prst="rect">
+              <a:avLst/>
+            </a:prstGeom>
+            <a:noFill/>
+          </p:spPr>
+          <p:txBody>
+            <a:bodyPr wrap="none" rtlCol="0">
+              <a:spAutoFit/>
+            </a:bodyPr>
+            <a:lstStyle>
+              <a:defPPr>
+                <a:defRPr lang="pt-BR"/>
+              </a:defPPr>
+              <a:lvl1pPr>
+                <a:defRPr>
+                  <a:latin typeface="CMU Serif" panose="02000603000000000000" pitchFamily="50" charset="0"/>
+                  <a:ea typeface="CMU Serif" panose="02000603000000000000" pitchFamily="50" charset="0"/>
+                  <a:cs typeface="CMU Serif" panose="02000603000000000000" pitchFamily="50" charset="0"/>
+                </a:defRPr>
+              </a:lvl1pPr>
+            </a:lstStyle>
+            <a:p>
+              <a:pPr algn="ctr"/>
+              <a:r>
+                <a:rPr lang="pt-BR" dirty="0"/>
+                <a:t>malha</a:t>
+              </a:r>
+            </a:p>
+            <a:p>
+              <a:pPr algn="ctr"/>
+              <a:r>
+                <a:rPr lang="pt-BR" dirty="0"/>
+                <a:t>.py</a:t>
+              </a:r>
+            </a:p>
+          </p:txBody>
+        </p:sp>
+        <p:sp>
+          <p:nvSpPr>
+            <p:cNvPr id="64" name="Retângulo 63">
+              <a:extLst>
+                <a:ext uri="{FF2B5EF4-FFF2-40B4-BE49-F238E27FC236}">
+                  <a16:creationId xmlns:a16="http://schemas.microsoft.com/office/drawing/2014/main" id="{3EAF4632-0390-40C6-B7F7-142273F45280}"/>
+                </a:ext>
+              </a:extLst>
+            </p:cNvPr>
+            <p:cNvSpPr/>
+            <p:nvPr/>
+          </p:nvSpPr>
+          <p:spPr>
+            <a:xfrm>
+              <a:off x="8068147" y="1004622"/>
+              <a:ext cx="1215186" cy="1090677"/>
+            </a:xfrm>
+            <a:prstGeom prst="rect">
+              <a:avLst/>
+            </a:prstGeom>
+            <a:solidFill>
+              <a:schemeClr val="accent1">
+                <a:lumMod val="40000"/>
+                <a:lumOff val="60000"/>
+              </a:schemeClr>
+            </a:solidFill>
+            <a:ln>
+              <a:solidFill>
+                <a:srgbClr val="FF0000"/>
+              </a:solidFill>
+            </a:ln>
+          </p:spPr>
+          <p:style>
+            <a:lnRef idx="2">
+              <a:schemeClr val="accent1">
+                <a:shade val="50000"/>
+              </a:schemeClr>
+            </a:lnRef>
+            <a:fillRef idx="1">
+              <a:schemeClr val="accent1"/>
+            </a:fillRef>
+            <a:effectRef idx="0">
+              <a:schemeClr val="accent1"/>
+            </a:effectRef>
+            <a:fontRef idx="minor">
+              <a:schemeClr val="lt1"/>
+            </a:fontRef>
+          </p:style>
+          <p:txBody>
+            <a:bodyPr rtlCol="0" anchor="ctr"/>
+            <a:lstStyle/>
+            <a:p>
+              <a:pPr algn="ctr"/>
+              <a:endParaRPr lang="pt-BR"/>
+            </a:p>
+          </p:txBody>
+        </p:sp>
+        <p:sp>
+          <p:nvSpPr>
+            <p:cNvPr id="52" name="CaixaDeTexto 51">
+              <a:extLst>
+                <a:ext uri="{FF2B5EF4-FFF2-40B4-BE49-F238E27FC236}">
+                  <a16:creationId xmlns:a16="http://schemas.microsoft.com/office/drawing/2014/main" id="{2AFDEF46-8034-4C9D-977D-80480B5C105B}"/>
+                </a:ext>
+              </a:extLst>
+            </p:cNvPr>
+            <p:cNvSpPr txBox="1"/>
+            <p:nvPr/>
+          </p:nvSpPr>
+          <p:spPr>
+            <a:xfrm>
+              <a:off x="8057621" y="1224494"/>
+              <a:ext cx="1236237" cy="646331"/>
+            </a:xfrm>
+            <a:prstGeom prst="rect">
+              <a:avLst/>
+            </a:prstGeom>
+            <a:noFill/>
+          </p:spPr>
+          <p:txBody>
+            <a:bodyPr wrap="none" rtlCol="0">
+              <a:spAutoFit/>
+            </a:bodyPr>
+            <a:lstStyle>
+              <a:defPPr>
+                <a:defRPr lang="pt-BR"/>
+              </a:defPPr>
+              <a:lvl1pPr>
+                <a:defRPr>
+                  <a:latin typeface="CMU Serif" panose="02000603000000000000" pitchFamily="50" charset="0"/>
+                  <a:ea typeface="CMU Serif" panose="02000603000000000000" pitchFamily="50" charset="0"/>
+                  <a:cs typeface="CMU Serif" panose="02000603000000000000" pitchFamily="50" charset="0"/>
+                </a:defRPr>
+              </a:lvl1pPr>
+            </a:lstStyle>
+            <a:p>
+              <a:pPr algn="ctr"/>
+              <a:r>
+                <a:rPr lang="pt-BR" dirty="0"/>
+                <a:t>montagem</a:t>
+              </a:r>
+            </a:p>
+            <a:p>
+              <a:pPr algn="ctr"/>
+              <a:r>
+                <a:rPr lang="pt-BR" dirty="0"/>
+                <a:t>.py</a:t>
+              </a:r>
+            </a:p>
+          </p:txBody>
+        </p:sp>
+        <p:sp>
+          <p:nvSpPr>
+            <p:cNvPr id="67" name="Retângulo 66">
+              <a:extLst>
+                <a:ext uri="{FF2B5EF4-FFF2-40B4-BE49-F238E27FC236}">
+                  <a16:creationId xmlns:a16="http://schemas.microsoft.com/office/drawing/2014/main" id="{6FAD0B4A-A2FD-45EF-86CF-52445ADCA333}"/>
+                </a:ext>
+              </a:extLst>
+            </p:cNvPr>
+            <p:cNvSpPr/>
+            <p:nvPr/>
+          </p:nvSpPr>
+          <p:spPr>
+            <a:xfrm>
+              <a:off x="9770390" y="992999"/>
+              <a:ext cx="1215186" cy="1090677"/>
+            </a:xfrm>
+            <a:prstGeom prst="rect">
+              <a:avLst/>
+            </a:prstGeom>
+            <a:solidFill>
+              <a:schemeClr val="accent1">
+                <a:lumMod val="40000"/>
+                <a:lumOff val="60000"/>
+              </a:schemeClr>
+            </a:solidFill>
+            <a:ln>
+              <a:solidFill>
+                <a:srgbClr val="FF0000"/>
+              </a:solidFill>
+            </a:ln>
+          </p:spPr>
+          <p:style>
+            <a:lnRef idx="2">
+              <a:schemeClr val="accent1">
+                <a:shade val="50000"/>
+              </a:schemeClr>
+            </a:lnRef>
+            <a:fillRef idx="1">
+              <a:schemeClr val="accent1"/>
+            </a:fillRef>
+            <a:effectRef idx="0">
+              <a:schemeClr val="accent1"/>
+            </a:effectRef>
+            <a:fontRef idx="minor">
+              <a:schemeClr val="lt1"/>
+            </a:fontRef>
+          </p:style>
+          <p:txBody>
+            <a:bodyPr rtlCol="0" anchor="ctr"/>
+            <a:lstStyle/>
+            <a:p>
+              <a:pPr algn="ctr"/>
+              <a:endParaRPr lang="pt-BR"/>
+            </a:p>
+          </p:txBody>
+        </p:sp>
+        <p:sp>
+          <p:nvSpPr>
+            <p:cNvPr id="62" name="CaixaDeTexto 61">
+              <a:extLst>
+                <a:ext uri="{FF2B5EF4-FFF2-40B4-BE49-F238E27FC236}">
+                  <a16:creationId xmlns:a16="http://schemas.microsoft.com/office/drawing/2014/main" id="{69BEB498-996E-4EF1-9D75-8708B0FCCFBC}"/>
+                </a:ext>
+              </a:extLst>
+            </p:cNvPr>
+            <p:cNvSpPr txBox="1"/>
+            <p:nvPr/>
+          </p:nvSpPr>
+          <p:spPr>
+            <a:xfrm>
+              <a:off x="9859153" y="1215171"/>
+              <a:ext cx="1032655" cy="646331"/>
+            </a:xfrm>
+            <a:prstGeom prst="rect">
+              <a:avLst/>
+            </a:prstGeom>
+            <a:noFill/>
+          </p:spPr>
+          <p:txBody>
+            <a:bodyPr wrap="none" rtlCol="0">
+              <a:spAutoFit/>
+            </a:bodyPr>
+            <a:lstStyle>
+              <a:defPPr>
+                <a:defRPr lang="pt-BR"/>
+              </a:defPPr>
+              <a:lvl1pPr>
+                <a:defRPr>
+                  <a:latin typeface="CMU Serif" panose="02000603000000000000" pitchFamily="50" charset="0"/>
+                  <a:ea typeface="CMU Serif" panose="02000603000000000000" pitchFamily="50" charset="0"/>
+                  <a:cs typeface="CMU Serif" panose="02000603000000000000" pitchFamily="50" charset="0"/>
+                </a:defRPr>
+              </a:lvl1pPr>
+            </a:lstStyle>
+            <a:p>
+              <a:pPr algn="ctr"/>
+              <a:r>
+                <a:rPr lang="pt-BR" dirty="0"/>
+                <a:t>matrizes</a:t>
+              </a:r>
+            </a:p>
+            <a:p>
+              <a:pPr algn="ctr"/>
+              <a:r>
+                <a:rPr lang="pt-BR" dirty="0"/>
+                <a:t>.py</a:t>
+              </a:r>
+            </a:p>
+          </p:txBody>
+        </p:sp>
       </p:grpSp>
-      <p:sp>
-        <p:nvSpPr>
-          <p:cNvPr id="51" name="Retângulo 50">
-            <a:extLst>
-              <a:ext uri="{FF2B5EF4-FFF2-40B4-BE49-F238E27FC236}">
-                <a16:creationId xmlns:a16="http://schemas.microsoft.com/office/drawing/2014/main" id="{5EEFA52B-3DB3-49E6-A695-BBC13C742357}"/>
-              </a:ext>
-            </a:extLst>
-          </p:cNvPr>
-          <p:cNvSpPr/>
-          <p:nvPr/>
-        </p:nvSpPr>
-        <p:spPr>
-          <a:xfrm>
-            <a:off x="6318096" y="1143375"/>
-            <a:ext cx="702455" cy="605249"/>
-          </a:xfrm>
-          <a:prstGeom prst="rect">
-            <a:avLst/>
-          </a:prstGeom>
-          <a:solidFill>
-            <a:schemeClr val="accent1">
-              <a:lumMod val="40000"/>
-              <a:lumOff val="60000"/>
-            </a:schemeClr>
-          </a:solidFill>
-          <a:ln>
-            <a:solidFill>
-              <a:srgbClr val="FF0000"/>
-            </a:solidFill>
-          </a:ln>
-        </p:spPr>
-        <p:style>
-          <a:lnRef idx="2">
-            <a:schemeClr val="accent1">
-              <a:shade val="50000"/>
-            </a:schemeClr>
-          </a:lnRef>
-          <a:fillRef idx="1">
-            <a:schemeClr val="accent1"/>
-          </a:fillRef>
-          <a:effectRef idx="0">
-            <a:schemeClr val="accent1"/>
-          </a:effectRef>
-          <a:fontRef idx="minor">
-            <a:schemeClr val="lt1"/>
-          </a:fontRef>
-        </p:style>
-        <p:txBody>
-          <a:bodyPr rtlCol="0" anchor="ctr"/>
-          <a:lstStyle/>
-          <a:p>
-            <a:pPr algn="ctr"/>
-            <a:endParaRPr lang="pt-BR"/>
-          </a:p>
-        </p:txBody>
-      </p:sp>
-      <p:sp>
-        <p:nvSpPr>
-          <p:cNvPr id="52" name="CaixaDeTexto 51">
-            <a:extLst>
-              <a:ext uri="{FF2B5EF4-FFF2-40B4-BE49-F238E27FC236}">
-                <a16:creationId xmlns:a16="http://schemas.microsoft.com/office/drawing/2014/main" id="{2AFDEF46-8034-4C9D-977D-80480B5C105B}"/>
-              </a:ext>
-            </a:extLst>
-          </p:cNvPr>
-          <p:cNvSpPr txBox="1"/>
-          <p:nvPr/>
-        </p:nvSpPr>
-        <p:spPr>
-          <a:xfrm>
-            <a:off x="6264568" y="1217238"/>
-            <a:ext cx="825867" cy="446276"/>
-          </a:xfrm>
-          <a:prstGeom prst="rect">
-            <a:avLst/>
-          </a:prstGeom>
-          <a:noFill/>
-        </p:spPr>
-        <p:txBody>
-          <a:bodyPr wrap="none" rtlCol="0">
-            <a:spAutoFit/>
-          </a:bodyPr>
-          <a:lstStyle>
-            <a:defPPr>
-              <a:defRPr lang="pt-BR"/>
-            </a:defPPr>
-            <a:lvl1pPr>
-              <a:defRPr>
-                <a:latin typeface="CMU Serif" panose="02000603000000000000" pitchFamily="50" charset="0"/>
-                <a:ea typeface="CMU Serif" panose="02000603000000000000" pitchFamily="50" charset="0"/>
-                <a:cs typeface="CMU Serif" panose="02000603000000000000" pitchFamily="50" charset="0"/>
-              </a:defRPr>
-            </a:lvl1pPr>
-          </a:lstStyle>
-          <a:p>
-            <a:pPr algn="ctr"/>
-            <a:r>
-              <a:rPr lang="pt-BR" sz="1100" dirty="0"/>
-              <a:t>montagem</a:t>
-            </a:r>
-          </a:p>
-          <a:p>
-            <a:pPr algn="ctr"/>
-            <a:r>
-              <a:rPr lang="pt-BR" sz="1100" dirty="0"/>
-              <a:t>.py</a:t>
-            </a:r>
-          </a:p>
-        </p:txBody>
-      </p:sp>
-      <p:sp>
-        <p:nvSpPr>
-          <p:cNvPr id="53" name="Retângulo 52">
-            <a:extLst>
-              <a:ext uri="{FF2B5EF4-FFF2-40B4-BE49-F238E27FC236}">
-                <a16:creationId xmlns:a16="http://schemas.microsoft.com/office/drawing/2014/main" id="{F776563A-8A9A-40E2-BA26-2372E7165893}"/>
-              </a:ext>
-            </a:extLst>
-          </p:cNvPr>
-          <p:cNvSpPr/>
-          <p:nvPr/>
-        </p:nvSpPr>
-        <p:spPr>
-          <a:xfrm>
-            <a:off x="2456613" y="1149458"/>
-            <a:ext cx="702455" cy="605249"/>
-          </a:xfrm>
-          <a:prstGeom prst="rect">
-            <a:avLst/>
-          </a:prstGeom>
-          <a:solidFill>
-            <a:schemeClr val="accent1">
-              <a:lumMod val="40000"/>
-              <a:lumOff val="60000"/>
-            </a:schemeClr>
-          </a:solidFill>
-          <a:ln>
-            <a:solidFill>
-              <a:srgbClr val="FF0000"/>
-            </a:solidFill>
-          </a:ln>
-        </p:spPr>
-        <p:style>
-          <a:lnRef idx="2">
-            <a:schemeClr val="accent1">
-              <a:shade val="50000"/>
-            </a:schemeClr>
-          </a:lnRef>
-          <a:fillRef idx="1">
-            <a:schemeClr val="accent1"/>
-          </a:fillRef>
-          <a:effectRef idx="0">
-            <a:schemeClr val="accent1"/>
-          </a:effectRef>
-          <a:fontRef idx="minor">
-            <a:schemeClr val="lt1"/>
-          </a:fontRef>
-        </p:style>
-        <p:txBody>
-          <a:bodyPr rtlCol="0" anchor="ctr"/>
-          <a:lstStyle/>
-          <a:p>
-            <a:pPr algn="ctr"/>
-            <a:endParaRPr lang="pt-BR"/>
-          </a:p>
-        </p:txBody>
-      </p:sp>
-      <p:sp>
-        <p:nvSpPr>
-          <p:cNvPr id="48" name="CaixaDeTexto 47">
-            <a:extLst>
-              <a:ext uri="{FF2B5EF4-FFF2-40B4-BE49-F238E27FC236}">
-                <a16:creationId xmlns:a16="http://schemas.microsoft.com/office/drawing/2014/main" id="{4835E02E-6BAD-42AD-9CD6-57BE7633A9CF}"/>
-              </a:ext>
-            </a:extLst>
-          </p:cNvPr>
-          <p:cNvSpPr txBox="1"/>
-          <p:nvPr/>
-        </p:nvSpPr>
-        <p:spPr>
-          <a:xfrm>
-            <a:off x="2547993" y="1221249"/>
-            <a:ext cx="519694" cy="461665"/>
-          </a:xfrm>
-          <a:prstGeom prst="rect">
-            <a:avLst/>
-          </a:prstGeom>
-          <a:noFill/>
-        </p:spPr>
-        <p:txBody>
-          <a:bodyPr wrap="none" rtlCol="0">
-            <a:spAutoFit/>
-          </a:bodyPr>
-          <a:lstStyle>
-            <a:defPPr>
-              <a:defRPr lang="pt-BR"/>
-            </a:defPPr>
-            <a:lvl1pPr>
-              <a:defRPr>
-                <a:latin typeface="CMU Serif" panose="02000603000000000000" pitchFamily="50" charset="0"/>
-                <a:ea typeface="CMU Serif" panose="02000603000000000000" pitchFamily="50" charset="0"/>
-                <a:cs typeface="CMU Serif" panose="02000603000000000000" pitchFamily="50" charset="0"/>
-              </a:defRPr>
-            </a:lvl1pPr>
-          </a:lstStyle>
-          <a:p>
-            <a:pPr algn="ctr"/>
-            <a:r>
-              <a:rPr lang="pt-BR" sz="1200" dirty="0"/>
-              <a:t>disco</a:t>
-            </a:r>
-          </a:p>
-          <a:p>
-            <a:pPr algn="ctr"/>
-            <a:r>
-              <a:rPr lang="pt-BR" sz="1200" dirty="0"/>
-              <a:t>.py</a:t>
-            </a:r>
-          </a:p>
-        </p:txBody>
-      </p:sp>
-      <p:sp>
-        <p:nvSpPr>
-          <p:cNvPr id="59" name="Retângulo 58">
-            <a:extLst>
-              <a:ext uri="{FF2B5EF4-FFF2-40B4-BE49-F238E27FC236}">
-                <a16:creationId xmlns:a16="http://schemas.microsoft.com/office/drawing/2014/main" id="{6A1E1AFB-DA27-4621-AE7D-389FB9C23395}"/>
-              </a:ext>
-            </a:extLst>
-          </p:cNvPr>
-          <p:cNvSpPr/>
-          <p:nvPr/>
-        </p:nvSpPr>
-        <p:spPr>
-          <a:xfrm>
-            <a:off x="5031310" y="1151608"/>
-            <a:ext cx="702455" cy="605249"/>
-          </a:xfrm>
-          <a:prstGeom prst="rect">
-            <a:avLst/>
-          </a:prstGeom>
-          <a:solidFill>
-            <a:schemeClr val="accent1">
-              <a:lumMod val="40000"/>
-              <a:lumOff val="60000"/>
-            </a:schemeClr>
-          </a:solidFill>
-          <a:ln>
-            <a:solidFill>
-              <a:srgbClr val="FF0000"/>
-            </a:solidFill>
-          </a:ln>
-        </p:spPr>
-        <p:style>
-          <a:lnRef idx="2">
-            <a:schemeClr val="accent1">
-              <a:shade val="50000"/>
-            </a:schemeClr>
-          </a:lnRef>
-          <a:fillRef idx="1">
-            <a:schemeClr val="accent1"/>
-          </a:fillRef>
-          <a:effectRef idx="0">
-            <a:schemeClr val="accent1"/>
-          </a:effectRef>
-          <a:fontRef idx="minor">
-            <a:schemeClr val="lt1"/>
-          </a:fontRef>
-        </p:style>
-        <p:txBody>
-          <a:bodyPr rtlCol="0" anchor="ctr"/>
-          <a:lstStyle/>
-          <a:p>
-            <a:pPr algn="ctr"/>
-            <a:endParaRPr lang="pt-BR"/>
-          </a:p>
-        </p:txBody>
-      </p:sp>
-      <p:sp>
-        <p:nvSpPr>
-          <p:cNvPr id="60" name="CaixaDeTexto 59">
-            <a:extLst>
-              <a:ext uri="{FF2B5EF4-FFF2-40B4-BE49-F238E27FC236}">
-                <a16:creationId xmlns:a16="http://schemas.microsoft.com/office/drawing/2014/main" id="{47A17F75-FCC5-4C71-BCB8-2DAEE818DCE4}"/>
-              </a:ext>
-            </a:extLst>
-          </p:cNvPr>
-          <p:cNvSpPr txBox="1"/>
-          <p:nvPr/>
-        </p:nvSpPr>
-        <p:spPr>
-          <a:xfrm>
-            <a:off x="5078924" y="1211424"/>
-            <a:ext cx="595035" cy="461665"/>
-          </a:xfrm>
-          <a:prstGeom prst="rect">
-            <a:avLst/>
-          </a:prstGeom>
-          <a:noFill/>
-        </p:spPr>
-        <p:txBody>
-          <a:bodyPr wrap="none" rtlCol="0">
-            <a:spAutoFit/>
-          </a:bodyPr>
-          <a:lstStyle>
-            <a:defPPr>
-              <a:defRPr lang="pt-BR"/>
-            </a:defPPr>
-            <a:lvl1pPr>
-              <a:defRPr>
-                <a:latin typeface="CMU Serif" panose="02000603000000000000" pitchFamily="50" charset="0"/>
-                <a:ea typeface="CMU Serif" panose="02000603000000000000" pitchFamily="50" charset="0"/>
-                <a:cs typeface="CMU Serif" panose="02000603000000000000" pitchFamily="50" charset="0"/>
-              </a:defRPr>
-            </a:lvl1pPr>
-          </a:lstStyle>
-          <a:p>
-            <a:pPr algn="ctr"/>
-            <a:r>
-              <a:rPr lang="pt-BR" sz="1200" dirty="0"/>
-              <a:t>malha</a:t>
-            </a:r>
-          </a:p>
-          <a:p>
-            <a:pPr algn="ctr"/>
-            <a:r>
-              <a:rPr lang="pt-BR" sz="1200" dirty="0"/>
-              <a:t>.py</a:t>
-            </a:r>
-          </a:p>
-        </p:txBody>
-      </p:sp>
-      <p:sp>
-        <p:nvSpPr>
-          <p:cNvPr id="61" name="Retângulo 60">
-            <a:extLst>
-              <a:ext uri="{FF2B5EF4-FFF2-40B4-BE49-F238E27FC236}">
-                <a16:creationId xmlns:a16="http://schemas.microsoft.com/office/drawing/2014/main" id="{C5746D9E-E983-4F8E-B2A4-A0B522A41DA2}"/>
-              </a:ext>
-            </a:extLst>
-          </p:cNvPr>
-          <p:cNvSpPr/>
-          <p:nvPr/>
-        </p:nvSpPr>
-        <p:spPr>
-          <a:xfrm>
-            <a:off x="7641980" y="1151594"/>
-            <a:ext cx="702455" cy="605249"/>
-          </a:xfrm>
-          <a:prstGeom prst="rect">
-            <a:avLst/>
-          </a:prstGeom>
-          <a:solidFill>
-            <a:schemeClr val="accent1">
-              <a:lumMod val="40000"/>
-              <a:lumOff val="60000"/>
-            </a:schemeClr>
-          </a:solidFill>
-          <a:ln>
-            <a:solidFill>
-              <a:srgbClr val="FF0000"/>
-            </a:solidFill>
-          </a:ln>
-        </p:spPr>
-        <p:style>
-          <a:lnRef idx="2">
-            <a:schemeClr val="accent1">
-              <a:shade val="50000"/>
-            </a:schemeClr>
-          </a:lnRef>
-          <a:fillRef idx="1">
-            <a:schemeClr val="accent1"/>
-          </a:fillRef>
-          <a:effectRef idx="0">
-            <a:schemeClr val="accent1"/>
-          </a:effectRef>
-          <a:fontRef idx="minor">
-            <a:schemeClr val="lt1"/>
-          </a:fontRef>
-        </p:style>
-        <p:txBody>
-          <a:bodyPr rtlCol="0" anchor="ctr"/>
-          <a:lstStyle/>
-          <a:p>
-            <a:pPr algn="ctr"/>
-            <a:endParaRPr lang="pt-BR"/>
-          </a:p>
-        </p:txBody>
-      </p:sp>
-      <p:sp>
-        <p:nvSpPr>
-          <p:cNvPr id="62" name="CaixaDeTexto 61">
-            <a:extLst>
-              <a:ext uri="{FF2B5EF4-FFF2-40B4-BE49-F238E27FC236}">
-                <a16:creationId xmlns:a16="http://schemas.microsoft.com/office/drawing/2014/main" id="{69BEB498-996E-4EF1-9D75-8708B0FCCFBC}"/>
-              </a:ext>
-            </a:extLst>
-          </p:cNvPr>
-          <p:cNvSpPr txBox="1"/>
-          <p:nvPr/>
-        </p:nvSpPr>
-        <p:spPr>
-          <a:xfrm>
-            <a:off x="7625323" y="1225457"/>
-            <a:ext cx="752130" cy="461665"/>
-          </a:xfrm>
-          <a:prstGeom prst="rect">
-            <a:avLst/>
-          </a:prstGeom>
-          <a:noFill/>
-        </p:spPr>
-        <p:txBody>
-          <a:bodyPr wrap="none" rtlCol="0">
-            <a:spAutoFit/>
-          </a:bodyPr>
-          <a:lstStyle>
-            <a:defPPr>
-              <a:defRPr lang="pt-BR"/>
-            </a:defPPr>
-            <a:lvl1pPr>
-              <a:defRPr>
-                <a:latin typeface="CMU Serif" panose="02000603000000000000" pitchFamily="50" charset="0"/>
-                <a:ea typeface="CMU Serif" panose="02000603000000000000" pitchFamily="50" charset="0"/>
-                <a:cs typeface="CMU Serif" panose="02000603000000000000" pitchFamily="50" charset="0"/>
-              </a:defRPr>
-            </a:lvl1pPr>
-          </a:lstStyle>
-          <a:p>
-            <a:pPr algn="ctr"/>
-            <a:r>
-              <a:rPr lang="pt-BR" sz="1200" dirty="0"/>
-              <a:t>matrizes</a:t>
-            </a:r>
-          </a:p>
-          <a:p>
-            <a:pPr algn="ctr"/>
-            <a:r>
-              <a:rPr lang="pt-BR" sz="1200" dirty="0"/>
-              <a:t>.py</a:t>
-            </a:r>
-          </a:p>
-        </p:txBody>
-      </p:sp>
-      <p:sp>
-        <p:nvSpPr>
-          <p:cNvPr id="63" name="Retângulo 62">
-            <a:extLst>
-              <a:ext uri="{FF2B5EF4-FFF2-40B4-BE49-F238E27FC236}">
-                <a16:creationId xmlns:a16="http://schemas.microsoft.com/office/drawing/2014/main" id="{ED28C4B3-0095-4B5C-B6EB-EFA7F19FF9A0}"/>
-              </a:ext>
-            </a:extLst>
-          </p:cNvPr>
-          <p:cNvSpPr/>
-          <p:nvPr/>
-        </p:nvSpPr>
-        <p:spPr>
-          <a:xfrm>
-            <a:off x="3738808" y="1156239"/>
-            <a:ext cx="702455" cy="605249"/>
-          </a:xfrm>
-          <a:prstGeom prst="rect">
-            <a:avLst/>
-          </a:prstGeom>
-          <a:solidFill>
-            <a:schemeClr val="accent1">
-              <a:lumMod val="40000"/>
-              <a:lumOff val="60000"/>
-            </a:schemeClr>
-          </a:solidFill>
-          <a:ln>
-            <a:solidFill>
-              <a:srgbClr val="FF0000"/>
-            </a:solidFill>
-          </a:ln>
-        </p:spPr>
-        <p:style>
-          <a:lnRef idx="2">
-            <a:schemeClr val="accent1">
-              <a:shade val="50000"/>
-            </a:schemeClr>
-          </a:lnRef>
-          <a:fillRef idx="1">
-            <a:schemeClr val="accent1"/>
-          </a:fillRef>
-          <a:effectRef idx="0">
-            <a:schemeClr val="accent1"/>
-          </a:effectRef>
-          <a:fontRef idx="minor">
-            <a:schemeClr val="lt1"/>
-          </a:fontRef>
-        </p:style>
-        <p:txBody>
-          <a:bodyPr rtlCol="0" anchor="ctr"/>
-          <a:lstStyle/>
-          <a:p>
-            <a:pPr algn="ctr"/>
-            <a:endParaRPr lang="pt-BR"/>
-          </a:p>
-        </p:txBody>
-      </p:sp>
-      <p:sp>
-        <p:nvSpPr>
-          <p:cNvPr id="50" name="CaixaDeTexto 49">
-            <a:extLst>
-              <a:ext uri="{FF2B5EF4-FFF2-40B4-BE49-F238E27FC236}">
-                <a16:creationId xmlns:a16="http://schemas.microsoft.com/office/drawing/2014/main" id="{B71BDD32-486E-48B8-A3A4-881EEA406C1A}"/>
-              </a:ext>
-            </a:extLst>
-          </p:cNvPr>
-          <p:cNvSpPr txBox="1"/>
-          <p:nvPr/>
-        </p:nvSpPr>
-        <p:spPr>
-          <a:xfrm>
-            <a:off x="3812008" y="1220295"/>
-            <a:ext cx="542136" cy="461665"/>
-          </a:xfrm>
-          <a:prstGeom prst="rect">
-            <a:avLst/>
-          </a:prstGeom>
-          <a:noFill/>
-        </p:spPr>
-        <p:txBody>
-          <a:bodyPr wrap="none" rtlCol="0">
-            <a:spAutoFit/>
-          </a:bodyPr>
-          <a:lstStyle>
-            <a:defPPr>
-              <a:defRPr lang="pt-BR"/>
-            </a:defPPr>
-            <a:lvl1pPr>
-              <a:defRPr>
-                <a:latin typeface="CMU Serif" panose="02000603000000000000" pitchFamily="50" charset="0"/>
-                <a:ea typeface="CMU Serif" panose="02000603000000000000" pitchFamily="50" charset="0"/>
-                <a:cs typeface="CMU Serif" panose="02000603000000000000" pitchFamily="50" charset="0"/>
-              </a:defRPr>
-            </a:lvl1pPr>
-          </a:lstStyle>
-          <a:p>
-            <a:pPr algn="ctr"/>
-            <a:r>
-              <a:rPr lang="pt-BR" sz="1200" dirty="0"/>
-              <a:t>input</a:t>
-            </a:r>
-          </a:p>
-          <a:p>
-            <a:pPr algn="ctr"/>
-            <a:r>
-              <a:rPr lang="pt-BR" sz="1200" dirty="0"/>
-              <a:t>.py</a:t>
-            </a:r>
-          </a:p>
-        </p:txBody>
-      </p:sp>
     </p:spTree>
     <p:extLst>
       <p:ext uri="{BB962C8B-B14F-4D97-AF65-F5344CB8AC3E}">
